--- a/presentation/Krotos Audio – Customer Segmentation & Retention Analysis.pptx
+++ b/presentation/Krotos Audio – Customer Segmentation & Retention Analysis.pptx
@@ -1,40 +1,40 @@
 
 <file path=ppt/presentation.xml><?xml version="1.0" encoding="utf-8"?>
-<p:presentation xmlns:a="http://schemas.openxmlformats.org/drawingml/2006/main" xmlns:r="http://schemas.openxmlformats.org/officeDocument/2006/relationships" xmlns:mc="http://schemas.openxmlformats.org/markup-compatibility/2006" xmlns:mv="urn:schemas-microsoft-com:mac:vml" xmlns:p="http://schemas.openxmlformats.org/presentationml/2006/main" xmlns:c="http://schemas.openxmlformats.org/drawingml/2006/chart" xmlns:dgm="http://schemas.openxmlformats.org/drawingml/2006/diagram" xmlns:o="urn:schemas-microsoft-com:office:office" xmlns:v="urn:schemas-microsoft-com:vml" xmlns:pvml="urn:schemas-microsoft-com:office:powerpoint" xmlns:com="http://schemas.openxmlformats.org/drawingml/2006/compatibility" xmlns:p14="http://schemas.microsoft.com/office/powerpoint/2010/main" xmlns:p15="http://schemas.microsoft.com/office/powerpoint/2012/main" xmlns:ahyp="http://schemas.microsoft.com/office/drawing/2018/hyperlinkcolor" autoCompressPictures="0" embedTrueTypeFonts="1" strictFirstAndLastChars="0" saveSubsetFonts="1">
+<p:presentation xmlns:a="http://schemas.openxmlformats.org/drawingml/2006/main" xmlns:r="http://schemas.openxmlformats.org/officeDocument/2006/relationships" xmlns:p="http://schemas.openxmlformats.org/presentationml/2006/main" strictFirstAndLastChars="0" embedTrueTypeFonts="1" saveSubsetFonts="1" autoCompressPictures="0">
   <p:sldMasterIdLst>
-    <p:sldMasterId id="2147483659" r:id="rId5"/>
+    <p:sldMasterId id="2147483659" r:id="rId1"/>
   </p:sldMasterIdLst>
   <p:notesMasterIdLst>
-    <p:notesMasterId r:id="rId6"/>
+    <p:notesMasterId r:id="rId15"/>
   </p:notesMasterIdLst>
   <p:sldIdLst>
-    <p:sldId id="256" r:id="rId7"/>
-    <p:sldId id="257" r:id="rId8"/>
-    <p:sldId id="258" r:id="rId9"/>
-    <p:sldId id="259" r:id="rId10"/>
-    <p:sldId id="260" r:id="rId11"/>
-    <p:sldId id="261" r:id="rId12"/>
-    <p:sldId id="262" r:id="rId13"/>
-    <p:sldId id="263" r:id="rId14"/>
-    <p:sldId id="264" r:id="rId15"/>
-    <p:sldId id="265" r:id="rId16"/>
-    <p:sldId id="266" r:id="rId17"/>
-    <p:sldId id="267" r:id="rId18"/>
-    <p:sldId id="268" r:id="rId19"/>
+    <p:sldId id="256" r:id="rId2"/>
+    <p:sldId id="257" r:id="rId3"/>
+    <p:sldId id="258" r:id="rId4"/>
+    <p:sldId id="259" r:id="rId5"/>
+    <p:sldId id="260" r:id="rId6"/>
+    <p:sldId id="261" r:id="rId7"/>
+    <p:sldId id="262" r:id="rId8"/>
+    <p:sldId id="263" r:id="rId9"/>
+    <p:sldId id="264" r:id="rId10"/>
+    <p:sldId id="265" r:id="rId11"/>
+    <p:sldId id="266" r:id="rId12"/>
+    <p:sldId id="267" r:id="rId13"/>
+    <p:sldId id="268" r:id="rId14"/>
   </p:sldIdLst>
-  <p:sldSz cy="5143500" cx="9144000"/>
+  <p:sldSz cx="9144000" cy="5143500" type="screen16x9"/>
   <p:notesSz cx="6858000" cy="9144000"/>
   <p:embeddedFontLst>
     <p:embeddedFont>
-      <p:font typeface="Roboto Mono"/>
-      <p:regular r:id="rId20"/>
-      <p:bold r:id="rId21"/>
-      <p:italic r:id="rId22"/>
-      <p:boldItalic r:id="rId23"/>
+      <p:font typeface="Roboto Mono" panose="020F0502020204030204" pitchFamily="49" charset="0"/>
+      <p:regular r:id="rId16"/>
+      <p:bold r:id="rId17"/>
+      <p:italic r:id="rId18"/>
+      <p:boldItalic r:id="rId19"/>
     </p:embeddedFont>
   </p:embeddedFontLst>
   <p:defaultTextStyle>
-    <a:defPPr lvl="0" marR="0" rtl="0" algn="l">
+    <a:defPPr marR="0" lvl="0" algn="l" rtl="0">
       <a:lnSpc>
         <a:spcPct val="100000"/>
       </a:lnSpc>
@@ -45,7 +45,7 @@
         <a:spcPts val="0"/>
       </a:spcAft>
     </a:defPPr>
-    <a:lvl1pPr lvl="0" marR="0" rtl="0" algn="l">
+    <a:lvl1pPr marR="0" lvl="0" algn="l" rtl="0">
       <a:lnSpc>
         <a:spcPct val="100000"/>
       </a:lnSpc>
@@ -59,7 +59,7 @@
         <a:srgbClr val="000000"/>
       </a:buClr>
       <a:buFont typeface="Arial"/>
-      <a:defRPr b="0" i="0" sz="1400" u="none" cap="none" strike="noStrike">
+      <a:defRPr sz="1400" b="0" i="0" u="none" strike="noStrike" cap="none">
         <a:solidFill>
           <a:srgbClr val="000000"/>
         </a:solidFill>
@@ -69,7 +69,7 @@
         <a:sym typeface="Arial"/>
       </a:defRPr>
     </a:lvl1pPr>
-    <a:lvl2pPr lvl="1" marR="0" rtl="0" algn="l">
+    <a:lvl2pPr marR="0" lvl="1" algn="l" rtl="0">
       <a:lnSpc>
         <a:spcPct val="100000"/>
       </a:lnSpc>
@@ -83,7 +83,7 @@
         <a:srgbClr val="000000"/>
       </a:buClr>
       <a:buFont typeface="Arial"/>
-      <a:defRPr b="0" i="0" sz="1400" u="none" cap="none" strike="noStrike">
+      <a:defRPr sz="1400" b="0" i="0" u="none" strike="noStrike" cap="none">
         <a:solidFill>
           <a:srgbClr val="000000"/>
         </a:solidFill>
@@ -93,7 +93,7 @@
         <a:sym typeface="Arial"/>
       </a:defRPr>
     </a:lvl2pPr>
-    <a:lvl3pPr lvl="2" marR="0" rtl="0" algn="l">
+    <a:lvl3pPr marR="0" lvl="2" algn="l" rtl="0">
       <a:lnSpc>
         <a:spcPct val="100000"/>
       </a:lnSpc>
@@ -107,7 +107,7 @@
         <a:srgbClr val="000000"/>
       </a:buClr>
       <a:buFont typeface="Arial"/>
-      <a:defRPr b="0" i="0" sz="1400" u="none" cap="none" strike="noStrike">
+      <a:defRPr sz="1400" b="0" i="0" u="none" strike="noStrike" cap="none">
         <a:solidFill>
           <a:srgbClr val="000000"/>
         </a:solidFill>
@@ -117,7 +117,7 @@
         <a:sym typeface="Arial"/>
       </a:defRPr>
     </a:lvl3pPr>
-    <a:lvl4pPr lvl="3" marR="0" rtl="0" algn="l">
+    <a:lvl4pPr marR="0" lvl="3" algn="l" rtl="0">
       <a:lnSpc>
         <a:spcPct val="100000"/>
       </a:lnSpc>
@@ -131,7 +131,7 @@
         <a:srgbClr val="000000"/>
       </a:buClr>
       <a:buFont typeface="Arial"/>
-      <a:defRPr b="0" i="0" sz="1400" u="none" cap="none" strike="noStrike">
+      <a:defRPr sz="1400" b="0" i="0" u="none" strike="noStrike" cap="none">
         <a:solidFill>
           <a:srgbClr val="000000"/>
         </a:solidFill>
@@ -141,7 +141,7 @@
         <a:sym typeface="Arial"/>
       </a:defRPr>
     </a:lvl4pPr>
-    <a:lvl5pPr lvl="4" marR="0" rtl="0" algn="l">
+    <a:lvl5pPr marR="0" lvl="4" algn="l" rtl="0">
       <a:lnSpc>
         <a:spcPct val="100000"/>
       </a:lnSpc>
@@ -155,7 +155,7 @@
         <a:srgbClr val="000000"/>
       </a:buClr>
       <a:buFont typeface="Arial"/>
-      <a:defRPr b="0" i="0" sz="1400" u="none" cap="none" strike="noStrike">
+      <a:defRPr sz="1400" b="0" i="0" u="none" strike="noStrike" cap="none">
         <a:solidFill>
           <a:srgbClr val="000000"/>
         </a:solidFill>
@@ -165,7 +165,7 @@
         <a:sym typeface="Arial"/>
       </a:defRPr>
     </a:lvl5pPr>
-    <a:lvl6pPr lvl="5" marR="0" rtl="0" algn="l">
+    <a:lvl6pPr marR="0" lvl="5" algn="l" rtl="0">
       <a:lnSpc>
         <a:spcPct val="100000"/>
       </a:lnSpc>
@@ -179,7 +179,7 @@
         <a:srgbClr val="000000"/>
       </a:buClr>
       <a:buFont typeface="Arial"/>
-      <a:defRPr b="0" i="0" sz="1400" u="none" cap="none" strike="noStrike">
+      <a:defRPr sz="1400" b="0" i="0" u="none" strike="noStrike" cap="none">
         <a:solidFill>
           <a:srgbClr val="000000"/>
         </a:solidFill>
@@ -189,7 +189,7 @@
         <a:sym typeface="Arial"/>
       </a:defRPr>
     </a:lvl6pPr>
-    <a:lvl7pPr lvl="6" marR="0" rtl="0" algn="l">
+    <a:lvl7pPr marR="0" lvl="6" algn="l" rtl="0">
       <a:lnSpc>
         <a:spcPct val="100000"/>
       </a:lnSpc>
@@ -203,7 +203,7 @@
         <a:srgbClr val="000000"/>
       </a:buClr>
       <a:buFont typeface="Arial"/>
-      <a:defRPr b="0" i="0" sz="1400" u="none" cap="none" strike="noStrike">
+      <a:defRPr sz="1400" b="0" i="0" u="none" strike="noStrike" cap="none">
         <a:solidFill>
           <a:srgbClr val="000000"/>
         </a:solidFill>
@@ -213,7 +213,7 @@
         <a:sym typeface="Arial"/>
       </a:defRPr>
     </a:lvl7pPr>
-    <a:lvl8pPr lvl="7" marR="0" rtl="0" algn="l">
+    <a:lvl8pPr marR="0" lvl="7" algn="l" rtl="0">
       <a:lnSpc>
         <a:spcPct val="100000"/>
       </a:lnSpc>
@@ -227,7 +227,7 @@
         <a:srgbClr val="000000"/>
       </a:buClr>
       <a:buFont typeface="Arial"/>
-      <a:defRPr b="0" i="0" sz="1400" u="none" cap="none" strike="noStrike">
+      <a:defRPr sz="1400" b="0" i="0" u="none" strike="noStrike" cap="none">
         <a:solidFill>
           <a:srgbClr val="000000"/>
         </a:solidFill>
@@ -237,7 +237,7 @@
         <a:sym typeface="Arial"/>
       </a:defRPr>
     </a:lvl8pPr>
-    <a:lvl9pPr lvl="8" marR="0" rtl="0" algn="l">
+    <a:lvl9pPr marR="0" lvl="8" algn="l" rtl="0">
       <a:lnSpc>
         <a:spcPct val="100000"/>
       </a:lnSpc>
@@ -251,7 +251,7 @@
         <a:srgbClr val="000000"/>
       </a:buClr>
       <a:buFont typeface="Arial"/>
-      <a:defRPr b="0" i="0" sz="1400" u="none" cap="none" strike="noStrike">
+      <a:defRPr sz="1400" b="0" i="0" u="none" strike="noStrike" cap="none">
         <a:solidFill>
           <a:srgbClr val="000000"/>
         </a:solidFill>
@@ -264,7 +264,7 @@
   </p:defaultTextStyle>
   <p:extLst>
     <p:ext uri="{EFAFB233-063F-42B5-8137-9DF3F51BA10A}">
-      <p15:sldGuideLst>
+      <p15:sldGuideLst xmlns:p15="http://schemas.microsoft.com/office/powerpoint/2012/main">
         <p15:guide id="1" orient="horz" pos="1620">
           <p15:clr>
             <a:srgbClr val="747775"/>
@@ -282,11 +282,16 @@
 </file>
 
 <file path=ppt/notesMasters/notesMaster1.xml><?xml version="1.0" encoding="utf-8"?>
-<p:notesMaster xmlns:a="http://schemas.openxmlformats.org/drawingml/2006/main" xmlns:r="http://schemas.openxmlformats.org/officeDocument/2006/relationships" xmlns:mc="http://schemas.openxmlformats.org/markup-compatibility/2006" xmlns:mv="urn:schemas-microsoft-com:mac:vml" xmlns:p="http://schemas.openxmlformats.org/presentationml/2006/main" xmlns:c="http://schemas.openxmlformats.org/drawingml/2006/chart" xmlns:dgm="http://schemas.openxmlformats.org/drawingml/2006/diagram" xmlns:o="urn:schemas-microsoft-com:office:office" xmlns:v="urn:schemas-microsoft-com:vml" xmlns:pvml="urn:schemas-microsoft-com:office:powerpoint" xmlns:com="http://schemas.openxmlformats.org/drawingml/2006/compatibility" xmlns:p14="http://schemas.microsoft.com/office/powerpoint/2010/main" xmlns:p15="http://schemas.microsoft.com/office/powerpoint/2012/main" xmlns:ahyp="http://schemas.microsoft.com/office/drawing/2018/hyperlinkcolor">
+<p:notesMaster xmlns:a="http://schemas.openxmlformats.org/drawingml/2006/main" xmlns:r="http://schemas.openxmlformats.org/officeDocument/2006/relationships" xmlns:p="http://schemas.openxmlformats.org/presentationml/2006/main">
   <p:cSld>
+    <p:bg>
+      <p:bgRef idx="1001">
+        <a:schemeClr val="bg1"/>
+      </p:bgRef>
+    </p:bg>
     <p:spTree>
       <p:nvGrpSpPr>
-        <p:cNvPr id="2" name="Shape 2"/>
+        <p:cNvPr id="1" name="Shape 2"/>
         <p:cNvGrpSpPr/>
         <p:nvPr/>
       </p:nvGrpSpPr>
@@ -301,9 +306,11 @@
       <p:sp>
         <p:nvSpPr>
           <p:cNvPr id="3" name="Google Shape;3;n"/>
-          <p:cNvSpPr/>
+          <p:cNvSpPr>
+            <a:spLocks noGrp="1" noRot="1" noChangeAspect="1"/>
+          </p:cNvSpPr>
           <p:nvPr>
-            <p:ph idx="2" type="sldImg"/>
+            <p:ph type="sldImg" idx="2"/>
           </p:nvPr>
         </p:nvSpPr>
         <p:spPr>
@@ -312,9 +319,13 @@
             <a:ext cx="6096075" cy="3429000"/>
           </a:xfrm>
           <a:custGeom>
-            <a:rect b="b" l="l" r="r" t="t"/>
+            <a:avLst/>
+            <a:gdLst/>
+            <a:ahLst/>
+            <a:cxnLst/>
+            <a:rect l="l" t="t" r="r" b="b"/>
             <a:pathLst>
-              <a:path extrusionOk="0" h="120000" w="120000">
+              <a:path w="120000" h="120000" extrusionOk="0">
                 <a:moveTo>
                   <a:pt x="0" y="0"/>
                 </a:moveTo>
@@ -332,23 +343,25 @@
             </a:pathLst>
           </a:custGeom>
           <a:noFill/>
-          <a:ln cap="flat" cmpd="sng" w="9525">
+          <a:ln w="9525" cap="flat" cmpd="sng">
             <a:solidFill>
               <a:srgbClr val="000000"/>
             </a:solidFill>
             <a:prstDash val="solid"/>
             <a:round/>
-            <a:headEnd len="sm" w="sm" type="none"/>
-            <a:tailEnd len="sm" w="sm" type="none"/>
+            <a:headEnd type="none" w="sm" len="sm"/>
+            <a:tailEnd type="none" w="sm" len="sm"/>
           </a:ln>
         </p:spPr>
       </p:sp>
       <p:sp>
         <p:nvSpPr>
           <p:cNvPr id="4" name="Google Shape;4;n"/>
-          <p:cNvSpPr txBox="1"/>
+          <p:cNvSpPr txBox="1">
+            <a:spLocks noGrp="1"/>
+          </p:cNvSpPr>
           <p:nvPr>
-            <p:ph idx="1" type="body"/>
+            <p:ph type="body" idx="1"/>
           </p:nvPr>
         </p:nvSpPr>
         <p:spPr>
@@ -365,11 +378,11 @@
           </a:ln>
         </p:spPr>
         <p:txBody>
-          <a:bodyPr anchorCtr="0" anchor="t" bIns="91425" lIns="91425" spcFirstLastPara="1" rIns="91425" wrap="square" tIns="91425">
+          <a:bodyPr spcFirstLastPara="1" wrap="square" lIns="91425" tIns="91425" rIns="91425" bIns="91425" anchor="t" anchorCtr="0">
             <a:noAutofit/>
           </a:bodyPr>
           <a:lstStyle>
-            <a:lvl1pPr indent="-298450" lvl="0" marL="457200">
+            <a:lvl1pPr marL="457200" lvl="0" indent="-298450">
               <a:spcBef>
                 <a:spcPts val="0"/>
               </a:spcBef>
@@ -380,7 +393,7 @@
               <a:buChar char="●"/>
               <a:defRPr sz="1100"/>
             </a:lvl1pPr>
-            <a:lvl2pPr indent="-298450" lvl="1" marL="914400">
+            <a:lvl2pPr marL="914400" lvl="1" indent="-298450">
               <a:spcBef>
                 <a:spcPts val="0"/>
               </a:spcBef>
@@ -391,7 +404,7 @@
               <a:buChar char="○"/>
               <a:defRPr sz="1100"/>
             </a:lvl2pPr>
-            <a:lvl3pPr indent="-298450" lvl="2" marL="1371600">
+            <a:lvl3pPr marL="1371600" lvl="2" indent="-298450">
               <a:spcBef>
                 <a:spcPts val="0"/>
               </a:spcBef>
@@ -402,7 +415,7 @@
               <a:buChar char="■"/>
               <a:defRPr sz="1100"/>
             </a:lvl3pPr>
-            <a:lvl4pPr indent="-298450" lvl="3" marL="1828800">
+            <a:lvl4pPr marL="1828800" lvl="3" indent="-298450">
               <a:spcBef>
                 <a:spcPts val="0"/>
               </a:spcBef>
@@ -413,7 +426,7 @@
               <a:buChar char="●"/>
               <a:defRPr sz="1100"/>
             </a:lvl4pPr>
-            <a:lvl5pPr indent="-298450" lvl="4" marL="2286000">
+            <a:lvl5pPr marL="2286000" lvl="4" indent="-298450">
               <a:spcBef>
                 <a:spcPts val="0"/>
               </a:spcBef>
@@ -424,7 +437,7 @@
               <a:buChar char="○"/>
               <a:defRPr sz="1100"/>
             </a:lvl5pPr>
-            <a:lvl6pPr indent="-298450" lvl="5" marL="2743200">
+            <a:lvl6pPr marL="2743200" lvl="5" indent="-298450">
               <a:spcBef>
                 <a:spcPts val="0"/>
               </a:spcBef>
@@ -435,7 +448,7 @@
               <a:buChar char="■"/>
               <a:defRPr sz="1100"/>
             </a:lvl6pPr>
-            <a:lvl7pPr indent="-298450" lvl="6" marL="3200400">
+            <a:lvl7pPr marL="3200400" lvl="6" indent="-298450">
               <a:spcBef>
                 <a:spcPts val="0"/>
               </a:spcBef>
@@ -446,7 +459,7 @@
               <a:buChar char="●"/>
               <a:defRPr sz="1100"/>
             </a:lvl7pPr>
-            <a:lvl8pPr indent="-298450" lvl="7" marL="3657600">
+            <a:lvl8pPr marL="3657600" lvl="7" indent="-298450">
               <a:spcBef>
                 <a:spcPts val="0"/>
               </a:spcBef>
@@ -457,7 +470,7 @@
               <a:buChar char="○"/>
               <a:defRPr sz="1100"/>
             </a:lvl8pPr>
-            <a:lvl9pPr indent="-298450" lvl="8" marL="4114800">
+            <a:lvl9pPr marL="4114800" lvl="8" indent="-298450">
               <a:spcBef>
                 <a:spcPts val="0"/>
               </a:spcBef>
@@ -469,14 +482,16 @@
               <a:defRPr sz="1100"/>
             </a:lvl9pPr>
           </a:lstStyle>
-          <a:p/>
+          <a:p>
+            <a:endParaRPr/>
+          </a:p>
         </p:txBody>
       </p:sp>
     </p:spTree>
   </p:cSld>
-  <p:clrMap accent1="accent1" accent2="accent2" accent3="accent3" accent4="accent4" accent5="accent5" accent6="accent6" bg1="lt1" bg2="dk2" tx1="dk1" tx2="lt2" folHlink="folHlink" hlink="hlink"/>
+  <p:clrMap bg1="lt1" tx1="dk1" bg2="dk2" tx2="lt2" accent1="accent1" accent2="accent2" accent3="accent3" accent4="accent4" accent5="accent5" accent6="accent6" hlink="hlink" folHlink="folHlink"/>
   <p:notesStyle>
-    <a:defPPr lvl="0" marR="0" rtl="0" algn="l">
+    <a:defPPr marR="0" lvl="0" algn="l" rtl="0">
       <a:lnSpc>
         <a:spcPct val="100000"/>
       </a:lnSpc>
@@ -487,7 +502,7 @@
         <a:spcPts val="0"/>
       </a:spcAft>
     </a:defPPr>
-    <a:lvl1pPr lvl="0" marR="0" rtl="0" algn="l">
+    <a:lvl1pPr marR="0" lvl="0" algn="l" rtl="0">
       <a:lnSpc>
         <a:spcPct val="100000"/>
       </a:lnSpc>
@@ -501,7 +516,7 @@
         <a:srgbClr val="000000"/>
       </a:buClr>
       <a:buFont typeface="Arial"/>
-      <a:defRPr b="0" i="0" sz="1400" u="none" cap="none" strike="noStrike">
+      <a:defRPr sz="1400" b="0" i="0" u="none" strike="noStrike" cap="none">
         <a:solidFill>
           <a:srgbClr val="000000"/>
         </a:solidFill>
@@ -511,7 +526,7 @@
         <a:sym typeface="Arial"/>
       </a:defRPr>
     </a:lvl1pPr>
-    <a:lvl2pPr lvl="1" marR="0" rtl="0" algn="l">
+    <a:lvl2pPr marR="0" lvl="1" algn="l" rtl="0">
       <a:lnSpc>
         <a:spcPct val="100000"/>
       </a:lnSpc>
@@ -525,7 +540,7 @@
         <a:srgbClr val="000000"/>
       </a:buClr>
       <a:buFont typeface="Arial"/>
-      <a:defRPr b="0" i="0" sz="1400" u="none" cap="none" strike="noStrike">
+      <a:defRPr sz="1400" b="0" i="0" u="none" strike="noStrike" cap="none">
         <a:solidFill>
           <a:srgbClr val="000000"/>
         </a:solidFill>
@@ -535,7 +550,7 @@
         <a:sym typeface="Arial"/>
       </a:defRPr>
     </a:lvl2pPr>
-    <a:lvl3pPr lvl="2" marR="0" rtl="0" algn="l">
+    <a:lvl3pPr marR="0" lvl="2" algn="l" rtl="0">
       <a:lnSpc>
         <a:spcPct val="100000"/>
       </a:lnSpc>
@@ -549,7 +564,7 @@
         <a:srgbClr val="000000"/>
       </a:buClr>
       <a:buFont typeface="Arial"/>
-      <a:defRPr b="0" i="0" sz="1400" u="none" cap="none" strike="noStrike">
+      <a:defRPr sz="1400" b="0" i="0" u="none" strike="noStrike" cap="none">
         <a:solidFill>
           <a:srgbClr val="000000"/>
         </a:solidFill>
@@ -559,7 +574,7 @@
         <a:sym typeface="Arial"/>
       </a:defRPr>
     </a:lvl3pPr>
-    <a:lvl4pPr lvl="3" marR="0" rtl="0" algn="l">
+    <a:lvl4pPr marR="0" lvl="3" algn="l" rtl="0">
       <a:lnSpc>
         <a:spcPct val="100000"/>
       </a:lnSpc>
@@ -573,7 +588,7 @@
         <a:srgbClr val="000000"/>
       </a:buClr>
       <a:buFont typeface="Arial"/>
-      <a:defRPr b="0" i="0" sz="1400" u="none" cap="none" strike="noStrike">
+      <a:defRPr sz="1400" b="0" i="0" u="none" strike="noStrike" cap="none">
         <a:solidFill>
           <a:srgbClr val="000000"/>
         </a:solidFill>
@@ -583,7 +598,7 @@
         <a:sym typeface="Arial"/>
       </a:defRPr>
     </a:lvl4pPr>
-    <a:lvl5pPr lvl="4" marR="0" rtl="0" algn="l">
+    <a:lvl5pPr marR="0" lvl="4" algn="l" rtl="0">
       <a:lnSpc>
         <a:spcPct val="100000"/>
       </a:lnSpc>
@@ -597,7 +612,7 @@
         <a:srgbClr val="000000"/>
       </a:buClr>
       <a:buFont typeface="Arial"/>
-      <a:defRPr b="0" i="0" sz="1400" u="none" cap="none" strike="noStrike">
+      <a:defRPr sz="1400" b="0" i="0" u="none" strike="noStrike" cap="none">
         <a:solidFill>
           <a:srgbClr val="000000"/>
         </a:solidFill>
@@ -607,7 +622,7 @@
         <a:sym typeface="Arial"/>
       </a:defRPr>
     </a:lvl5pPr>
-    <a:lvl6pPr lvl="5" marR="0" rtl="0" algn="l">
+    <a:lvl6pPr marR="0" lvl="5" algn="l" rtl="0">
       <a:lnSpc>
         <a:spcPct val="100000"/>
       </a:lnSpc>
@@ -621,7 +636,7 @@
         <a:srgbClr val="000000"/>
       </a:buClr>
       <a:buFont typeface="Arial"/>
-      <a:defRPr b="0" i="0" sz="1400" u="none" cap="none" strike="noStrike">
+      <a:defRPr sz="1400" b="0" i="0" u="none" strike="noStrike" cap="none">
         <a:solidFill>
           <a:srgbClr val="000000"/>
         </a:solidFill>
@@ -631,7 +646,7 @@
         <a:sym typeface="Arial"/>
       </a:defRPr>
     </a:lvl6pPr>
-    <a:lvl7pPr lvl="6" marR="0" rtl="0" algn="l">
+    <a:lvl7pPr marR="0" lvl="6" algn="l" rtl="0">
       <a:lnSpc>
         <a:spcPct val="100000"/>
       </a:lnSpc>
@@ -645,7 +660,7 @@
         <a:srgbClr val="000000"/>
       </a:buClr>
       <a:buFont typeface="Arial"/>
-      <a:defRPr b="0" i="0" sz="1400" u="none" cap="none" strike="noStrike">
+      <a:defRPr sz="1400" b="0" i="0" u="none" strike="noStrike" cap="none">
         <a:solidFill>
           <a:srgbClr val="000000"/>
         </a:solidFill>
@@ -655,7 +670,7 @@
         <a:sym typeface="Arial"/>
       </a:defRPr>
     </a:lvl7pPr>
-    <a:lvl8pPr lvl="7" marR="0" rtl="0" algn="l">
+    <a:lvl8pPr marR="0" lvl="7" algn="l" rtl="0">
       <a:lnSpc>
         <a:spcPct val="100000"/>
       </a:lnSpc>
@@ -669,7 +684,7 @@
         <a:srgbClr val="000000"/>
       </a:buClr>
       <a:buFont typeface="Arial"/>
-      <a:defRPr b="0" i="0" sz="1400" u="none" cap="none" strike="noStrike">
+      <a:defRPr sz="1400" b="0" i="0" u="none" strike="noStrike" cap="none">
         <a:solidFill>
           <a:srgbClr val="000000"/>
         </a:solidFill>
@@ -679,7 +694,7 @@
         <a:sym typeface="Arial"/>
       </a:defRPr>
     </a:lvl8pPr>
-    <a:lvl9pPr lvl="8" marR="0" rtl="0" algn="l">
+    <a:lvl9pPr marR="0" lvl="8" algn="l" rtl="0">
       <a:lnSpc>
         <a:spcPct val="100000"/>
       </a:lnSpc>
@@ -693,7 +708,7 @@
         <a:srgbClr val="000000"/>
       </a:buClr>
       <a:buFont typeface="Arial"/>
-      <a:defRPr b="0" i="0" sz="1400" u="none" cap="none" strike="noStrike">
+      <a:defRPr sz="1400" b="0" i="0" u="none" strike="noStrike" cap="none">
         <a:solidFill>
           <a:srgbClr val="000000"/>
         </a:solidFill>
@@ -708,11 +723,11 @@
 </file>
 
 <file path=ppt/notesSlides/notesSlide1.xml><?xml version="1.0" encoding="utf-8"?>
-<p:notes xmlns:a="http://schemas.openxmlformats.org/drawingml/2006/main" xmlns:r="http://schemas.openxmlformats.org/officeDocument/2006/relationships" xmlns:mc="http://schemas.openxmlformats.org/markup-compatibility/2006" xmlns:mv="urn:schemas-microsoft-com:mac:vml" xmlns:p="http://schemas.openxmlformats.org/presentationml/2006/main" xmlns:c="http://schemas.openxmlformats.org/drawingml/2006/chart" xmlns:dgm="http://schemas.openxmlformats.org/drawingml/2006/diagram" xmlns:o="urn:schemas-microsoft-com:office:office" xmlns:v="urn:schemas-microsoft-com:vml" xmlns:pvml="urn:schemas-microsoft-com:office:powerpoint" xmlns:com="http://schemas.openxmlformats.org/drawingml/2006/compatibility" xmlns:p14="http://schemas.microsoft.com/office/powerpoint/2010/main" xmlns:p15="http://schemas.microsoft.com/office/powerpoint/2012/main" xmlns:ahyp="http://schemas.microsoft.com/office/drawing/2018/hyperlinkcolor" showMasterPhAnim="0" showMasterSp="0">
+<p:notes xmlns:a="http://schemas.openxmlformats.org/drawingml/2006/main" xmlns:r="http://schemas.openxmlformats.org/officeDocument/2006/relationships" xmlns:p="http://schemas.openxmlformats.org/presentationml/2006/main" showMasterSp="0" showMasterPhAnim="0">
   <p:cSld>
     <p:spTree>
       <p:nvGrpSpPr>
-        <p:cNvPr id="50" name="Shape 50"/>
+        <p:cNvPr id="1" name="Shape 50"/>
         <p:cNvGrpSpPr/>
         <p:nvPr/>
       </p:nvGrpSpPr>
@@ -727,9 +742,11 @@
       <p:sp>
         <p:nvSpPr>
           <p:cNvPr id="51" name="Google Shape;51;p:notes"/>
-          <p:cNvSpPr/>
+          <p:cNvSpPr>
+            <a:spLocks noGrp="1" noRot="1" noChangeAspect="1"/>
+          </p:cNvSpPr>
           <p:nvPr>
-            <p:ph idx="2" type="sldImg"/>
+            <p:ph type="sldImg" idx="2"/>
           </p:nvPr>
         </p:nvSpPr>
         <p:spPr>
@@ -738,9 +755,13 @@
             <a:ext cx="6096075" cy="3429000"/>
           </a:xfrm>
           <a:custGeom>
-            <a:rect b="b" l="l" r="r" t="t"/>
+            <a:avLst/>
+            <a:gdLst/>
+            <a:ahLst/>
+            <a:cxnLst/>
+            <a:rect l="l" t="t" r="r" b="b"/>
             <a:pathLst>
-              <a:path extrusionOk="0" h="120000" w="120000">
+              <a:path w="120000" h="120000" extrusionOk="0">
                 <a:moveTo>
                   <a:pt x="0" y="0"/>
                 </a:moveTo>
@@ -762,9 +783,11 @@
       <p:sp>
         <p:nvSpPr>
           <p:cNvPr id="52" name="Google Shape;52;p:notes"/>
-          <p:cNvSpPr txBox="1"/>
+          <p:cNvSpPr txBox="1">
+            <a:spLocks noGrp="1"/>
+          </p:cNvSpPr>
           <p:nvPr>
-            <p:ph idx="1" type="body"/>
+            <p:ph type="body" idx="1"/>
           </p:nvPr>
         </p:nvSpPr>
         <p:spPr>
@@ -777,12 +800,12 @@
           </a:prstGeom>
         </p:spPr>
         <p:txBody>
-          <a:bodyPr anchorCtr="0" anchor="t" bIns="91425" lIns="91425" spcFirstLastPara="1" rIns="91425" wrap="square" tIns="91425">
+          <a:bodyPr spcFirstLastPara="1" wrap="square" lIns="91425" tIns="91425" rIns="91425" bIns="91425" anchor="t" anchorCtr="0">
             <a:noAutofit/>
           </a:bodyPr>
           <a:lstStyle/>
           <a:p>
-            <a:pPr indent="0" lvl="0" marL="0" rtl="0" algn="l">
+            <a:pPr marL="0" lvl="0" indent="0" algn="l" rtl="0">
               <a:spcBef>
                 <a:spcPts val="0"/>
               </a:spcBef>
@@ -791,9 +814,6 @@
               </a:spcAft>
               <a:buNone/>
             </a:pPr>
-            <a:r>
-              <a:t/>
-            </a:r>
             <a:endParaRPr/>
           </a:p>
         </p:txBody>
@@ -807,11 +827,11 @@
 </file>
 
 <file path=ppt/notesSlides/notesSlide10.xml><?xml version="1.0" encoding="utf-8"?>
-<p:notes xmlns:a="http://schemas.openxmlformats.org/drawingml/2006/main" xmlns:r="http://schemas.openxmlformats.org/officeDocument/2006/relationships" xmlns:mc="http://schemas.openxmlformats.org/markup-compatibility/2006" xmlns:mv="urn:schemas-microsoft-com:mac:vml" xmlns:p="http://schemas.openxmlformats.org/presentationml/2006/main" xmlns:c="http://schemas.openxmlformats.org/drawingml/2006/chart" xmlns:dgm="http://schemas.openxmlformats.org/drawingml/2006/diagram" xmlns:o="urn:schemas-microsoft-com:office:office" xmlns:v="urn:schemas-microsoft-com:vml" xmlns:pvml="urn:schemas-microsoft-com:office:powerpoint" xmlns:com="http://schemas.openxmlformats.org/drawingml/2006/compatibility" xmlns:p14="http://schemas.microsoft.com/office/powerpoint/2010/main" xmlns:p15="http://schemas.microsoft.com/office/powerpoint/2012/main" xmlns:ahyp="http://schemas.microsoft.com/office/drawing/2018/hyperlinkcolor" showMasterPhAnim="0" showMasterSp="0">
+<p:notes xmlns:a="http://schemas.openxmlformats.org/drawingml/2006/main" xmlns:r="http://schemas.openxmlformats.org/officeDocument/2006/relationships" xmlns:p="http://schemas.openxmlformats.org/presentationml/2006/main" showMasterSp="0" showMasterPhAnim="0">
   <p:cSld>
     <p:spTree>
       <p:nvGrpSpPr>
-        <p:cNvPr id="110" name="Shape 110"/>
+        <p:cNvPr id="1" name="Shape 110"/>
         <p:cNvGrpSpPr/>
         <p:nvPr/>
       </p:nvGrpSpPr>
@@ -826,9 +846,11 @@
       <p:sp>
         <p:nvSpPr>
           <p:cNvPr id="111" name="Google Shape;111;g35bdb57ad12_0_103:notes"/>
-          <p:cNvSpPr/>
+          <p:cNvSpPr>
+            <a:spLocks noGrp="1" noRot="1" noChangeAspect="1"/>
+          </p:cNvSpPr>
           <p:nvPr>
-            <p:ph idx="2" type="sldImg"/>
+            <p:ph type="sldImg" idx="2"/>
           </p:nvPr>
         </p:nvSpPr>
         <p:spPr>
@@ -837,9 +859,13 @@
             <a:ext cx="6096000" cy="3429000"/>
           </a:xfrm>
           <a:custGeom>
-            <a:rect b="b" l="l" r="r" t="t"/>
+            <a:avLst/>
+            <a:gdLst/>
+            <a:ahLst/>
+            <a:cxnLst/>
+            <a:rect l="l" t="t" r="r" b="b"/>
             <a:pathLst>
-              <a:path extrusionOk="0" h="120000" w="120000">
+              <a:path w="120000" h="120000" extrusionOk="0">
                 <a:moveTo>
                   <a:pt x="0" y="0"/>
                 </a:moveTo>
@@ -861,9 +887,11 @@
       <p:sp>
         <p:nvSpPr>
           <p:cNvPr id="112" name="Google Shape;112;g35bdb57ad12_0_103:notes"/>
-          <p:cNvSpPr txBox="1"/>
+          <p:cNvSpPr txBox="1">
+            <a:spLocks noGrp="1"/>
+          </p:cNvSpPr>
           <p:nvPr>
-            <p:ph idx="1" type="body"/>
+            <p:ph type="body" idx="1"/>
           </p:nvPr>
         </p:nvSpPr>
         <p:spPr>
@@ -876,12 +904,12 @@
           </a:prstGeom>
         </p:spPr>
         <p:txBody>
-          <a:bodyPr anchorCtr="0" anchor="t" bIns="91425" lIns="91425" spcFirstLastPara="1" rIns="91425" wrap="square" tIns="91425">
+          <a:bodyPr spcFirstLastPara="1" wrap="square" lIns="91425" tIns="91425" rIns="91425" bIns="91425" anchor="t" anchorCtr="0">
             <a:noAutofit/>
           </a:bodyPr>
           <a:lstStyle/>
           <a:p>
-            <a:pPr indent="0" lvl="0" marL="0" rtl="0" algn="l">
+            <a:pPr marL="0" lvl="0" indent="0" algn="l" rtl="0">
               <a:spcBef>
                 <a:spcPts val="0"/>
               </a:spcBef>
@@ -890,9 +918,6 @@
               </a:spcAft>
               <a:buNone/>
             </a:pPr>
-            <a:r>
-              <a:t/>
-            </a:r>
             <a:endParaRPr/>
           </a:p>
         </p:txBody>
@@ -906,11 +931,11 @@
 </file>
 
 <file path=ppt/notesSlides/notesSlide11.xml><?xml version="1.0" encoding="utf-8"?>
-<p:notes xmlns:a="http://schemas.openxmlformats.org/drawingml/2006/main" xmlns:r="http://schemas.openxmlformats.org/officeDocument/2006/relationships" xmlns:mc="http://schemas.openxmlformats.org/markup-compatibility/2006" xmlns:mv="urn:schemas-microsoft-com:mac:vml" xmlns:p="http://schemas.openxmlformats.org/presentationml/2006/main" xmlns:c="http://schemas.openxmlformats.org/drawingml/2006/chart" xmlns:dgm="http://schemas.openxmlformats.org/drawingml/2006/diagram" xmlns:o="urn:schemas-microsoft-com:office:office" xmlns:v="urn:schemas-microsoft-com:vml" xmlns:pvml="urn:schemas-microsoft-com:office:powerpoint" xmlns:com="http://schemas.openxmlformats.org/drawingml/2006/compatibility" xmlns:p14="http://schemas.microsoft.com/office/powerpoint/2010/main" xmlns:p15="http://schemas.microsoft.com/office/powerpoint/2012/main" xmlns:ahyp="http://schemas.microsoft.com/office/drawing/2018/hyperlinkcolor" showMasterPhAnim="0" showMasterSp="0">
+<p:notes xmlns:a="http://schemas.openxmlformats.org/drawingml/2006/main" xmlns:r="http://schemas.openxmlformats.org/officeDocument/2006/relationships" xmlns:p="http://schemas.openxmlformats.org/presentationml/2006/main" showMasterSp="0" showMasterPhAnim="0">
   <p:cSld>
     <p:spTree>
       <p:nvGrpSpPr>
-        <p:cNvPr id="117" name="Shape 117"/>
+        <p:cNvPr id="1" name="Shape 117"/>
         <p:cNvGrpSpPr/>
         <p:nvPr/>
       </p:nvGrpSpPr>
@@ -925,9 +950,11 @@
       <p:sp>
         <p:nvSpPr>
           <p:cNvPr id="118" name="Google Shape;118;g35bdb57ad12_0_108:notes"/>
-          <p:cNvSpPr/>
+          <p:cNvSpPr>
+            <a:spLocks noGrp="1" noRot="1" noChangeAspect="1"/>
+          </p:cNvSpPr>
           <p:nvPr>
-            <p:ph idx="2" type="sldImg"/>
+            <p:ph type="sldImg" idx="2"/>
           </p:nvPr>
         </p:nvSpPr>
         <p:spPr>
@@ -936,9 +963,13 @@
             <a:ext cx="6096000" cy="3429000"/>
           </a:xfrm>
           <a:custGeom>
-            <a:rect b="b" l="l" r="r" t="t"/>
+            <a:avLst/>
+            <a:gdLst/>
+            <a:ahLst/>
+            <a:cxnLst/>
+            <a:rect l="l" t="t" r="r" b="b"/>
             <a:pathLst>
-              <a:path extrusionOk="0" h="120000" w="120000">
+              <a:path w="120000" h="120000" extrusionOk="0">
                 <a:moveTo>
                   <a:pt x="0" y="0"/>
                 </a:moveTo>
@@ -960,9 +991,11 @@
       <p:sp>
         <p:nvSpPr>
           <p:cNvPr id="119" name="Google Shape;119;g35bdb57ad12_0_108:notes"/>
-          <p:cNvSpPr txBox="1"/>
+          <p:cNvSpPr txBox="1">
+            <a:spLocks noGrp="1"/>
+          </p:cNvSpPr>
           <p:nvPr>
-            <p:ph idx="1" type="body"/>
+            <p:ph type="body" idx="1"/>
           </p:nvPr>
         </p:nvSpPr>
         <p:spPr>
@@ -975,12 +1008,12 @@
           </a:prstGeom>
         </p:spPr>
         <p:txBody>
-          <a:bodyPr anchorCtr="0" anchor="t" bIns="91425" lIns="91425" spcFirstLastPara="1" rIns="91425" wrap="square" tIns="91425">
+          <a:bodyPr spcFirstLastPara="1" wrap="square" lIns="91425" tIns="91425" rIns="91425" bIns="91425" anchor="t" anchorCtr="0">
             <a:noAutofit/>
           </a:bodyPr>
           <a:lstStyle/>
           <a:p>
-            <a:pPr indent="0" lvl="0" marL="0" rtl="0" algn="l">
+            <a:pPr marL="0" lvl="0" indent="0" algn="l" rtl="0">
               <a:spcBef>
                 <a:spcPts val="0"/>
               </a:spcBef>
@@ -989,9 +1022,6 @@
               </a:spcAft>
               <a:buNone/>
             </a:pPr>
-            <a:r>
-              <a:t/>
-            </a:r>
             <a:endParaRPr/>
           </a:p>
         </p:txBody>
@@ -1005,11 +1035,11 @@
 </file>
 
 <file path=ppt/notesSlides/notesSlide12.xml><?xml version="1.0" encoding="utf-8"?>
-<p:notes xmlns:a="http://schemas.openxmlformats.org/drawingml/2006/main" xmlns:r="http://schemas.openxmlformats.org/officeDocument/2006/relationships" xmlns:mc="http://schemas.openxmlformats.org/markup-compatibility/2006" xmlns:mv="urn:schemas-microsoft-com:mac:vml" xmlns:p="http://schemas.openxmlformats.org/presentationml/2006/main" xmlns:c="http://schemas.openxmlformats.org/drawingml/2006/chart" xmlns:dgm="http://schemas.openxmlformats.org/drawingml/2006/diagram" xmlns:o="urn:schemas-microsoft-com:office:office" xmlns:v="urn:schemas-microsoft-com:vml" xmlns:pvml="urn:schemas-microsoft-com:office:powerpoint" xmlns:com="http://schemas.openxmlformats.org/drawingml/2006/compatibility" xmlns:p14="http://schemas.microsoft.com/office/powerpoint/2010/main" xmlns:p15="http://schemas.microsoft.com/office/powerpoint/2012/main" xmlns:ahyp="http://schemas.microsoft.com/office/drawing/2018/hyperlinkcolor" showMasterPhAnim="0" showMasterSp="0">
+<p:notes xmlns:a="http://schemas.openxmlformats.org/drawingml/2006/main" xmlns:r="http://schemas.openxmlformats.org/officeDocument/2006/relationships" xmlns:p="http://schemas.openxmlformats.org/presentationml/2006/main" showMasterSp="0" showMasterPhAnim="0">
   <p:cSld>
     <p:spTree>
       <p:nvGrpSpPr>
-        <p:cNvPr id="123" name="Shape 123"/>
+        <p:cNvPr id="1" name="Shape 123"/>
         <p:cNvGrpSpPr/>
         <p:nvPr/>
       </p:nvGrpSpPr>
@@ -1024,9 +1054,11 @@
       <p:sp>
         <p:nvSpPr>
           <p:cNvPr id="124" name="Google Shape;124;g35bdb57ad12_0_34:notes"/>
-          <p:cNvSpPr/>
+          <p:cNvSpPr>
+            <a:spLocks noGrp="1" noRot="1" noChangeAspect="1"/>
+          </p:cNvSpPr>
           <p:nvPr>
-            <p:ph idx="2" type="sldImg"/>
+            <p:ph type="sldImg" idx="2"/>
           </p:nvPr>
         </p:nvSpPr>
         <p:spPr>
@@ -1035,9 +1067,13 @@
             <a:ext cx="6096000" cy="3429000"/>
           </a:xfrm>
           <a:custGeom>
-            <a:rect b="b" l="l" r="r" t="t"/>
+            <a:avLst/>
+            <a:gdLst/>
+            <a:ahLst/>
+            <a:cxnLst/>
+            <a:rect l="l" t="t" r="r" b="b"/>
             <a:pathLst>
-              <a:path extrusionOk="0" h="120000" w="120000">
+              <a:path w="120000" h="120000" extrusionOk="0">
                 <a:moveTo>
                   <a:pt x="0" y="0"/>
                 </a:moveTo>
@@ -1059,9 +1095,11 @@
       <p:sp>
         <p:nvSpPr>
           <p:cNvPr id="125" name="Google Shape;125;g35bdb57ad12_0_34:notes"/>
-          <p:cNvSpPr txBox="1"/>
+          <p:cNvSpPr txBox="1">
+            <a:spLocks noGrp="1"/>
+          </p:cNvSpPr>
           <p:nvPr>
-            <p:ph idx="1" type="body"/>
+            <p:ph type="body" idx="1"/>
           </p:nvPr>
         </p:nvSpPr>
         <p:spPr>
@@ -1074,12 +1112,12 @@
           </a:prstGeom>
         </p:spPr>
         <p:txBody>
-          <a:bodyPr anchorCtr="0" anchor="t" bIns="91425" lIns="91425" spcFirstLastPara="1" rIns="91425" wrap="square" tIns="91425">
+          <a:bodyPr spcFirstLastPara="1" wrap="square" lIns="91425" tIns="91425" rIns="91425" bIns="91425" anchor="t" anchorCtr="0">
             <a:noAutofit/>
           </a:bodyPr>
           <a:lstStyle/>
           <a:p>
-            <a:pPr indent="0" lvl="0" marL="0" rtl="0" algn="l">
+            <a:pPr marL="0" lvl="0" indent="0" algn="l" rtl="0">
               <a:spcBef>
                 <a:spcPts val="0"/>
               </a:spcBef>
@@ -1088,9 +1126,6 @@
               </a:spcAft>
               <a:buNone/>
             </a:pPr>
-            <a:r>
-              <a:t/>
-            </a:r>
             <a:endParaRPr/>
           </a:p>
         </p:txBody>
@@ -1104,11 +1139,11 @@
 </file>
 
 <file path=ppt/notesSlides/notesSlide13.xml><?xml version="1.0" encoding="utf-8"?>
-<p:notes xmlns:a="http://schemas.openxmlformats.org/drawingml/2006/main" xmlns:r="http://schemas.openxmlformats.org/officeDocument/2006/relationships" xmlns:mc="http://schemas.openxmlformats.org/markup-compatibility/2006" xmlns:mv="urn:schemas-microsoft-com:mac:vml" xmlns:p="http://schemas.openxmlformats.org/presentationml/2006/main" xmlns:c="http://schemas.openxmlformats.org/drawingml/2006/chart" xmlns:dgm="http://schemas.openxmlformats.org/drawingml/2006/diagram" xmlns:o="urn:schemas-microsoft-com:office:office" xmlns:v="urn:schemas-microsoft-com:vml" xmlns:pvml="urn:schemas-microsoft-com:office:powerpoint" xmlns:com="http://schemas.openxmlformats.org/drawingml/2006/compatibility" xmlns:p14="http://schemas.microsoft.com/office/powerpoint/2010/main" xmlns:p15="http://schemas.microsoft.com/office/powerpoint/2012/main" xmlns:ahyp="http://schemas.microsoft.com/office/drawing/2018/hyperlinkcolor" showMasterPhAnim="0" showMasterSp="0">
+<p:notes xmlns:a="http://schemas.openxmlformats.org/drawingml/2006/main" xmlns:r="http://schemas.openxmlformats.org/officeDocument/2006/relationships" xmlns:p="http://schemas.openxmlformats.org/presentationml/2006/main" showMasterSp="0" showMasterPhAnim="0">
   <p:cSld>
     <p:spTree>
       <p:nvGrpSpPr>
-        <p:cNvPr id="129" name="Shape 129"/>
+        <p:cNvPr id="1" name="Shape 129"/>
         <p:cNvGrpSpPr/>
         <p:nvPr/>
       </p:nvGrpSpPr>
@@ -1123,9 +1158,11 @@
       <p:sp>
         <p:nvSpPr>
           <p:cNvPr id="130" name="Google Shape;130;g35bdb57ad12_0_124:notes"/>
-          <p:cNvSpPr/>
+          <p:cNvSpPr>
+            <a:spLocks noGrp="1" noRot="1" noChangeAspect="1"/>
+          </p:cNvSpPr>
           <p:nvPr>
-            <p:ph idx="2" type="sldImg"/>
+            <p:ph type="sldImg" idx="2"/>
           </p:nvPr>
         </p:nvSpPr>
         <p:spPr>
@@ -1134,9 +1171,13 @@
             <a:ext cx="6096000" cy="3429000"/>
           </a:xfrm>
           <a:custGeom>
-            <a:rect b="b" l="l" r="r" t="t"/>
+            <a:avLst/>
+            <a:gdLst/>
+            <a:ahLst/>
+            <a:cxnLst/>
+            <a:rect l="l" t="t" r="r" b="b"/>
             <a:pathLst>
-              <a:path extrusionOk="0" h="120000" w="120000">
+              <a:path w="120000" h="120000" extrusionOk="0">
                 <a:moveTo>
                   <a:pt x="0" y="0"/>
                 </a:moveTo>
@@ -1158,9 +1199,11 @@
       <p:sp>
         <p:nvSpPr>
           <p:cNvPr id="131" name="Google Shape;131;g35bdb57ad12_0_124:notes"/>
-          <p:cNvSpPr txBox="1"/>
+          <p:cNvSpPr txBox="1">
+            <a:spLocks noGrp="1"/>
+          </p:cNvSpPr>
           <p:nvPr>
-            <p:ph idx="1" type="body"/>
+            <p:ph type="body" idx="1"/>
           </p:nvPr>
         </p:nvSpPr>
         <p:spPr>
@@ -1173,12 +1216,12 @@
           </a:prstGeom>
         </p:spPr>
         <p:txBody>
-          <a:bodyPr anchorCtr="0" anchor="t" bIns="91425" lIns="91425" spcFirstLastPara="1" rIns="91425" wrap="square" tIns="91425">
+          <a:bodyPr spcFirstLastPara="1" wrap="square" lIns="91425" tIns="91425" rIns="91425" bIns="91425" anchor="t" anchorCtr="0">
             <a:noAutofit/>
           </a:bodyPr>
           <a:lstStyle/>
           <a:p>
-            <a:pPr indent="0" lvl="0" marL="0" rtl="0" algn="l">
+            <a:pPr marL="0" lvl="0" indent="0" algn="l" rtl="0">
               <a:spcBef>
                 <a:spcPts val="0"/>
               </a:spcBef>
@@ -1187,9 +1230,6 @@
               </a:spcAft>
               <a:buNone/>
             </a:pPr>
-            <a:r>
-              <a:t/>
-            </a:r>
             <a:endParaRPr/>
           </a:p>
         </p:txBody>
@@ -1203,11 +1243,11 @@
 </file>
 
 <file path=ppt/notesSlides/notesSlide2.xml><?xml version="1.0" encoding="utf-8"?>
-<p:notes xmlns:a="http://schemas.openxmlformats.org/drawingml/2006/main" xmlns:r="http://schemas.openxmlformats.org/officeDocument/2006/relationships" xmlns:mc="http://schemas.openxmlformats.org/markup-compatibility/2006" xmlns:mv="urn:schemas-microsoft-com:mac:vml" xmlns:p="http://schemas.openxmlformats.org/presentationml/2006/main" xmlns:c="http://schemas.openxmlformats.org/drawingml/2006/chart" xmlns:dgm="http://schemas.openxmlformats.org/drawingml/2006/diagram" xmlns:o="urn:schemas-microsoft-com:office:office" xmlns:v="urn:schemas-microsoft-com:vml" xmlns:pvml="urn:schemas-microsoft-com:office:powerpoint" xmlns:com="http://schemas.openxmlformats.org/drawingml/2006/compatibility" xmlns:p14="http://schemas.microsoft.com/office/powerpoint/2010/main" xmlns:p15="http://schemas.microsoft.com/office/powerpoint/2012/main" xmlns:ahyp="http://schemas.microsoft.com/office/drawing/2018/hyperlinkcolor" showMasterPhAnim="0" showMasterSp="0">
+<p:notes xmlns:a="http://schemas.openxmlformats.org/drawingml/2006/main" xmlns:r="http://schemas.openxmlformats.org/officeDocument/2006/relationships" xmlns:p="http://schemas.openxmlformats.org/presentationml/2006/main" showMasterSp="0" showMasterPhAnim="0">
   <p:cSld>
     <p:spTree>
       <p:nvGrpSpPr>
-        <p:cNvPr id="56" name="Shape 56"/>
+        <p:cNvPr id="1" name="Shape 56"/>
         <p:cNvGrpSpPr/>
         <p:nvPr/>
       </p:nvGrpSpPr>
@@ -1222,9 +1262,11 @@
       <p:sp>
         <p:nvSpPr>
           <p:cNvPr id="57" name="Google Shape;57;g35bdb57ad12_0_2:notes"/>
-          <p:cNvSpPr/>
+          <p:cNvSpPr>
+            <a:spLocks noGrp="1" noRot="1" noChangeAspect="1"/>
+          </p:cNvSpPr>
           <p:nvPr>
-            <p:ph idx="2" type="sldImg"/>
+            <p:ph type="sldImg" idx="2"/>
           </p:nvPr>
         </p:nvSpPr>
         <p:spPr>
@@ -1233,9 +1275,13 @@
             <a:ext cx="6096000" cy="3429000"/>
           </a:xfrm>
           <a:custGeom>
-            <a:rect b="b" l="l" r="r" t="t"/>
+            <a:avLst/>
+            <a:gdLst/>
+            <a:ahLst/>
+            <a:cxnLst/>
+            <a:rect l="l" t="t" r="r" b="b"/>
             <a:pathLst>
-              <a:path extrusionOk="0" h="120000" w="120000">
+              <a:path w="120000" h="120000" extrusionOk="0">
                 <a:moveTo>
                   <a:pt x="0" y="0"/>
                 </a:moveTo>
@@ -1257,9 +1303,11 @@
       <p:sp>
         <p:nvSpPr>
           <p:cNvPr id="58" name="Google Shape;58;g35bdb57ad12_0_2:notes"/>
-          <p:cNvSpPr txBox="1"/>
+          <p:cNvSpPr txBox="1">
+            <a:spLocks noGrp="1"/>
+          </p:cNvSpPr>
           <p:nvPr>
-            <p:ph idx="1" type="body"/>
+            <p:ph type="body" idx="1"/>
           </p:nvPr>
         </p:nvSpPr>
         <p:spPr>
@@ -1272,12 +1320,12 @@
           </a:prstGeom>
         </p:spPr>
         <p:txBody>
-          <a:bodyPr anchorCtr="0" anchor="t" bIns="91425" lIns="91425" spcFirstLastPara="1" rIns="91425" wrap="square" tIns="91425">
+          <a:bodyPr spcFirstLastPara="1" wrap="square" lIns="91425" tIns="91425" rIns="91425" bIns="91425" anchor="t" anchorCtr="0">
             <a:noAutofit/>
           </a:bodyPr>
           <a:lstStyle/>
           <a:p>
-            <a:pPr indent="0" lvl="0" marL="0" rtl="0" algn="l">
+            <a:pPr marL="0" lvl="0" indent="0" algn="l" rtl="0">
               <a:spcBef>
                 <a:spcPts val="0"/>
               </a:spcBef>
@@ -1286,9 +1334,6 @@
               </a:spcAft>
               <a:buNone/>
             </a:pPr>
-            <a:r>
-              <a:t/>
-            </a:r>
             <a:endParaRPr/>
           </a:p>
         </p:txBody>
@@ -1302,11 +1347,11 @@
 </file>
 
 <file path=ppt/notesSlides/notesSlide3.xml><?xml version="1.0" encoding="utf-8"?>
-<p:notes xmlns:a="http://schemas.openxmlformats.org/drawingml/2006/main" xmlns:r="http://schemas.openxmlformats.org/officeDocument/2006/relationships" xmlns:mc="http://schemas.openxmlformats.org/markup-compatibility/2006" xmlns:mv="urn:schemas-microsoft-com:mac:vml" xmlns:p="http://schemas.openxmlformats.org/presentationml/2006/main" xmlns:c="http://schemas.openxmlformats.org/drawingml/2006/chart" xmlns:dgm="http://schemas.openxmlformats.org/drawingml/2006/diagram" xmlns:o="urn:schemas-microsoft-com:office:office" xmlns:v="urn:schemas-microsoft-com:vml" xmlns:pvml="urn:schemas-microsoft-com:office:powerpoint" xmlns:com="http://schemas.openxmlformats.org/drawingml/2006/compatibility" xmlns:p14="http://schemas.microsoft.com/office/powerpoint/2010/main" xmlns:p15="http://schemas.microsoft.com/office/powerpoint/2012/main" xmlns:ahyp="http://schemas.microsoft.com/office/drawing/2018/hyperlinkcolor" showMasterPhAnim="0" showMasterSp="0">
+<p:notes xmlns:a="http://schemas.openxmlformats.org/drawingml/2006/main" xmlns:r="http://schemas.openxmlformats.org/officeDocument/2006/relationships" xmlns:p="http://schemas.openxmlformats.org/presentationml/2006/main" showMasterSp="0" showMasterPhAnim="0">
   <p:cSld>
     <p:spTree>
       <p:nvGrpSpPr>
-        <p:cNvPr id="62" name="Shape 62"/>
+        <p:cNvPr id="1" name="Shape 62"/>
         <p:cNvGrpSpPr/>
         <p:nvPr/>
       </p:nvGrpSpPr>
@@ -1321,9 +1366,11 @@
       <p:sp>
         <p:nvSpPr>
           <p:cNvPr id="63" name="Google Shape;63;g35bdb57ad12_0_149:notes"/>
-          <p:cNvSpPr/>
+          <p:cNvSpPr>
+            <a:spLocks noGrp="1" noRot="1" noChangeAspect="1"/>
+          </p:cNvSpPr>
           <p:nvPr>
-            <p:ph idx="2" type="sldImg"/>
+            <p:ph type="sldImg" idx="2"/>
           </p:nvPr>
         </p:nvSpPr>
         <p:spPr>
@@ -1332,9 +1379,13 @@
             <a:ext cx="6096000" cy="3429000"/>
           </a:xfrm>
           <a:custGeom>
-            <a:rect b="b" l="l" r="r" t="t"/>
+            <a:avLst/>
+            <a:gdLst/>
+            <a:ahLst/>
+            <a:cxnLst/>
+            <a:rect l="l" t="t" r="r" b="b"/>
             <a:pathLst>
-              <a:path extrusionOk="0" h="120000" w="120000">
+              <a:path w="120000" h="120000" extrusionOk="0">
                 <a:moveTo>
                   <a:pt x="0" y="0"/>
                 </a:moveTo>
@@ -1356,9 +1407,11 @@
       <p:sp>
         <p:nvSpPr>
           <p:cNvPr id="64" name="Google Shape;64;g35bdb57ad12_0_149:notes"/>
-          <p:cNvSpPr txBox="1"/>
+          <p:cNvSpPr txBox="1">
+            <a:spLocks noGrp="1"/>
+          </p:cNvSpPr>
           <p:nvPr>
-            <p:ph idx="1" type="body"/>
+            <p:ph type="body" idx="1"/>
           </p:nvPr>
         </p:nvSpPr>
         <p:spPr>
@@ -1371,12 +1424,12 @@
           </a:prstGeom>
         </p:spPr>
         <p:txBody>
-          <a:bodyPr anchorCtr="0" anchor="t" bIns="91425" lIns="91425" spcFirstLastPara="1" rIns="91425" wrap="square" tIns="91425">
+          <a:bodyPr spcFirstLastPara="1" wrap="square" lIns="91425" tIns="91425" rIns="91425" bIns="91425" anchor="t" anchorCtr="0">
             <a:noAutofit/>
           </a:bodyPr>
           <a:lstStyle/>
           <a:p>
-            <a:pPr indent="0" lvl="0" marL="0" rtl="0" algn="l">
+            <a:pPr marL="0" lvl="0" indent="0" algn="l" rtl="0">
               <a:spcBef>
                 <a:spcPts val="0"/>
               </a:spcBef>
@@ -1385,9 +1438,6 @@
               </a:spcAft>
               <a:buNone/>
             </a:pPr>
-            <a:r>
-              <a:t/>
-            </a:r>
             <a:endParaRPr/>
           </a:p>
         </p:txBody>
@@ -1401,11 +1451,11 @@
 </file>
 
 <file path=ppt/notesSlides/notesSlide4.xml><?xml version="1.0" encoding="utf-8"?>
-<p:notes xmlns:a="http://schemas.openxmlformats.org/drawingml/2006/main" xmlns:r="http://schemas.openxmlformats.org/officeDocument/2006/relationships" xmlns:mc="http://schemas.openxmlformats.org/markup-compatibility/2006" xmlns:mv="urn:schemas-microsoft-com:mac:vml" xmlns:p="http://schemas.openxmlformats.org/presentationml/2006/main" xmlns:c="http://schemas.openxmlformats.org/drawingml/2006/chart" xmlns:dgm="http://schemas.openxmlformats.org/drawingml/2006/diagram" xmlns:o="urn:schemas-microsoft-com:office:office" xmlns:v="urn:schemas-microsoft-com:vml" xmlns:pvml="urn:schemas-microsoft-com:office:powerpoint" xmlns:com="http://schemas.openxmlformats.org/drawingml/2006/compatibility" xmlns:p14="http://schemas.microsoft.com/office/powerpoint/2010/main" xmlns:p15="http://schemas.microsoft.com/office/powerpoint/2012/main" xmlns:ahyp="http://schemas.microsoft.com/office/drawing/2018/hyperlinkcolor" showMasterPhAnim="0" showMasterSp="0">
+<p:notes xmlns:a="http://schemas.openxmlformats.org/drawingml/2006/main" xmlns:r="http://schemas.openxmlformats.org/officeDocument/2006/relationships" xmlns:p="http://schemas.openxmlformats.org/presentationml/2006/main" showMasterSp="0" showMasterPhAnim="0">
   <p:cSld>
     <p:spTree>
       <p:nvGrpSpPr>
-        <p:cNvPr id="69" name="Shape 69"/>
+        <p:cNvPr id="1" name="Shape 69"/>
         <p:cNvGrpSpPr/>
         <p:nvPr/>
       </p:nvGrpSpPr>
@@ -1420,9 +1470,11 @@
       <p:sp>
         <p:nvSpPr>
           <p:cNvPr id="70" name="Google Shape;70;g35bdb57ad12_0_166:notes"/>
-          <p:cNvSpPr/>
+          <p:cNvSpPr>
+            <a:spLocks noGrp="1" noRot="1" noChangeAspect="1"/>
+          </p:cNvSpPr>
           <p:nvPr>
-            <p:ph idx="2" type="sldImg"/>
+            <p:ph type="sldImg" idx="2"/>
           </p:nvPr>
         </p:nvSpPr>
         <p:spPr>
@@ -1431,9 +1483,13 @@
             <a:ext cx="6096000" cy="3429000"/>
           </a:xfrm>
           <a:custGeom>
-            <a:rect b="b" l="l" r="r" t="t"/>
+            <a:avLst/>
+            <a:gdLst/>
+            <a:ahLst/>
+            <a:cxnLst/>
+            <a:rect l="l" t="t" r="r" b="b"/>
             <a:pathLst>
-              <a:path extrusionOk="0" h="120000" w="120000">
+              <a:path w="120000" h="120000" extrusionOk="0">
                 <a:moveTo>
                   <a:pt x="0" y="0"/>
                 </a:moveTo>
@@ -1455,9 +1511,11 @@
       <p:sp>
         <p:nvSpPr>
           <p:cNvPr id="71" name="Google Shape;71;g35bdb57ad12_0_166:notes"/>
-          <p:cNvSpPr txBox="1"/>
+          <p:cNvSpPr txBox="1">
+            <a:spLocks noGrp="1"/>
+          </p:cNvSpPr>
           <p:nvPr>
-            <p:ph idx="1" type="body"/>
+            <p:ph type="body" idx="1"/>
           </p:nvPr>
         </p:nvSpPr>
         <p:spPr>
@@ -1470,12 +1528,12 @@
           </a:prstGeom>
         </p:spPr>
         <p:txBody>
-          <a:bodyPr anchorCtr="0" anchor="t" bIns="91425" lIns="91425" spcFirstLastPara="1" rIns="91425" wrap="square" tIns="91425">
+          <a:bodyPr spcFirstLastPara="1" wrap="square" lIns="91425" tIns="91425" rIns="91425" bIns="91425" anchor="t" anchorCtr="0">
             <a:noAutofit/>
           </a:bodyPr>
           <a:lstStyle/>
           <a:p>
-            <a:pPr indent="0" lvl="0" marL="0" rtl="0" algn="l">
+            <a:pPr marL="0" lvl="0" indent="0" algn="l" rtl="0">
               <a:spcBef>
                 <a:spcPts val="0"/>
               </a:spcBef>
@@ -1484,9 +1542,6 @@
               </a:spcAft>
               <a:buNone/>
             </a:pPr>
-            <a:r>
-              <a:t/>
-            </a:r>
             <a:endParaRPr/>
           </a:p>
         </p:txBody>
@@ -1500,11 +1555,11 @@
 </file>
 
 <file path=ppt/notesSlides/notesSlide5.xml><?xml version="1.0" encoding="utf-8"?>
-<p:notes xmlns:a="http://schemas.openxmlformats.org/drawingml/2006/main" xmlns:r="http://schemas.openxmlformats.org/officeDocument/2006/relationships" xmlns:mc="http://schemas.openxmlformats.org/markup-compatibility/2006" xmlns:mv="urn:schemas-microsoft-com:mac:vml" xmlns:p="http://schemas.openxmlformats.org/presentationml/2006/main" xmlns:c="http://schemas.openxmlformats.org/drawingml/2006/chart" xmlns:dgm="http://schemas.openxmlformats.org/drawingml/2006/diagram" xmlns:o="urn:schemas-microsoft-com:office:office" xmlns:v="urn:schemas-microsoft-com:vml" xmlns:pvml="urn:schemas-microsoft-com:office:powerpoint" xmlns:com="http://schemas.openxmlformats.org/drawingml/2006/compatibility" xmlns:p14="http://schemas.microsoft.com/office/powerpoint/2010/main" xmlns:p15="http://schemas.microsoft.com/office/powerpoint/2012/main" xmlns:ahyp="http://schemas.microsoft.com/office/drawing/2018/hyperlinkcolor" showMasterPhAnim="0" showMasterSp="0">
+<p:notes xmlns:a="http://schemas.openxmlformats.org/drawingml/2006/main" xmlns:r="http://schemas.openxmlformats.org/officeDocument/2006/relationships" xmlns:p="http://schemas.openxmlformats.org/presentationml/2006/main" showMasterSp="0" showMasterPhAnim="0">
   <p:cSld>
     <p:spTree>
       <p:nvGrpSpPr>
-        <p:cNvPr id="75" name="Shape 75"/>
+        <p:cNvPr id="1" name="Shape 75"/>
         <p:cNvGrpSpPr/>
         <p:nvPr/>
       </p:nvGrpSpPr>
@@ -1519,9 +1574,11 @@
       <p:sp>
         <p:nvSpPr>
           <p:cNvPr id="76" name="Google Shape;76;g35bdb57ad12_0_9:notes"/>
-          <p:cNvSpPr/>
+          <p:cNvSpPr>
+            <a:spLocks noGrp="1" noRot="1" noChangeAspect="1"/>
+          </p:cNvSpPr>
           <p:nvPr>
-            <p:ph idx="2" type="sldImg"/>
+            <p:ph type="sldImg" idx="2"/>
           </p:nvPr>
         </p:nvSpPr>
         <p:spPr>
@@ -1530,9 +1587,13 @@
             <a:ext cx="6096000" cy="3429000"/>
           </a:xfrm>
           <a:custGeom>
-            <a:rect b="b" l="l" r="r" t="t"/>
+            <a:avLst/>
+            <a:gdLst/>
+            <a:ahLst/>
+            <a:cxnLst/>
+            <a:rect l="l" t="t" r="r" b="b"/>
             <a:pathLst>
-              <a:path extrusionOk="0" h="120000" w="120000">
+              <a:path w="120000" h="120000" extrusionOk="0">
                 <a:moveTo>
                   <a:pt x="0" y="0"/>
                 </a:moveTo>
@@ -1554,9 +1615,11 @@
       <p:sp>
         <p:nvSpPr>
           <p:cNvPr id="77" name="Google Shape;77;g35bdb57ad12_0_9:notes"/>
-          <p:cNvSpPr txBox="1"/>
+          <p:cNvSpPr txBox="1">
+            <a:spLocks noGrp="1"/>
+          </p:cNvSpPr>
           <p:nvPr>
-            <p:ph idx="1" type="body"/>
+            <p:ph type="body" idx="1"/>
           </p:nvPr>
         </p:nvSpPr>
         <p:spPr>
@@ -1569,12 +1632,12 @@
           </a:prstGeom>
         </p:spPr>
         <p:txBody>
-          <a:bodyPr anchorCtr="0" anchor="t" bIns="91425" lIns="91425" spcFirstLastPara="1" rIns="91425" wrap="square" tIns="91425">
+          <a:bodyPr spcFirstLastPara="1" wrap="square" lIns="91425" tIns="91425" rIns="91425" bIns="91425" anchor="t" anchorCtr="0">
             <a:noAutofit/>
           </a:bodyPr>
           <a:lstStyle/>
           <a:p>
-            <a:pPr indent="0" lvl="0" marL="0" rtl="0" algn="l">
+            <a:pPr marL="0" lvl="0" indent="0" algn="l" rtl="0">
               <a:spcBef>
                 <a:spcPts val="0"/>
               </a:spcBef>
@@ -1583,9 +1646,6 @@
               </a:spcAft>
               <a:buNone/>
             </a:pPr>
-            <a:r>
-              <a:t/>
-            </a:r>
             <a:endParaRPr/>
           </a:p>
         </p:txBody>
@@ -1599,11 +1659,11 @@
 </file>
 
 <file path=ppt/notesSlides/notesSlide6.xml><?xml version="1.0" encoding="utf-8"?>
-<p:notes xmlns:a="http://schemas.openxmlformats.org/drawingml/2006/main" xmlns:r="http://schemas.openxmlformats.org/officeDocument/2006/relationships" xmlns:mc="http://schemas.openxmlformats.org/markup-compatibility/2006" xmlns:mv="urn:schemas-microsoft-com:mac:vml" xmlns:p="http://schemas.openxmlformats.org/presentationml/2006/main" xmlns:c="http://schemas.openxmlformats.org/drawingml/2006/chart" xmlns:dgm="http://schemas.openxmlformats.org/drawingml/2006/diagram" xmlns:o="urn:schemas-microsoft-com:office:office" xmlns:v="urn:schemas-microsoft-com:vml" xmlns:pvml="urn:schemas-microsoft-com:office:powerpoint" xmlns:com="http://schemas.openxmlformats.org/drawingml/2006/compatibility" xmlns:p14="http://schemas.microsoft.com/office/powerpoint/2010/main" xmlns:p15="http://schemas.microsoft.com/office/powerpoint/2012/main" xmlns:ahyp="http://schemas.microsoft.com/office/drawing/2018/hyperlinkcolor" showMasterPhAnim="0" showMasterSp="0">
+<p:notes xmlns:a="http://schemas.openxmlformats.org/drawingml/2006/main" xmlns:r="http://schemas.openxmlformats.org/officeDocument/2006/relationships" xmlns:p="http://schemas.openxmlformats.org/presentationml/2006/main" showMasterSp="0" showMasterPhAnim="0">
   <p:cSld>
     <p:spTree>
       <p:nvGrpSpPr>
-        <p:cNvPr id="82" name="Shape 82"/>
+        <p:cNvPr id="1" name="Shape 82"/>
         <p:cNvGrpSpPr/>
         <p:nvPr/>
       </p:nvGrpSpPr>
@@ -1618,9 +1678,11 @@
       <p:sp>
         <p:nvSpPr>
           <p:cNvPr id="83" name="Google Shape;83;g35bdb57ad12_0_14:notes"/>
-          <p:cNvSpPr/>
+          <p:cNvSpPr>
+            <a:spLocks noGrp="1" noRot="1" noChangeAspect="1"/>
+          </p:cNvSpPr>
           <p:nvPr>
-            <p:ph idx="2" type="sldImg"/>
+            <p:ph type="sldImg" idx="2"/>
           </p:nvPr>
         </p:nvSpPr>
         <p:spPr>
@@ -1629,9 +1691,13 @@
             <a:ext cx="6096000" cy="3429000"/>
           </a:xfrm>
           <a:custGeom>
-            <a:rect b="b" l="l" r="r" t="t"/>
+            <a:avLst/>
+            <a:gdLst/>
+            <a:ahLst/>
+            <a:cxnLst/>
+            <a:rect l="l" t="t" r="r" b="b"/>
             <a:pathLst>
-              <a:path extrusionOk="0" h="120000" w="120000">
+              <a:path w="120000" h="120000" extrusionOk="0">
                 <a:moveTo>
                   <a:pt x="0" y="0"/>
                 </a:moveTo>
@@ -1653,9 +1719,11 @@
       <p:sp>
         <p:nvSpPr>
           <p:cNvPr id="84" name="Google Shape;84;g35bdb57ad12_0_14:notes"/>
-          <p:cNvSpPr txBox="1"/>
+          <p:cNvSpPr txBox="1">
+            <a:spLocks noGrp="1"/>
+          </p:cNvSpPr>
           <p:nvPr>
-            <p:ph idx="1" type="body"/>
+            <p:ph type="body" idx="1"/>
           </p:nvPr>
         </p:nvSpPr>
         <p:spPr>
@@ -1668,12 +1736,12 @@
           </a:prstGeom>
         </p:spPr>
         <p:txBody>
-          <a:bodyPr anchorCtr="0" anchor="t" bIns="91425" lIns="91425" spcFirstLastPara="1" rIns="91425" wrap="square" tIns="91425">
+          <a:bodyPr spcFirstLastPara="1" wrap="square" lIns="91425" tIns="91425" rIns="91425" bIns="91425" anchor="t" anchorCtr="0">
             <a:noAutofit/>
           </a:bodyPr>
           <a:lstStyle/>
           <a:p>
-            <a:pPr indent="0" lvl="0" marL="0" rtl="0" algn="l">
+            <a:pPr marL="0" lvl="0" indent="0" algn="l" rtl="0">
               <a:spcBef>
                 <a:spcPts val="0"/>
               </a:spcBef>
@@ -1682,9 +1750,6 @@
               </a:spcAft>
               <a:buNone/>
             </a:pPr>
-            <a:r>
-              <a:t/>
-            </a:r>
             <a:endParaRPr/>
           </a:p>
         </p:txBody>
@@ -1698,11 +1763,11 @@
 </file>
 
 <file path=ppt/notesSlides/notesSlide7.xml><?xml version="1.0" encoding="utf-8"?>
-<p:notes xmlns:a="http://schemas.openxmlformats.org/drawingml/2006/main" xmlns:r="http://schemas.openxmlformats.org/officeDocument/2006/relationships" xmlns:mc="http://schemas.openxmlformats.org/markup-compatibility/2006" xmlns:mv="urn:schemas-microsoft-com:mac:vml" xmlns:p="http://schemas.openxmlformats.org/presentationml/2006/main" xmlns:c="http://schemas.openxmlformats.org/drawingml/2006/chart" xmlns:dgm="http://schemas.openxmlformats.org/drawingml/2006/diagram" xmlns:o="urn:schemas-microsoft-com:office:office" xmlns:v="urn:schemas-microsoft-com:vml" xmlns:pvml="urn:schemas-microsoft-com:office:powerpoint" xmlns:com="http://schemas.openxmlformats.org/drawingml/2006/compatibility" xmlns:p14="http://schemas.microsoft.com/office/powerpoint/2010/main" xmlns:p15="http://schemas.microsoft.com/office/powerpoint/2012/main" xmlns:ahyp="http://schemas.microsoft.com/office/drawing/2018/hyperlinkcolor" showMasterPhAnim="0" showMasterSp="0">
+<p:notes xmlns:a="http://schemas.openxmlformats.org/drawingml/2006/main" xmlns:r="http://schemas.openxmlformats.org/officeDocument/2006/relationships" xmlns:p="http://schemas.openxmlformats.org/presentationml/2006/main" showMasterSp="0" showMasterPhAnim="0">
   <p:cSld>
     <p:spTree>
       <p:nvGrpSpPr>
-        <p:cNvPr id="89" name="Shape 89"/>
+        <p:cNvPr id="1" name="Shape 89"/>
         <p:cNvGrpSpPr/>
         <p:nvPr/>
       </p:nvGrpSpPr>
@@ -1717,9 +1782,11 @@
       <p:sp>
         <p:nvSpPr>
           <p:cNvPr id="90" name="Google Shape;90;g35bdb57ad12_0_19:notes"/>
-          <p:cNvSpPr/>
+          <p:cNvSpPr>
+            <a:spLocks noGrp="1" noRot="1" noChangeAspect="1"/>
+          </p:cNvSpPr>
           <p:nvPr>
-            <p:ph idx="2" type="sldImg"/>
+            <p:ph type="sldImg" idx="2"/>
           </p:nvPr>
         </p:nvSpPr>
         <p:spPr>
@@ -1728,9 +1795,13 @@
             <a:ext cx="6096000" cy="3429000"/>
           </a:xfrm>
           <a:custGeom>
-            <a:rect b="b" l="l" r="r" t="t"/>
+            <a:avLst/>
+            <a:gdLst/>
+            <a:ahLst/>
+            <a:cxnLst/>
+            <a:rect l="l" t="t" r="r" b="b"/>
             <a:pathLst>
-              <a:path extrusionOk="0" h="120000" w="120000">
+              <a:path w="120000" h="120000" extrusionOk="0">
                 <a:moveTo>
                   <a:pt x="0" y="0"/>
                 </a:moveTo>
@@ -1752,9 +1823,11 @@
       <p:sp>
         <p:nvSpPr>
           <p:cNvPr id="91" name="Google Shape;91;g35bdb57ad12_0_19:notes"/>
-          <p:cNvSpPr txBox="1"/>
+          <p:cNvSpPr txBox="1">
+            <a:spLocks noGrp="1"/>
+          </p:cNvSpPr>
           <p:nvPr>
-            <p:ph idx="1" type="body"/>
+            <p:ph type="body" idx="1"/>
           </p:nvPr>
         </p:nvSpPr>
         <p:spPr>
@@ -1767,12 +1840,12 @@
           </a:prstGeom>
         </p:spPr>
         <p:txBody>
-          <a:bodyPr anchorCtr="0" anchor="t" bIns="91425" lIns="91425" spcFirstLastPara="1" rIns="91425" wrap="square" tIns="91425">
+          <a:bodyPr spcFirstLastPara="1" wrap="square" lIns="91425" tIns="91425" rIns="91425" bIns="91425" anchor="t" anchorCtr="0">
             <a:noAutofit/>
           </a:bodyPr>
           <a:lstStyle/>
           <a:p>
-            <a:pPr indent="0" lvl="0" marL="0" rtl="0" algn="l">
+            <a:pPr marL="0" lvl="0" indent="0" algn="l" rtl="0">
               <a:spcBef>
                 <a:spcPts val="0"/>
               </a:spcBef>
@@ -1781,9 +1854,6 @@
               </a:spcAft>
               <a:buNone/>
             </a:pPr>
-            <a:r>
-              <a:t/>
-            </a:r>
             <a:endParaRPr/>
           </a:p>
         </p:txBody>
@@ -1797,11 +1867,11 @@
 </file>
 
 <file path=ppt/notesSlides/notesSlide8.xml><?xml version="1.0" encoding="utf-8"?>
-<p:notes xmlns:a="http://schemas.openxmlformats.org/drawingml/2006/main" xmlns:r="http://schemas.openxmlformats.org/officeDocument/2006/relationships" xmlns:mc="http://schemas.openxmlformats.org/markup-compatibility/2006" xmlns:mv="urn:schemas-microsoft-com:mac:vml" xmlns:p="http://schemas.openxmlformats.org/presentationml/2006/main" xmlns:c="http://schemas.openxmlformats.org/drawingml/2006/chart" xmlns:dgm="http://schemas.openxmlformats.org/drawingml/2006/diagram" xmlns:o="urn:schemas-microsoft-com:office:office" xmlns:v="urn:schemas-microsoft-com:vml" xmlns:pvml="urn:schemas-microsoft-com:office:powerpoint" xmlns:com="http://schemas.openxmlformats.org/drawingml/2006/compatibility" xmlns:p14="http://schemas.microsoft.com/office/powerpoint/2010/main" xmlns:p15="http://schemas.microsoft.com/office/powerpoint/2012/main" xmlns:ahyp="http://schemas.microsoft.com/office/drawing/2018/hyperlinkcolor" showMasterPhAnim="0" showMasterSp="0">
+<p:notes xmlns:a="http://schemas.openxmlformats.org/drawingml/2006/main" xmlns:r="http://schemas.openxmlformats.org/officeDocument/2006/relationships" xmlns:p="http://schemas.openxmlformats.org/presentationml/2006/main" showMasterSp="0" showMasterPhAnim="0">
   <p:cSld>
     <p:spTree>
       <p:nvGrpSpPr>
-        <p:cNvPr id="96" name="Shape 96"/>
+        <p:cNvPr id="1" name="Shape 96"/>
         <p:cNvGrpSpPr/>
         <p:nvPr/>
       </p:nvGrpSpPr>
@@ -1816,9 +1886,11 @@
       <p:sp>
         <p:nvSpPr>
           <p:cNvPr id="97" name="Google Shape;97;g35bdb57ad12_0_24:notes"/>
-          <p:cNvSpPr/>
+          <p:cNvSpPr>
+            <a:spLocks noGrp="1" noRot="1" noChangeAspect="1"/>
+          </p:cNvSpPr>
           <p:nvPr>
-            <p:ph idx="2" type="sldImg"/>
+            <p:ph type="sldImg" idx="2"/>
           </p:nvPr>
         </p:nvSpPr>
         <p:spPr>
@@ -1827,9 +1899,13 @@
             <a:ext cx="6096000" cy="3429000"/>
           </a:xfrm>
           <a:custGeom>
-            <a:rect b="b" l="l" r="r" t="t"/>
+            <a:avLst/>
+            <a:gdLst/>
+            <a:ahLst/>
+            <a:cxnLst/>
+            <a:rect l="l" t="t" r="r" b="b"/>
             <a:pathLst>
-              <a:path extrusionOk="0" h="120000" w="120000">
+              <a:path w="120000" h="120000" extrusionOk="0">
                 <a:moveTo>
                   <a:pt x="0" y="0"/>
                 </a:moveTo>
@@ -1851,9 +1927,11 @@
       <p:sp>
         <p:nvSpPr>
           <p:cNvPr id="98" name="Google Shape;98;g35bdb57ad12_0_24:notes"/>
-          <p:cNvSpPr txBox="1"/>
+          <p:cNvSpPr txBox="1">
+            <a:spLocks noGrp="1"/>
+          </p:cNvSpPr>
           <p:nvPr>
-            <p:ph idx="1" type="body"/>
+            <p:ph type="body" idx="1"/>
           </p:nvPr>
         </p:nvSpPr>
         <p:spPr>
@@ -1866,12 +1944,12 @@
           </a:prstGeom>
         </p:spPr>
         <p:txBody>
-          <a:bodyPr anchorCtr="0" anchor="t" bIns="91425" lIns="91425" spcFirstLastPara="1" rIns="91425" wrap="square" tIns="91425">
+          <a:bodyPr spcFirstLastPara="1" wrap="square" lIns="91425" tIns="91425" rIns="91425" bIns="91425" anchor="t" anchorCtr="0">
             <a:noAutofit/>
           </a:bodyPr>
           <a:lstStyle/>
           <a:p>
-            <a:pPr indent="0" lvl="0" marL="0" rtl="0" algn="l">
+            <a:pPr marL="0" lvl="0" indent="0" algn="l" rtl="0">
               <a:spcBef>
                 <a:spcPts val="0"/>
               </a:spcBef>
@@ -1880,9 +1958,6 @@
               </a:spcAft>
               <a:buNone/>
             </a:pPr>
-            <a:r>
-              <a:t/>
-            </a:r>
             <a:endParaRPr/>
           </a:p>
         </p:txBody>
@@ -1896,11 +1971,11 @@
 </file>
 
 <file path=ppt/notesSlides/notesSlide9.xml><?xml version="1.0" encoding="utf-8"?>
-<p:notes xmlns:a="http://schemas.openxmlformats.org/drawingml/2006/main" xmlns:r="http://schemas.openxmlformats.org/officeDocument/2006/relationships" xmlns:mc="http://schemas.openxmlformats.org/markup-compatibility/2006" xmlns:mv="urn:schemas-microsoft-com:mac:vml" xmlns:p="http://schemas.openxmlformats.org/presentationml/2006/main" xmlns:c="http://schemas.openxmlformats.org/drawingml/2006/chart" xmlns:dgm="http://schemas.openxmlformats.org/drawingml/2006/diagram" xmlns:o="urn:schemas-microsoft-com:office:office" xmlns:v="urn:schemas-microsoft-com:vml" xmlns:pvml="urn:schemas-microsoft-com:office:powerpoint" xmlns:com="http://schemas.openxmlformats.org/drawingml/2006/compatibility" xmlns:p14="http://schemas.microsoft.com/office/powerpoint/2010/main" xmlns:p15="http://schemas.microsoft.com/office/powerpoint/2012/main" xmlns:ahyp="http://schemas.microsoft.com/office/drawing/2018/hyperlinkcolor" showMasterPhAnim="0" showMasterSp="0">
+<p:notes xmlns:a="http://schemas.openxmlformats.org/drawingml/2006/main" xmlns:r="http://schemas.openxmlformats.org/officeDocument/2006/relationships" xmlns:p="http://schemas.openxmlformats.org/presentationml/2006/main" showMasterSp="0" showMasterPhAnim="0">
   <p:cSld>
     <p:spTree>
       <p:nvGrpSpPr>
-        <p:cNvPr id="103" name="Shape 103"/>
+        <p:cNvPr id="1" name="Shape 103"/>
         <p:cNvGrpSpPr/>
         <p:nvPr/>
       </p:nvGrpSpPr>
@@ -1915,9 +1990,11 @@
       <p:sp>
         <p:nvSpPr>
           <p:cNvPr id="104" name="Google Shape;104;g35bdb57ad12_0_29:notes"/>
-          <p:cNvSpPr/>
+          <p:cNvSpPr>
+            <a:spLocks noGrp="1" noRot="1" noChangeAspect="1"/>
+          </p:cNvSpPr>
           <p:nvPr>
-            <p:ph idx="2" type="sldImg"/>
+            <p:ph type="sldImg" idx="2"/>
           </p:nvPr>
         </p:nvSpPr>
         <p:spPr>
@@ -1926,9 +2003,13 @@
             <a:ext cx="6096000" cy="3429000"/>
           </a:xfrm>
           <a:custGeom>
-            <a:rect b="b" l="l" r="r" t="t"/>
+            <a:avLst/>
+            <a:gdLst/>
+            <a:ahLst/>
+            <a:cxnLst/>
+            <a:rect l="l" t="t" r="r" b="b"/>
             <a:pathLst>
-              <a:path extrusionOk="0" h="120000" w="120000">
+              <a:path w="120000" h="120000" extrusionOk="0">
                 <a:moveTo>
                   <a:pt x="0" y="0"/>
                 </a:moveTo>
@@ -1950,9 +2031,11 @@
       <p:sp>
         <p:nvSpPr>
           <p:cNvPr id="105" name="Google Shape;105;g35bdb57ad12_0_29:notes"/>
-          <p:cNvSpPr txBox="1"/>
+          <p:cNvSpPr txBox="1">
+            <a:spLocks noGrp="1"/>
+          </p:cNvSpPr>
           <p:nvPr>
-            <p:ph idx="1" type="body"/>
+            <p:ph type="body" idx="1"/>
           </p:nvPr>
         </p:nvSpPr>
         <p:spPr>
@@ -1965,12 +2048,12 @@
           </a:prstGeom>
         </p:spPr>
         <p:txBody>
-          <a:bodyPr anchorCtr="0" anchor="t" bIns="91425" lIns="91425" spcFirstLastPara="1" rIns="91425" wrap="square" tIns="91425">
+          <a:bodyPr spcFirstLastPara="1" wrap="square" lIns="91425" tIns="91425" rIns="91425" bIns="91425" anchor="t" anchorCtr="0">
             <a:noAutofit/>
           </a:bodyPr>
           <a:lstStyle/>
           <a:p>
-            <a:pPr indent="0" lvl="0" marL="0" rtl="0" algn="l">
+            <a:pPr marL="0" lvl="0" indent="0" algn="l" rtl="0">
               <a:spcBef>
                 <a:spcPts val="0"/>
               </a:spcBef>
@@ -1979,9 +2062,6 @@
               </a:spcAft>
               <a:buNone/>
             </a:pPr>
-            <a:r>
-              <a:t/>
-            </a:r>
             <a:endParaRPr/>
           </a:p>
         </p:txBody>
@@ -1995,11 +2075,11 @@
 </file>
 
 <file path=ppt/slideLayouts/slideLayout1.xml><?xml version="1.0" encoding="utf-8"?>
-<p:sldLayout xmlns:a="http://schemas.openxmlformats.org/drawingml/2006/main" xmlns:r="http://schemas.openxmlformats.org/officeDocument/2006/relationships" xmlns:mc="http://schemas.openxmlformats.org/markup-compatibility/2006" xmlns:mv="urn:schemas-microsoft-com:mac:vml" xmlns:p="http://schemas.openxmlformats.org/presentationml/2006/main" xmlns:c="http://schemas.openxmlformats.org/drawingml/2006/chart" xmlns:dgm="http://schemas.openxmlformats.org/drawingml/2006/diagram" xmlns:o="urn:schemas-microsoft-com:office:office" xmlns:v="urn:schemas-microsoft-com:vml" xmlns:pvml="urn:schemas-microsoft-com:office:powerpoint" xmlns:com="http://schemas.openxmlformats.org/drawingml/2006/compatibility" xmlns:p14="http://schemas.microsoft.com/office/powerpoint/2010/main" xmlns:p15="http://schemas.microsoft.com/office/powerpoint/2012/main" xmlns:ahyp="http://schemas.microsoft.com/office/drawing/2018/hyperlinkcolor" matchingName="Title slide" type="title">
+<p:sldLayout xmlns:a="http://schemas.openxmlformats.org/drawingml/2006/main" xmlns:r="http://schemas.openxmlformats.org/officeDocument/2006/relationships" xmlns:p="http://schemas.openxmlformats.org/presentationml/2006/main" matchingName="Title slide" type="title">
   <p:cSld name="TITLE">
     <p:spTree>
       <p:nvGrpSpPr>
-        <p:cNvPr id="9" name="Shape 9"/>
+        <p:cNvPr id="1" name="Shape 9"/>
         <p:cNvGrpSpPr/>
         <p:nvPr/>
       </p:nvGrpSpPr>
@@ -2014,7 +2094,9 @@
       <p:sp>
         <p:nvSpPr>
           <p:cNvPr id="10" name="Google Shape;10;p2"/>
-          <p:cNvSpPr txBox="1"/>
+          <p:cNvSpPr txBox="1">
+            <a:spLocks noGrp="1"/>
+          </p:cNvSpPr>
           <p:nvPr>
             <p:ph type="ctrTitle"/>
           </p:nvPr>
@@ -2029,7 +2111,7 @@
           </a:prstGeom>
         </p:spPr>
         <p:txBody>
-          <a:bodyPr anchorCtr="0" anchor="b" bIns="91425" lIns="91425" spcFirstLastPara="1" rIns="91425" wrap="square" tIns="91425">
+          <a:bodyPr spcFirstLastPara="1" wrap="square" lIns="91425" tIns="91425" rIns="91425" bIns="91425" anchor="b" anchorCtr="0">
             <a:normAutofit/>
           </a:bodyPr>
           <a:lstStyle>
@@ -2133,15 +2215,19 @@
               <a:defRPr sz="5200"/>
             </a:lvl9pPr>
           </a:lstStyle>
-          <a:p/>
+          <a:p>
+            <a:endParaRPr/>
+          </a:p>
         </p:txBody>
       </p:sp>
       <p:sp>
         <p:nvSpPr>
           <p:cNvPr id="11" name="Google Shape;11;p2"/>
-          <p:cNvSpPr txBox="1"/>
+          <p:cNvSpPr txBox="1">
+            <a:spLocks noGrp="1"/>
+          </p:cNvSpPr>
           <p:nvPr>
-            <p:ph idx="1" type="subTitle"/>
+            <p:ph type="subTitle" idx="1"/>
           </p:nvPr>
         </p:nvSpPr>
         <p:spPr>
@@ -2154,7 +2240,7 @@
           </a:prstGeom>
         </p:spPr>
         <p:txBody>
-          <a:bodyPr anchorCtr="0" anchor="t" bIns="91425" lIns="91425" spcFirstLastPara="1" rIns="91425" wrap="square" tIns="91425">
+          <a:bodyPr spcFirstLastPara="1" wrap="square" lIns="91425" tIns="91425" rIns="91425" bIns="91425" anchor="t" anchorCtr="0">
             <a:normAutofit/>
           </a:bodyPr>
           <a:lstStyle>
@@ -2285,15 +2371,19 @@
               <a:defRPr sz="2800"/>
             </a:lvl9pPr>
           </a:lstStyle>
-          <a:p/>
+          <a:p>
+            <a:endParaRPr/>
+          </a:p>
         </p:txBody>
       </p:sp>
       <p:sp>
         <p:nvSpPr>
           <p:cNvPr id="12" name="Google Shape;12;p2"/>
-          <p:cNvSpPr txBox="1"/>
+          <p:cNvSpPr txBox="1">
+            <a:spLocks noGrp="1"/>
+          </p:cNvSpPr>
           <p:nvPr>
-            <p:ph idx="12" type="sldNum"/>
+            <p:ph type="sldNum" idx="12"/>
           </p:nvPr>
         </p:nvSpPr>
         <p:spPr>
@@ -2306,7 +2396,7 @@
           </a:prstGeom>
         </p:spPr>
         <p:txBody>
-          <a:bodyPr anchorCtr="0" anchor="ctr" bIns="91425" lIns="91425" spcFirstLastPara="1" rIns="91425" wrap="square" tIns="91425">
+          <a:bodyPr spcFirstLastPara="1" wrap="square" lIns="91425" tIns="91425" rIns="91425" bIns="91425" anchor="ctr" anchorCtr="0">
             <a:normAutofit/>
           </a:bodyPr>
           <a:lstStyle>
@@ -2348,7 +2438,7 @@
             </a:lvl9pPr>
           </a:lstStyle>
           <a:p>
-            <a:pPr indent="0" lvl="0" marL="0" rtl="0" algn="r">
+            <a:pPr marL="0" lvl="0" indent="0" algn="r" rtl="0">
               <a:spcBef>
                 <a:spcPts val="0"/>
               </a:spcBef>
@@ -2374,11 +2464,11 @@
 </file>
 
 <file path=ppt/slideLayouts/slideLayout10.xml><?xml version="1.0" encoding="utf-8"?>
-<p:sldLayout xmlns:a="http://schemas.openxmlformats.org/drawingml/2006/main" xmlns:r="http://schemas.openxmlformats.org/officeDocument/2006/relationships" xmlns:mc="http://schemas.openxmlformats.org/markup-compatibility/2006" xmlns:mv="urn:schemas-microsoft-com:mac:vml" xmlns:p="http://schemas.openxmlformats.org/presentationml/2006/main" xmlns:c="http://schemas.openxmlformats.org/drawingml/2006/chart" xmlns:dgm="http://schemas.openxmlformats.org/drawingml/2006/diagram" xmlns:o="urn:schemas-microsoft-com:office:office" xmlns:v="urn:schemas-microsoft-com:vml" xmlns:pvml="urn:schemas-microsoft-com:office:powerpoint" xmlns:com="http://schemas.openxmlformats.org/drawingml/2006/compatibility" xmlns:p14="http://schemas.microsoft.com/office/powerpoint/2010/main" xmlns:p15="http://schemas.microsoft.com/office/powerpoint/2012/main" xmlns:ahyp="http://schemas.microsoft.com/office/drawing/2018/hyperlinkcolor" matchingName="Big number">
+<p:sldLayout xmlns:a="http://schemas.openxmlformats.org/drawingml/2006/main" xmlns:r="http://schemas.openxmlformats.org/officeDocument/2006/relationships" xmlns:p="http://schemas.openxmlformats.org/presentationml/2006/main" matchingName="Big number">
   <p:cSld name="BIG_NUMBER">
     <p:spTree>
       <p:nvGrpSpPr>
-        <p:cNvPr id="44" name="Shape 44"/>
+        <p:cNvPr id="1" name="Shape 44"/>
         <p:cNvGrpSpPr/>
         <p:nvPr/>
       </p:nvGrpSpPr>
@@ -2393,9 +2483,11 @@
       <p:sp>
         <p:nvSpPr>
           <p:cNvPr id="45" name="Google Shape;45;p11"/>
-          <p:cNvSpPr txBox="1"/>
+          <p:cNvSpPr txBox="1">
+            <a:spLocks noGrp="1"/>
+          </p:cNvSpPr>
           <p:nvPr>
-            <p:ph hasCustomPrompt="1" type="title"/>
+            <p:ph type="title" hasCustomPrompt="1"/>
           </p:nvPr>
         </p:nvSpPr>
         <p:spPr>
@@ -2408,7 +2500,7 @@
           </a:prstGeom>
         </p:spPr>
         <p:txBody>
-          <a:bodyPr anchorCtr="0" anchor="b" bIns="91425" lIns="91425" spcFirstLastPara="1" rIns="91425" wrap="square" tIns="91425">
+          <a:bodyPr spcFirstLastPara="1" wrap="square" lIns="91425" tIns="91425" rIns="91425" bIns="91425" anchor="b" anchorCtr="0">
             <a:normAutofit/>
           </a:bodyPr>
           <a:lstStyle>
@@ -2522,9 +2614,11 @@
       <p:sp>
         <p:nvSpPr>
           <p:cNvPr id="46" name="Google Shape;46;p11"/>
-          <p:cNvSpPr txBox="1"/>
+          <p:cNvSpPr txBox="1">
+            <a:spLocks noGrp="1"/>
+          </p:cNvSpPr>
           <p:nvPr>
-            <p:ph idx="1" type="body"/>
+            <p:ph type="body" idx="1"/>
           </p:nvPr>
         </p:nvSpPr>
         <p:spPr>
@@ -2537,11 +2631,11 @@
           </a:prstGeom>
         </p:spPr>
         <p:txBody>
-          <a:bodyPr anchorCtr="0" anchor="t" bIns="91425" lIns="91425" spcFirstLastPara="1" rIns="91425" wrap="square" tIns="91425">
+          <a:bodyPr spcFirstLastPara="1" wrap="square" lIns="91425" tIns="91425" rIns="91425" bIns="91425" anchor="t" anchorCtr="0">
             <a:normAutofit/>
           </a:bodyPr>
           <a:lstStyle>
-            <a:lvl1pPr indent="-342900" lvl="0" marL="457200" algn="ctr">
+            <a:lvl1pPr marL="457200" lvl="0" indent="-342900" algn="ctr">
               <a:spcBef>
                 <a:spcPts val="0"/>
               </a:spcBef>
@@ -2552,7 +2646,7 @@
               <a:buChar char="●"/>
               <a:defRPr/>
             </a:lvl1pPr>
-            <a:lvl2pPr indent="-317500" lvl="1" marL="914400" algn="ctr">
+            <a:lvl2pPr marL="914400" lvl="1" indent="-317500" algn="ctr">
               <a:spcBef>
                 <a:spcPts val="0"/>
               </a:spcBef>
@@ -2563,7 +2657,7 @@
               <a:buChar char="○"/>
               <a:defRPr/>
             </a:lvl2pPr>
-            <a:lvl3pPr indent="-317500" lvl="2" marL="1371600" algn="ctr">
+            <a:lvl3pPr marL="1371600" lvl="2" indent="-317500" algn="ctr">
               <a:spcBef>
                 <a:spcPts val="0"/>
               </a:spcBef>
@@ -2574,7 +2668,7 @@
               <a:buChar char="■"/>
               <a:defRPr/>
             </a:lvl3pPr>
-            <a:lvl4pPr indent="-317500" lvl="3" marL="1828800" algn="ctr">
+            <a:lvl4pPr marL="1828800" lvl="3" indent="-317500" algn="ctr">
               <a:spcBef>
                 <a:spcPts val="0"/>
               </a:spcBef>
@@ -2585,7 +2679,7 @@
               <a:buChar char="●"/>
               <a:defRPr/>
             </a:lvl4pPr>
-            <a:lvl5pPr indent="-317500" lvl="4" marL="2286000" algn="ctr">
+            <a:lvl5pPr marL="2286000" lvl="4" indent="-317500" algn="ctr">
               <a:spcBef>
                 <a:spcPts val="0"/>
               </a:spcBef>
@@ -2596,7 +2690,7 @@
               <a:buChar char="○"/>
               <a:defRPr/>
             </a:lvl5pPr>
-            <a:lvl6pPr indent="-317500" lvl="5" marL="2743200" algn="ctr">
+            <a:lvl6pPr marL="2743200" lvl="5" indent="-317500" algn="ctr">
               <a:spcBef>
                 <a:spcPts val="0"/>
               </a:spcBef>
@@ -2607,7 +2701,7 @@
               <a:buChar char="■"/>
               <a:defRPr/>
             </a:lvl6pPr>
-            <a:lvl7pPr indent="-317500" lvl="6" marL="3200400" algn="ctr">
+            <a:lvl7pPr marL="3200400" lvl="6" indent="-317500" algn="ctr">
               <a:spcBef>
                 <a:spcPts val="0"/>
               </a:spcBef>
@@ -2618,7 +2712,7 @@
               <a:buChar char="●"/>
               <a:defRPr/>
             </a:lvl7pPr>
-            <a:lvl8pPr indent="-317500" lvl="7" marL="3657600" algn="ctr">
+            <a:lvl8pPr marL="3657600" lvl="7" indent="-317500" algn="ctr">
               <a:spcBef>
                 <a:spcPts val="0"/>
               </a:spcBef>
@@ -2629,7 +2723,7 @@
               <a:buChar char="○"/>
               <a:defRPr/>
             </a:lvl8pPr>
-            <a:lvl9pPr indent="-317500" lvl="8" marL="4114800" algn="ctr">
+            <a:lvl9pPr marL="4114800" lvl="8" indent="-317500" algn="ctr">
               <a:spcBef>
                 <a:spcPts val="0"/>
               </a:spcBef>
@@ -2641,15 +2735,19 @@
               <a:defRPr/>
             </a:lvl9pPr>
           </a:lstStyle>
-          <a:p/>
+          <a:p>
+            <a:endParaRPr/>
+          </a:p>
         </p:txBody>
       </p:sp>
       <p:sp>
         <p:nvSpPr>
           <p:cNvPr id="47" name="Google Shape;47;p11"/>
-          <p:cNvSpPr txBox="1"/>
+          <p:cNvSpPr txBox="1">
+            <a:spLocks noGrp="1"/>
+          </p:cNvSpPr>
           <p:nvPr>
-            <p:ph idx="12" type="sldNum"/>
+            <p:ph type="sldNum" idx="12"/>
           </p:nvPr>
         </p:nvSpPr>
         <p:spPr>
@@ -2662,7 +2760,7 @@
           </a:prstGeom>
         </p:spPr>
         <p:txBody>
-          <a:bodyPr anchorCtr="0" anchor="ctr" bIns="91425" lIns="91425" spcFirstLastPara="1" rIns="91425" wrap="square" tIns="91425">
+          <a:bodyPr spcFirstLastPara="1" wrap="square" lIns="91425" tIns="91425" rIns="91425" bIns="91425" anchor="ctr" anchorCtr="0">
             <a:normAutofit/>
           </a:bodyPr>
           <a:lstStyle>
@@ -2704,7 +2802,7 @@
             </a:lvl9pPr>
           </a:lstStyle>
           <a:p>
-            <a:pPr indent="0" lvl="0" marL="0" rtl="0" algn="r">
+            <a:pPr marL="0" lvl="0" indent="0" algn="r" rtl="0">
               <a:spcBef>
                 <a:spcPts val="0"/>
               </a:spcBef>
@@ -2730,11 +2828,11 @@
 </file>
 
 <file path=ppt/slideLayouts/slideLayout11.xml><?xml version="1.0" encoding="utf-8"?>
-<p:sldLayout xmlns:a="http://schemas.openxmlformats.org/drawingml/2006/main" xmlns:r="http://schemas.openxmlformats.org/officeDocument/2006/relationships" xmlns:mc="http://schemas.openxmlformats.org/markup-compatibility/2006" xmlns:mv="urn:schemas-microsoft-com:mac:vml" xmlns:p="http://schemas.openxmlformats.org/presentationml/2006/main" xmlns:c="http://schemas.openxmlformats.org/drawingml/2006/chart" xmlns:dgm="http://schemas.openxmlformats.org/drawingml/2006/diagram" xmlns:o="urn:schemas-microsoft-com:office:office" xmlns:v="urn:schemas-microsoft-com:vml" xmlns:pvml="urn:schemas-microsoft-com:office:powerpoint" xmlns:com="http://schemas.openxmlformats.org/drawingml/2006/compatibility" xmlns:p14="http://schemas.microsoft.com/office/powerpoint/2010/main" xmlns:p15="http://schemas.microsoft.com/office/powerpoint/2012/main" xmlns:ahyp="http://schemas.microsoft.com/office/drawing/2018/hyperlinkcolor" matchingName="Blank" type="blank">
+<p:sldLayout xmlns:a="http://schemas.openxmlformats.org/drawingml/2006/main" xmlns:r="http://schemas.openxmlformats.org/officeDocument/2006/relationships" xmlns:p="http://schemas.openxmlformats.org/presentationml/2006/main" matchingName="Blank" type="blank">
   <p:cSld name="BLANK">
     <p:spTree>
       <p:nvGrpSpPr>
-        <p:cNvPr id="48" name="Shape 48"/>
+        <p:cNvPr id="1" name="Shape 48"/>
         <p:cNvGrpSpPr/>
         <p:nvPr/>
       </p:nvGrpSpPr>
@@ -2749,9 +2847,11 @@
       <p:sp>
         <p:nvSpPr>
           <p:cNvPr id="49" name="Google Shape;49;p12"/>
-          <p:cNvSpPr txBox="1"/>
+          <p:cNvSpPr txBox="1">
+            <a:spLocks noGrp="1"/>
+          </p:cNvSpPr>
           <p:nvPr>
-            <p:ph idx="12" type="sldNum"/>
+            <p:ph type="sldNum" idx="12"/>
           </p:nvPr>
         </p:nvSpPr>
         <p:spPr>
@@ -2764,7 +2864,7 @@
           </a:prstGeom>
         </p:spPr>
         <p:txBody>
-          <a:bodyPr anchorCtr="0" anchor="ctr" bIns="91425" lIns="91425" spcFirstLastPara="1" rIns="91425" wrap="square" tIns="91425">
+          <a:bodyPr spcFirstLastPara="1" wrap="square" lIns="91425" tIns="91425" rIns="91425" bIns="91425" anchor="ctr" anchorCtr="0">
             <a:normAutofit/>
           </a:bodyPr>
           <a:lstStyle>
@@ -2806,7 +2906,7 @@
             </a:lvl9pPr>
           </a:lstStyle>
           <a:p>
-            <a:pPr indent="0" lvl="0" marL="0" rtl="0" algn="r">
+            <a:pPr marL="0" lvl="0" indent="0" algn="r" rtl="0">
               <a:spcBef>
                 <a:spcPts val="0"/>
               </a:spcBef>
@@ -2832,11 +2932,11 @@
 </file>
 
 <file path=ppt/slideLayouts/slideLayout2.xml><?xml version="1.0" encoding="utf-8"?>
-<p:sldLayout xmlns:a="http://schemas.openxmlformats.org/drawingml/2006/main" xmlns:r="http://schemas.openxmlformats.org/officeDocument/2006/relationships" xmlns:mc="http://schemas.openxmlformats.org/markup-compatibility/2006" xmlns:mv="urn:schemas-microsoft-com:mac:vml" xmlns:p="http://schemas.openxmlformats.org/presentationml/2006/main" xmlns:c="http://schemas.openxmlformats.org/drawingml/2006/chart" xmlns:dgm="http://schemas.openxmlformats.org/drawingml/2006/diagram" xmlns:o="urn:schemas-microsoft-com:office:office" xmlns:v="urn:schemas-microsoft-com:vml" xmlns:pvml="urn:schemas-microsoft-com:office:powerpoint" xmlns:com="http://schemas.openxmlformats.org/drawingml/2006/compatibility" xmlns:p14="http://schemas.microsoft.com/office/powerpoint/2010/main" xmlns:p15="http://schemas.microsoft.com/office/powerpoint/2012/main" xmlns:ahyp="http://schemas.microsoft.com/office/drawing/2018/hyperlinkcolor" matchingName="Section header" type="secHead">
+<p:sldLayout xmlns:a="http://schemas.openxmlformats.org/drawingml/2006/main" xmlns:r="http://schemas.openxmlformats.org/officeDocument/2006/relationships" xmlns:p="http://schemas.openxmlformats.org/presentationml/2006/main" matchingName="Section header" type="secHead">
   <p:cSld name="SECTION_HEADER">
     <p:spTree>
       <p:nvGrpSpPr>
-        <p:cNvPr id="13" name="Shape 13"/>
+        <p:cNvPr id="1" name="Shape 13"/>
         <p:cNvGrpSpPr/>
         <p:nvPr/>
       </p:nvGrpSpPr>
@@ -2851,7 +2951,9 @@
       <p:sp>
         <p:nvSpPr>
           <p:cNvPr id="14" name="Google Shape;14;p3"/>
-          <p:cNvSpPr txBox="1"/>
+          <p:cNvSpPr txBox="1">
+            <a:spLocks noGrp="1"/>
+          </p:cNvSpPr>
           <p:nvPr>
             <p:ph type="title"/>
           </p:nvPr>
@@ -2866,7 +2968,7 @@
           </a:prstGeom>
         </p:spPr>
         <p:txBody>
-          <a:bodyPr anchorCtr="0" anchor="ctr" bIns="91425" lIns="91425" spcFirstLastPara="1" rIns="91425" wrap="square" tIns="91425">
+          <a:bodyPr spcFirstLastPara="1" wrap="square" lIns="91425" tIns="91425" rIns="91425" bIns="91425" anchor="ctr" anchorCtr="0">
             <a:normAutofit/>
           </a:bodyPr>
           <a:lstStyle>
@@ -2970,15 +3072,19 @@
               <a:defRPr sz="3600"/>
             </a:lvl9pPr>
           </a:lstStyle>
-          <a:p/>
+          <a:p>
+            <a:endParaRPr/>
+          </a:p>
         </p:txBody>
       </p:sp>
       <p:sp>
         <p:nvSpPr>
           <p:cNvPr id="15" name="Google Shape;15;p3"/>
-          <p:cNvSpPr txBox="1"/>
+          <p:cNvSpPr txBox="1">
+            <a:spLocks noGrp="1"/>
+          </p:cNvSpPr>
           <p:nvPr>
-            <p:ph idx="12" type="sldNum"/>
+            <p:ph type="sldNum" idx="12"/>
           </p:nvPr>
         </p:nvSpPr>
         <p:spPr>
@@ -2991,7 +3097,7 @@
           </a:prstGeom>
         </p:spPr>
         <p:txBody>
-          <a:bodyPr anchorCtr="0" anchor="ctr" bIns="91425" lIns="91425" spcFirstLastPara="1" rIns="91425" wrap="square" tIns="91425">
+          <a:bodyPr spcFirstLastPara="1" wrap="square" lIns="91425" tIns="91425" rIns="91425" bIns="91425" anchor="ctr" anchorCtr="0">
             <a:normAutofit/>
           </a:bodyPr>
           <a:lstStyle>
@@ -3033,7 +3139,7 @@
             </a:lvl9pPr>
           </a:lstStyle>
           <a:p>
-            <a:pPr indent="0" lvl="0" marL="0" rtl="0" algn="r">
+            <a:pPr marL="0" lvl="0" indent="0" algn="r" rtl="0">
               <a:spcBef>
                 <a:spcPts val="0"/>
               </a:spcBef>
@@ -3059,11 +3165,11 @@
 </file>
 
 <file path=ppt/slideLayouts/slideLayout3.xml><?xml version="1.0" encoding="utf-8"?>
-<p:sldLayout xmlns:a="http://schemas.openxmlformats.org/drawingml/2006/main" xmlns:r="http://schemas.openxmlformats.org/officeDocument/2006/relationships" xmlns:mc="http://schemas.openxmlformats.org/markup-compatibility/2006" xmlns:mv="urn:schemas-microsoft-com:mac:vml" xmlns:p="http://schemas.openxmlformats.org/presentationml/2006/main" xmlns:c="http://schemas.openxmlformats.org/drawingml/2006/chart" xmlns:dgm="http://schemas.openxmlformats.org/drawingml/2006/diagram" xmlns:o="urn:schemas-microsoft-com:office:office" xmlns:v="urn:schemas-microsoft-com:vml" xmlns:pvml="urn:schemas-microsoft-com:office:powerpoint" xmlns:com="http://schemas.openxmlformats.org/drawingml/2006/compatibility" xmlns:p14="http://schemas.microsoft.com/office/powerpoint/2010/main" xmlns:p15="http://schemas.microsoft.com/office/powerpoint/2012/main" xmlns:ahyp="http://schemas.microsoft.com/office/drawing/2018/hyperlinkcolor" matchingName="Title and body" type="tx">
+<p:sldLayout xmlns:a="http://schemas.openxmlformats.org/drawingml/2006/main" xmlns:r="http://schemas.openxmlformats.org/officeDocument/2006/relationships" xmlns:p="http://schemas.openxmlformats.org/presentationml/2006/main" matchingName="Title and body" type="tx">
   <p:cSld name="TITLE_AND_BODY">
     <p:spTree>
       <p:nvGrpSpPr>
-        <p:cNvPr id="16" name="Shape 16"/>
+        <p:cNvPr id="1" name="Shape 16"/>
         <p:cNvGrpSpPr/>
         <p:nvPr/>
       </p:nvGrpSpPr>
@@ -3078,7 +3184,9 @@
       <p:sp>
         <p:nvSpPr>
           <p:cNvPr id="17" name="Google Shape;17;p4"/>
-          <p:cNvSpPr txBox="1"/>
+          <p:cNvSpPr txBox="1">
+            <a:spLocks noGrp="1"/>
+          </p:cNvSpPr>
           <p:nvPr>
             <p:ph type="title"/>
           </p:nvPr>
@@ -3093,7 +3201,7 @@
           </a:prstGeom>
         </p:spPr>
         <p:txBody>
-          <a:bodyPr anchorCtr="0" anchor="t" bIns="91425" lIns="91425" spcFirstLastPara="1" rIns="91425" wrap="square" tIns="91425">
+          <a:bodyPr spcFirstLastPara="1" wrap="square" lIns="91425" tIns="91425" rIns="91425" bIns="91425" anchor="t" anchorCtr="0">
             <a:normAutofit/>
           </a:bodyPr>
           <a:lstStyle>
@@ -3197,15 +3305,19 @@
               <a:defRPr/>
             </a:lvl9pPr>
           </a:lstStyle>
-          <a:p/>
+          <a:p>
+            <a:endParaRPr/>
+          </a:p>
         </p:txBody>
       </p:sp>
       <p:sp>
         <p:nvSpPr>
           <p:cNvPr id="18" name="Google Shape;18;p4"/>
-          <p:cNvSpPr txBox="1"/>
+          <p:cNvSpPr txBox="1">
+            <a:spLocks noGrp="1"/>
+          </p:cNvSpPr>
           <p:nvPr>
-            <p:ph idx="1" type="body"/>
+            <p:ph type="body" idx="1"/>
           </p:nvPr>
         </p:nvSpPr>
         <p:spPr>
@@ -3218,11 +3330,11 @@
           </a:prstGeom>
         </p:spPr>
         <p:txBody>
-          <a:bodyPr anchorCtr="0" anchor="t" bIns="91425" lIns="91425" spcFirstLastPara="1" rIns="91425" wrap="square" tIns="91425">
+          <a:bodyPr spcFirstLastPara="1" wrap="square" lIns="91425" tIns="91425" rIns="91425" bIns="91425" anchor="t" anchorCtr="0">
             <a:normAutofit/>
           </a:bodyPr>
           <a:lstStyle>
-            <a:lvl1pPr indent="-342900" lvl="0" marL="457200">
+            <a:lvl1pPr marL="457200" lvl="0" indent="-342900">
               <a:spcBef>
                 <a:spcPts val="0"/>
               </a:spcBef>
@@ -3233,7 +3345,7 @@
               <a:buChar char="●"/>
               <a:defRPr/>
             </a:lvl1pPr>
-            <a:lvl2pPr indent="-317500" lvl="1" marL="914400">
+            <a:lvl2pPr marL="914400" lvl="1" indent="-317500">
               <a:spcBef>
                 <a:spcPts val="0"/>
               </a:spcBef>
@@ -3244,7 +3356,7 @@
               <a:buChar char="○"/>
               <a:defRPr/>
             </a:lvl2pPr>
-            <a:lvl3pPr indent="-317500" lvl="2" marL="1371600">
+            <a:lvl3pPr marL="1371600" lvl="2" indent="-317500">
               <a:spcBef>
                 <a:spcPts val="0"/>
               </a:spcBef>
@@ -3255,7 +3367,7 @@
               <a:buChar char="■"/>
               <a:defRPr/>
             </a:lvl3pPr>
-            <a:lvl4pPr indent="-317500" lvl="3" marL="1828800">
+            <a:lvl4pPr marL="1828800" lvl="3" indent="-317500">
               <a:spcBef>
                 <a:spcPts val="0"/>
               </a:spcBef>
@@ -3266,7 +3378,7 @@
               <a:buChar char="●"/>
               <a:defRPr/>
             </a:lvl4pPr>
-            <a:lvl5pPr indent="-317500" lvl="4" marL="2286000">
+            <a:lvl5pPr marL="2286000" lvl="4" indent="-317500">
               <a:spcBef>
                 <a:spcPts val="0"/>
               </a:spcBef>
@@ -3277,7 +3389,7 @@
               <a:buChar char="○"/>
               <a:defRPr/>
             </a:lvl5pPr>
-            <a:lvl6pPr indent="-317500" lvl="5" marL="2743200">
+            <a:lvl6pPr marL="2743200" lvl="5" indent="-317500">
               <a:spcBef>
                 <a:spcPts val="0"/>
               </a:spcBef>
@@ -3288,7 +3400,7 @@
               <a:buChar char="■"/>
               <a:defRPr/>
             </a:lvl6pPr>
-            <a:lvl7pPr indent="-317500" lvl="6" marL="3200400">
+            <a:lvl7pPr marL="3200400" lvl="6" indent="-317500">
               <a:spcBef>
                 <a:spcPts val="0"/>
               </a:spcBef>
@@ -3299,7 +3411,7 @@
               <a:buChar char="●"/>
               <a:defRPr/>
             </a:lvl7pPr>
-            <a:lvl8pPr indent="-317500" lvl="7" marL="3657600">
+            <a:lvl8pPr marL="3657600" lvl="7" indent="-317500">
               <a:spcBef>
                 <a:spcPts val="0"/>
               </a:spcBef>
@@ -3310,7 +3422,7 @@
               <a:buChar char="○"/>
               <a:defRPr/>
             </a:lvl8pPr>
-            <a:lvl9pPr indent="-317500" lvl="8" marL="4114800">
+            <a:lvl9pPr marL="4114800" lvl="8" indent="-317500">
               <a:spcBef>
                 <a:spcPts val="0"/>
               </a:spcBef>
@@ -3322,15 +3434,19 @@
               <a:defRPr/>
             </a:lvl9pPr>
           </a:lstStyle>
-          <a:p/>
+          <a:p>
+            <a:endParaRPr/>
+          </a:p>
         </p:txBody>
       </p:sp>
       <p:sp>
         <p:nvSpPr>
           <p:cNvPr id="19" name="Google Shape;19;p4"/>
-          <p:cNvSpPr txBox="1"/>
+          <p:cNvSpPr txBox="1">
+            <a:spLocks noGrp="1"/>
+          </p:cNvSpPr>
           <p:nvPr>
-            <p:ph idx="12" type="sldNum"/>
+            <p:ph type="sldNum" idx="12"/>
           </p:nvPr>
         </p:nvSpPr>
         <p:spPr>
@@ -3343,7 +3459,7 @@
           </a:prstGeom>
         </p:spPr>
         <p:txBody>
-          <a:bodyPr anchorCtr="0" anchor="ctr" bIns="91425" lIns="91425" spcFirstLastPara="1" rIns="91425" wrap="square" tIns="91425">
+          <a:bodyPr spcFirstLastPara="1" wrap="square" lIns="91425" tIns="91425" rIns="91425" bIns="91425" anchor="ctr" anchorCtr="0">
             <a:normAutofit/>
           </a:bodyPr>
           <a:lstStyle>
@@ -3385,7 +3501,7 @@
             </a:lvl9pPr>
           </a:lstStyle>
           <a:p>
-            <a:pPr indent="0" lvl="0" marL="0" rtl="0" algn="r">
+            <a:pPr marL="0" lvl="0" indent="0" algn="r" rtl="0">
               <a:spcBef>
                 <a:spcPts val="0"/>
               </a:spcBef>
@@ -3411,11 +3527,11 @@
 </file>
 
 <file path=ppt/slideLayouts/slideLayout4.xml><?xml version="1.0" encoding="utf-8"?>
-<p:sldLayout xmlns:a="http://schemas.openxmlformats.org/drawingml/2006/main" xmlns:r="http://schemas.openxmlformats.org/officeDocument/2006/relationships" xmlns:mc="http://schemas.openxmlformats.org/markup-compatibility/2006" xmlns:mv="urn:schemas-microsoft-com:mac:vml" xmlns:p="http://schemas.openxmlformats.org/presentationml/2006/main" xmlns:c="http://schemas.openxmlformats.org/drawingml/2006/chart" xmlns:dgm="http://schemas.openxmlformats.org/drawingml/2006/diagram" xmlns:o="urn:schemas-microsoft-com:office:office" xmlns:v="urn:schemas-microsoft-com:vml" xmlns:pvml="urn:schemas-microsoft-com:office:powerpoint" xmlns:com="http://schemas.openxmlformats.org/drawingml/2006/compatibility" xmlns:p14="http://schemas.microsoft.com/office/powerpoint/2010/main" xmlns:p15="http://schemas.microsoft.com/office/powerpoint/2012/main" xmlns:ahyp="http://schemas.microsoft.com/office/drawing/2018/hyperlinkcolor" matchingName="Title and two columns" type="twoColTx">
+<p:sldLayout xmlns:a="http://schemas.openxmlformats.org/drawingml/2006/main" xmlns:r="http://schemas.openxmlformats.org/officeDocument/2006/relationships" xmlns:p="http://schemas.openxmlformats.org/presentationml/2006/main" matchingName="Title and two columns" type="twoColTx">
   <p:cSld name="TITLE_AND_TWO_COLUMNS">
     <p:spTree>
       <p:nvGrpSpPr>
-        <p:cNvPr id="20" name="Shape 20"/>
+        <p:cNvPr id="1" name="Shape 20"/>
         <p:cNvGrpSpPr/>
         <p:nvPr/>
       </p:nvGrpSpPr>
@@ -3430,7 +3546,9 @@
       <p:sp>
         <p:nvSpPr>
           <p:cNvPr id="21" name="Google Shape;21;p5"/>
-          <p:cNvSpPr txBox="1"/>
+          <p:cNvSpPr txBox="1">
+            <a:spLocks noGrp="1"/>
+          </p:cNvSpPr>
           <p:nvPr>
             <p:ph type="title"/>
           </p:nvPr>
@@ -3445,7 +3563,7 @@
           </a:prstGeom>
         </p:spPr>
         <p:txBody>
-          <a:bodyPr anchorCtr="0" anchor="t" bIns="91425" lIns="91425" spcFirstLastPara="1" rIns="91425" wrap="square" tIns="91425">
+          <a:bodyPr spcFirstLastPara="1" wrap="square" lIns="91425" tIns="91425" rIns="91425" bIns="91425" anchor="t" anchorCtr="0">
             <a:normAutofit/>
           </a:bodyPr>
           <a:lstStyle>
@@ -3549,15 +3667,19 @@
               <a:defRPr/>
             </a:lvl9pPr>
           </a:lstStyle>
-          <a:p/>
+          <a:p>
+            <a:endParaRPr/>
+          </a:p>
         </p:txBody>
       </p:sp>
       <p:sp>
         <p:nvSpPr>
           <p:cNvPr id="22" name="Google Shape;22;p5"/>
-          <p:cNvSpPr txBox="1"/>
+          <p:cNvSpPr txBox="1">
+            <a:spLocks noGrp="1"/>
+          </p:cNvSpPr>
           <p:nvPr>
-            <p:ph idx="1" type="body"/>
+            <p:ph type="body" idx="1"/>
           </p:nvPr>
         </p:nvSpPr>
         <p:spPr>
@@ -3570,11 +3692,11 @@
           </a:prstGeom>
         </p:spPr>
         <p:txBody>
-          <a:bodyPr anchorCtr="0" anchor="t" bIns="91425" lIns="91425" spcFirstLastPara="1" rIns="91425" wrap="square" tIns="91425">
+          <a:bodyPr spcFirstLastPara="1" wrap="square" lIns="91425" tIns="91425" rIns="91425" bIns="91425" anchor="t" anchorCtr="0">
             <a:normAutofit/>
           </a:bodyPr>
           <a:lstStyle>
-            <a:lvl1pPr indent="-317500" lvl="0" marL="457200">
+            <a:lvl1pPr marL="457200" lvl="0" indent="-317500">
               <a:spcBef>
                 <a:spcPts val="0"/>
               </a:spcBef>
@@ -3585,7 +3707,7 @@
               <a:buChar char="●"/>
               <a:defRPr sz="1400"/>
             </a:lvl1pPr>
-            <a:lvl2pPr indent="-304800" lvl="1" marL="914400">
+            <a:lvl2pPr marL="914400" lvl="1" indent="-304800">
               <a:spcBef>
                 <a:spcPts val="0"/>
               </a:spcBef>
@@ -3596,7 +3718,7 @@
               <a:buChar char="○"/>
               <a:defRPr sz="1200"/>
             </a:lvl2pPr>
-            <a:lvl3pPr indent="-304800" lvl="2" marL="1371600">
+            <a:lvl3pPr marL="1371600" lvl="2" indent="-304800">
               <a:spcBef>
                 <a:spcPts val="0"/>
               </a:spcBef>
@@ -3607,7 +3729,7 @@
               <a:buChar char="■"/>
               <a:defRPr sz="1200"/>
             </a:lvl3pPr>
-            <a:lvl4pPr indent="-304800" lvl="3" marL="1828800">
+            <a:lvl4pPr marL="1828800" lvl="3" indent="-304800">
               <a:spcBef>
                 <a:spcPts val="0"/>
               </a:spcBef>
@@ -3618,7 +3740,7 @@
               <a:buChar char="●"/>
               <a:defRPr sz="1200"/>
             </a:lvl4pPr>
-            <a:lvl5pPr indent="-304800" lvl="4" marL="2286000">
+            <a:lvl5pPr marL="2286000" lvl="4" indent="-304800">
               <a:spcBef>
                 <a:spcPts val="0"/>
               </a:spcBef>
@@ -3629,7 +3751,7 @@
               <a:buChar char="○"/>
               <a:defRPr sz="1200"/>
             </a:lvl5pPr>
-            <a:lvl6pPr indent="-304800" lvl="5" marL="2743200">
+            <a:lvl6pPr marL="2743200" lvl="5" indent="-304800">
               <a:spcBef>
                 <a:spcPts val="0"/>
               </a:spcBef>
@@ -3640,7 +3762,7 @@
               <a:buChar char="■"/>
               <a:defRPr sz="1200"/>
             </a:lvl6pPr>
-            <a:lvl7pPr indent="-304800" lvl="6" marL="3200400">
+            <a:lvl7pPr marL="3200400" lvl="6" indent="-304800">
               <a:spcBef>
                 <a:spcPts val="0"/>
               </a:spcBef>
@@ -3651,7 +3773,7 @@
               <a:buChar char="●"/>
               <a:defRPr sz="1200"/>
             </a:lvl7pPr>
-            <a:lvl8pPr indent="-304800" lvl="7" marL="3657600">
+            <a:lvl8pPr marL="3657600" lvl="7" indent="-304800">
               <a:spcBef>
                 <a:spcPts val="0"/>
               </a:spcBef>
@@ -3662,7 +3784,7 @@
               <a:buChar char="○"/>
               <a:defRPr sz="1200"/>
             </a:lvl8pPr>
-            <a:lvl9pPr indent="-304800" lvl="8" marL="4114800">
+            <a:lvl9pPr marL="4114800" lvl="8" indent="-304800">
               <a:spcBef>
                 <a:spcPts val="0"/>
               </a:spcBef>
@@ -3674,15 +3796,19 @@
               <a:defRPr sz="1200"/>
             </a:lvl9pPr>
           </a:lstStyle>
-          <a:p/>
+          <a:p>
+            <a:endParaRPr/>
+          </a:p>
         </p:txBody>
       </p:sp>
       <p:sp>
         <p:nvSpPr>
           <p:cNvPr id="23" name="Google Shape;23;p5"/>
-          <p:cNvSpPr txBox="1"/>
+          <p:cNvSpPr txBox="1">
+            <a:spLocks noGrp="1"/>
+          </p:cNvSpPr>
           <p:nvPr>
-            <p:ph idx="2" type="body"/>
+            <p:ph type="body" idx="2"/>
           </p:nvPr>
         </p:nvSpPr>
         <p:spPr>
@@ -3695,11 +3821,11 @@
           </a:prstGeom>
         </p:spPr>
         <p:txBody>
-          <a:bodyPr anchorCtr="0" anchor="t" bIns="91425" lIns="91425" spcFirstLastPara="1" rIns="91425" wrap="square" tIns="91425">
+          <a:bodyPr spcFirstLastPara="1" wrap="square" lIns="91425" tIns="91425" rIns="91425" bIns="91425" anchor="t" anchorCtr="0">
             <a:normAutofit/>
           </a:bodyPr>
           <a:lstStyle>
-            <a:lvl1pPr indent="-317500" lvl="0" marL="457200">
+            <a:lvl1pPr marL="457200" lvl="0" indent="-317500">
               <a:spcBef>
                 <a:spcPts val="0"/>
               </a:spcBef>
@@ -3710,7 +3836,7 @@
               <a:buChar char="●"/>
               <a:defRPr sz="1400"/>
             </a:lvl1pPr>
-            <a:lvl2pPr indent="-304800" lvl="1" marL="914400">
+            <a:lvl2pPr marL="914400" lvl="1" indent="-304800">
               <a:spcBef>
                 <a:spcPts val="0"/>
               </a:spcBef>
@@ -3721,7 +3847,7 @@
               <a:buChar char="○"/>
               <a:defRPr sz="1200"/>
             </a:lvl2pPr>
-            <a:lvl3pPr indent="-304800" lvl="2" marL="1371600">
+            <a:lvl3pPr marL="1371600" lvl="2" indent="-304800">
               <a:spcBef>
                 <a:spcPts val="0"/>
               </a:spcBef>
@@ -3732,7 +3858,7 @@
               <a:buChar char="■"/>
               <a:defRPr sz="1200"/>
             </a:lvl3pPr>
-            <a:lvl4pPr indent="-304800" lvl="3" marL="1828800">
+            <a:lvl4pPr marL="1828800" lvl="3" indent="-304800">
               <a:spcBef>
                 <a:spcPts val="0"/>
               </a:spcBef>
@@ -3743,7 +3869,7 @@
               <a:buChar char="●"/>
               <a:defRPr sz="1200"/>
             </a:lvl4pPr>
-            <a:lvl5pPr indent="-304800" lvl="4" marL="2286000">
+            <a:lvl5pPr marL="2286000" lvl="4" indent="-304800">
               <a:spcBef>
                 <a:spcPts val="0"/>
               </a:spcBef>
@@ -3754,7 +3880,7 @@
               <a:buChar char="○"/>
               <a:defRPr sz="1200"/>
             </a:lvl5pPr>
-            <a:lvl6pPr indent="-304800" lvl="5" marL="2743200">
+            <a:lvl6pPr marL="2743200" lvl="5" indent="-304800">
               <a:spcBef>
                 <a:spcPts val="0"/>
               </a:spcBef>
@@ -3765,7 +3891,7 @@
               <a:buChar char="■"/>
               <a:defRPr sz="1200"/>
             </a:lvl6pPr>
-            <a:lvl7pPr indent="-304800" lvl="6" marL="3200400">
+            <a:lvl7pPr marL="3200400" lvl="6" indent="-304800">
               <a:spcBef>
                 <a:spcPts val="0"/>
               </a:spcBef>
@@ -3776,7 +3902,7 @@
               <a:buChar char="●"/>
               <a:defRPr sz="1200"/>
             </a:lvl7pPr>
-            <a:lvl8pPr indent="-304800" lvl="7" marL="3657600">
+            <a:lvl8pPr marL="3657600" lvl="7" indent="-304800">
               <a:spcBef>
                 <a:spcPts val="0"/>
               </a:spcBef>
@@ -3787,7 +3913,7 @@
               <a:buChar char="○"/>
               <a:defRPr sz="1200"/>
             </a:lvl8pPr>
-            <a:lvl9pPr indent="-304800" lvl="8" marL="4114800">
+            <a:lvl9pPr marL="4114800" lvl="8" indent="-304800">
               <a:spcBef>
                 <a:spcPts val="0"/>
               </a:spcBef>
@@ -3799,15 +3925,19 @@
               <a:defRPr sz="1200"/>
             </a:lvl9pPr>
           </a:lstStyle>
-          <a:p/>
+          <a:p>
+            <a:endParaRPr/>
+          </a:p>
         </p:txBody>
       </p:sp>
       <p:sp>
         <p:nvSpPr>
           <p:cNvPr id="24" name="Google Shape;24;p5"/>
-          <p:cNvSpPr txBox="1"/>
+          <p:cNvSpPr txBox="1">
+            <a:spLocks noGrp="1"/>
+          </p:cNvSpPr>
           <p:nvPr>
-            <p:ph idx="12" type="sldNum"/>
+            <p:ph type="sldNum" idx="12"/>
           </p:nvPr>
         </p:nvSpPr>
         <p:spPr>
@@ -3820,7 +3950,7 @@
           </a:prstGeom>
         </p:spPr>
         <p:txBody>
-          <a:bodyPr anchorCtr="0" anchor="ctr" bIns="91425" lIns="91425" spcFirstLastPara="1" rIns="91425" wrap="square" tIns="91425">
+          <a:bodyPr spcFirstLastPara="1" wrap="square" lIns="91425" tIns="91425" rIns="91425" bIns="91425" anchor="ctr" anchorCtr="0">
             <a:normAutofit/>
           </a:bodyPr>
           <a:lstStyle>
@@ -3862,7 +3992,7 @@
             </a:lvl9pPr>
           </a:lstStyle>
           <a:p>
-            <a:pPr indent="0" lvl="0" marL="0" rtl="0" algn="r">
+            <a:pPr marL="0" lvl="0" indent="0" algn="r" rtl="0">
               <a:spcBef>
                 <a:spcPts val="0"/>
               </a:spcBef>
@@ -3888,11 +4018,11 @@
 </file>
 
 <file path=ppt/slideLayouts/slideLayout5.xml><?xml version="1.0" encoding="utf-8"?>
-<p:sldLayout xmlns:a="http://schemas.openxmlformats.org/drawingml/2006/main" xmlns:r="http://schemas.openxmlformats.org/officeDocument/2006/relationships" xmlns:mc="http://schemas.openxmlformats.org/markup-compatibility/2006" xmlns:mv="urn:schemas-microsoft-com:mac:vml" xmlns:p="http://schemas.openxmlformats.org/presentationml/2006/main" xmlns:c="http://schemas.openxmlformats.org/drawingml/2006/chart" xmlns:dgm="http://schemas.openxmlformats.org/drawingml/2006/diagram" xmlns:o="urn:schemas-microsoft-com:office:office" xmlns:v="urn:schemas-microsoft-com:vml" xmlns:pvml="urn:schemas-microsoft-com:office:powerpoint" xmlns:com="http://schemas.openxmlformats.org/drawingml/2006/compatibility" xmlns:p14="http://schemas.microsoft.com/office/powerpoint/2010/main" xmlns:p15="http://schemas.microsoft.com/office/powerpoint/2012/main" xmlns:ahyp="http://schemas.microsoft.com/office/drawing/2018/hyperlinkcolor" matchingName="Title only" type="titleOnly">
+<p:sldLayout xmlns:a="http://schemas.openxmlformats.org/drawingml/2006/main" xmlns:r="http://schemas.openxmlformats.org/officeDocument/2006/relationships" xmlns:p="http://schemas.openxmlformats.org/presentationml/2006/main" matchingName="Title only" type="titleOnly">
   <p:cSld name="TITLE_ONLY">
     <p:spTree>
       <p:nvGrpSpPr>
-        <p:cNvPr id="25" name="Shape 25"/>
+        <p:cNvPr id="1" name="Shape 25"/>
         <p:cNvGrpSpPr/>
         <p:nvPr/>
       </p:nvGrpSpPr>
@@ -3907,7 +4037,9 @@
       <p:sp>
         <p:nvSpPr>
           <p:cNvPr id="26" name="Google Shape;26;p6"/>
-          <p:cNvSpPr txBox="1"/>
+          <p:cNvSpPr txBox="1">
+            <a:spLocks noGrp="1"/>
+          </p:cNvSpPr>
           <p:nvPr>
             <p:ph type="title"/>
           </p:nvPr>
@@ -3922,7 +4054,7 @@
           </a:prstGeom>
         </p:spPr>
         <p:txBody>
-          <a:bodyPr anchorCtr="0" anchor="t" bIns="91425" lIns="91425" spcFirstLastPara="1" rIns="91425" wrap="square" tIns="91425">
+          <a:bodyPr spcFirstLastPara="1" wrap="square" lIns="91425" tIns="91425" rIns="91425" bIns="91425" anchor="t" anchorCtr="0">
             <a:normAutofit/>
           </a:bodyPr>
           <a:lstStyle>
@@ -4026,15 +4158,19 @@
               <a:defRPr/>
             </a:lvl9pPr>
           </a:lstStyle>
-          <a:p/>
+          <a:p>
+            <a:endParaRPr/>
+          </a:p>
         </p:txBody>
       </p:sp>
       <p:sp>
         <p:nvSpPr>
           <p:cNvPr id="27" name="Google Shape;27;p6"/>
-          <p:cNvSpPr txBox="1"/>
+          <p:cNvSpPr txBox="1">
+            <a:spLocks noGrp="1"/>
+          </p:cNvSpPr>
           <p:nvPr>
-            <p:ph idx="12" type="sldNum"/>
+            <p:ph type="sldNum" idx="12"/>
           </p:nvPr>
         </p:nvSpPr>
         <p:spPr>
@@ -4047,7 +4183,7 @@
           </a:prstGeom>
         </p:spPr>
         <p:txBody>
-          <a:bodyPr anchorCtr="0" anchor="ctr" bIns="91425" lIns="91425" spcFirstLastPara="1" rIns="91425" wrap="square" tIns="91425">
+          <a:bodyPr spcFirstLastPara="1" wrap="square" lIns="91425" tIns="91425" rIns="91425" bIns="91425" anchor="ctr" anchorCtr="0">
             <a:normAutofit/>
           </a:bodyPr>
           <a:lstStyle>
@@ -4089,7 +4225,7 @@
             </a:lvl9pPr>
           </a:lstStyle>
           <a:p>
-            <a:pPr indent="0" lvl="0" marL="0" rtl="0" algn="r">
+            <a:pPr marL="0" lvl="0" indent="0" algn="r" rtl="0">
               <a:spcBef>
                 <a:spcPts val="0"/>
               </a:spcBef>
@@ -4115,11 +4251,11 @@
 </file>
 
 <file path=ppt/slideLayouts/slideLayout6.xml><?xml version="1.0" encoding="utf-8"?>
-<p:sldLayout xmlns:a="http://schemas.openxmlformats.org/drawingml/2006/main" xmlns:r="http://schemas.openxmlformats.org/officeDocument/2006/relationships" xmlns:mc="http://schemas.openxmlformats.org/markup-compatibility/2006" xmlns:mv="urn:schemas-microsoft-com:mac:vml" xmlns:p="http://schemas.openxmlformats.org/presentationml/2006/main" xmlns:c="http://schemas.openxmlformats.org/drawingml/2006/chart" xmlns:dgm="http://schemas.openxmlformats.org/drawingml/2006/diagram" xmlns:o="urn:schemas-microsoft-com:office:office" xmlns:v="urn:schemas-microsoft-com:vml" xmlns:pvml="urn:schemas-microsoft-com:office:powerpoint" xmlns:com="http://schemas.openxmlformats.org/drawingml/2006/compatibility" xmlns:p14="http://schemas.microsoft.com/office/powerpoint/2010/main" xmlns:p15="http://schemas.microsoft.com/office/powerpoint/2012/main" xmlns:ahyp="http://schemas.microsoft.com/office/drawing/2018/hyperlinkcolor" matchingName="One column text">
+<p:sldLayout xmlns:a="http://schemas.openxmlformats.org/drawingml/2006/main" xmlns:r="http://schemas.openxmlformats.org/officeDocument/2006/relationships" xmlns:p="http://schemas.openxmlformats.org/presentationml/2006/main" matchingName="One column text">
   <p:cSld name="ONE_COLUMN_TEXT">
     <p:spTree>
       <p:nvGrpSpPr>
-        <p:cNvPr id="28" name="Shape 28"/>
+        <p:cNvPr id="1" name="Shape 28"/>
         <p:cNvGrpSpPr/>
         <p:nvPr/>
       </p:nvGrpSpPr>
@@ -4134,7 +4270,9 @@
       <p:sp>
         <p:nvSpPr>
           <p:cNvPr id="29" name="Google Shape;29;p7"/>
-          <p:cNvSpPr txBox="1"/>
+          <p:cNvSpPr txBox="1">
+            <a:spLocks noGrp="1"/>
+          </p:cNvSpPr>
           <p:nvPr>
             <p:ph type="title"/>
           </p:nvPr>
@@ -4149,7 +4287,7 @@
           </a:prstGeom>
         </p:spPr>
         <p:txBody>
-          <a:bodyPr anchorCtr="0" anchor="b" bIns="91425" lIns="91425" spcFirstLastPara="1" rIns="91425" wrap="square" tIns="91425">
+          <a:bodyPr spcFirstLastPara="1" wrap="square" lIns="91425" tIns="91425" rIns="91425" bIns="91425" anchor="b" anchorCtr="0">
             <a:normAutofit/>
           </a:bodyPr>
           <a:lstStyle>
@@ -4253,15 +4391,19 @@
               <a:defRPr sz="2400"/>
             </a:lvl9pPr>
           </a:lstStyle>
-          <a:p/>
+          <a:p>
+            <a:endParaRPr/>
+          </a:p>
         </p:txBody>
       </p:sp>
       <p:sp>
         <p:nvSpPr>
           <p:cNvPr id="30" name="Google Shape;30;p7"/>
-          <p:cNvSpPr txBox="1"/>
+          <p:cNvSpPr txBox="1">
+            <a:spLocks noGrp="1"/>
+          </p:cNvSpPr>
           <p:nvPr>
-            <p:ph idx="1" type="body"/>
+            <p:ph type="body" idx="1"/>
           </p:nvPr>
         </p:nvSpPr>
         <p:spPr>
@@ -4274,11 +4416,11 @@
           </a:prstGeom>
         </p:spPr>
         <p:txBody>
-          <a:bodyPr anchorCtr="0" anchor="t" bIns="91425" lIns="91425" spcFirstLastPara="1" rIns="91425" wrap="square" tIns="91425">
+          <a:bodyPr spcFirstLastPara="1" wrap="square" lIns="91425" tIns="91425" rIns="91425" bIns="91425" anchor="t" anchorCtr="0">
             <a:normAutofit/>
           </a:bodyPr>
           <a:lstStyle>
-            <a:lvl1pPr indent="-304800" lvl="0" marL="457200">
+            <a:lvl1pPr marL="457200" lvl="0" indent="-304800">
               <a:spcBef>
                 <a:spcPts val="0"/>
               </a:spcBef>
@@ -4289,7 +4431,7 @@
               <a:buChar char="●"/>
               <a:defRPr sz="1200"/>
             </a:lvl1pPr>
-            <a:lvl2pPr indent="-304800" lvl="1" marL="914400">
+            <a:lvl2pPr marL="914400" lvl="1" indent="-304800">
               <a:spcBef>
                 <a:spcPts val="0"/>
               </a:spcBef>
@@ -4300,7 +4442,7 @@
               <a:buChar char="○"/>
               <a:defRPr sz="1200"/>
             </a:lvl2pPr>
-            <a:lvl3pPr indent="-304800" lvl="2" marL="1371600">
+            <a:lvl3pPr marL="1371600" lvl="2" indent="-304800">
               <a:spcBef>
                 <a:spcPts val="0"/>
               </a:spcBef>
@@ -4311,7 +4453,7 @@
               <a:buChar char="■"/>
               <a:defRPr sz="1200"/>
             </a:lvl3pPr>
-            <a:lvl4pPr indent="-304800" lvl="3" marL="1828800">
+            <a:lvl4pPr marL="1828800" lvl="3" indent="-304800">
               <a:spcBef>
                 <a:spcPts val="0"/>
               </a:spcBef>
@@ -4322,7 +4464,7 @@
               <a:buChar char="●"/>
               <a:defRPr sz="1200"/>
             </a:lvl4pPr>
-            <a:lvl5pPr indent="-304800" lvl="4" marL="2286000">
+            <a:lvl5pPr marL="2286000" lvl="4" indent="-304800">
               <a:spcBef>
                 <a:spcPts val="0"/>
               </a:spcBef>
@@ -4333,7 +4475,7 @@
               <a:buChar char="○"/>
               <a:defRPr sz="1200"/>
             </a:lvl5pPr>
-            <a:lvl6pPr indent="-304800" lvl="5" marL="2743200">
+            <a:lvl6pPr marL="2743200" lvl="5" indent="-304800">
               <a:spcBef>
                 <a:spcPts val="0"/>
               </a:spcBef>
@@ -4344,7 +4486,7 @@
               <a:buChar char="■"/>
               <a:defRPr sz="1200"/>
             </a:lvl6pPr>
-            <a:lvl7pPr indent="-304800" lvl="6" marL="3200400">
+            <a:lvl7pPr marL="3200400" lvl="6" indent="-304800">
               <a:spcBef>
                 <a:spcPts val="0"/>
               </a:spcBef>
@@ -4355,7 +4497,7 @@
               <a:buChar char="●"/>
               <a:defRPr sz="1200"/>
             </a:lvl7pPr>
-            <a:lvl8pPr indent="-304800" lvl="7" marL="3657600">
+            <a:lvl8pPr marL="3657600" lvl="7" indent="-304800">
               <a:spcBef>
                 <a:spcPts val="0"/>
               </a:spcBef>
@@ -4366,7 +4508,7 @@
               <a:buChar char="○"/>
               <a:defRPr sz="1200"/>
             </a:lvl8pPr>
-            <a:lvl9pPr indent="-304800" lvl="8" marL="4114800">
+            <a:lvl9pPr marL="4114800" lvl="8" indent="-304800">
               <a:spcBef>
                 <a:spcPts val="0"/>
               </a:spcBef>
@@ -4378,15 +4520,19 @@
               <a:defRPr sz="1200"/>
             </a:lvl9pPr>
           </a:lstStyle>
-          <a:p/>
+          <a:p>
+            <a:endParaRPr/>
+          </a:p>
         </p:txBody>
       </p:sp>
       <p:sp>
         <p:nvSpPr>
           <p:cNvPr id="31" name="Google Shape;31;p7"/>
-          <p:cNvSpPr txBox="1"/>
+          <p:cNvSpPr txBox="1">
+            <a:spLocks noGrp="1"/>
+          </p:cNvSpPr>
           <p:nvPr>
-            <p:ph idx="12" type="sldNum"/>
+            <p:ph type="sldNum" idx="12"/>
           </p:nvPr>
         </p:nvSpPr>
         <p:spPr>
@@ -4399,7 +4545,7 @@
           </a:prstGeom>
         </p:spPr>
         <p:txBody>
-          <a:bodyPr anchorCtr="0" anchor="ctr" bIns="91425" lIns="91425" spcFirstLastPara="1" rIns="91425" wrap="square" tIns="91425">
+          <a:bodyPr spcFirstLastPara="1" wrap="square" lIns="91425" tIns="91425" rIns="91425" bIns="91425" anchor="ctr" anchorCtr="0">
             <a:normAutofit/>
           </a:bodyPr>
           <a:lstStyle>
@@ -4441,7 +4587,7 @@
             </a:lvl9pPr>
           </a:lstStyle>
           <a:p>
-            <a:pPr indent="0" lvl="0" marL="0" rtl="0" algn="r">
+            <a:pPr marL="0" lvl="0" indent="0" algn="r" rtl="0">
               <a:spcBef>
                 <a:spcPts val="0"/>
               </a:spcBef>
@@ -4467,11 +4613,11 @@
 </file>
 
 <file path=ppt/slideLayouts/slideLayout7.xml><?xml version="1.0" encoding="utf-8"?>
-<p:sldLayout xmlns:a="http://schemas.openxmlformats.org/drawingml/2006/main" xmlns:r="http://schemas.openxmlformats.org/officeDocument/2006/relationships" xmlns:mc="http://schemas.openxmlformats.org/markup-compatibility/2006" xmlns:mv="urn:schemas-microsoft-com:mac:vml" xmlns:p="http://schemas.openxmlformats.org/presentationml/2006/main" xmlns:c="http://schemas.openxmlformats.org/drawingml/2006/chart" xmlns:dgm="http://schemas.openxmlformats.org/drawingml/2006/diagram" xmlns:o="urn:schemas-microsoft-com:office:office" xmlns:v="urn:schemas-microsoft-com:vml" xmlns:pvml="urn:schemas-microsoft-com:office:powerpoint" xmlns:com="http://schemas.openxmlformats.org/drawingml/2006/compatibility" xmlns:p14="http://schemas.microsoft.com/office/powerpoint/2010/main" xmlns:p15="http://schemas.microsoft.com/office/powerpoint/2012/main" xmlns:ahyp="http://schemas.microsoft.com/office/drawing/2018/hyperlinkcolor" matchingName="Main point">
+<p:sldLayout xmlns:a="http://schemas.openxmlformats.org/drawingml/2006/main" xmlns:r="http://schemas.openxmlformats.org/officeDocument/2006/relationships" xmlns:p="http://schemas.openxmlformats.org/presentationml/2006/main" matchingName="Main point">
   <p:cSld name="MAIN_POINT">
     <p:spTree>
       <p:nvGrpSpPr>
-        <p:cNvPr id="32" name="Shape 32"/>
+        <p:cNvPr id="1" name="Shape 32"/>
         <p:cNvGrpSpPr/>
         <p:nvPr/>
       </p:nvGrpSpPr>
@@ -4486,7 +4632,9 @@
       <p:sp>
         <p:nvSpPr>
           <p:cNvPr id="33" name="Google Shape;33;p8"/>
-          <p:cNvSpPr txBox="1"/>
+          <p:cNvSpPr txBox="1">
+            <a:spLocks noGrp="1"/>
+          </p:cNvSpPr>
           <p:nvPr>
             <p:ph type="title"/>
           </p:nvPr>
@@ -4501,7 +4649,7 @@
           </a:prstGeom>
         </p:spPr>
         <p:txBody>
-          <a:bodyPr anchorCtr="0" anchor="ctr" bIns="91425" lIns="91425" spcFirstLastPara="1" rIns="91425" wrap="square" tIns="91425">
+          <a:bodyPr spcFirstLastPara="1" wrap="square" lIns="91425" tIns="91425" rIns="91425" bIns="91425" anchor="ctr" anchorCtr="0">
             <a:normAutofit/>
           </a:bodyPr>
           <a:lstStyle>
@@ -4605,15 +4753,19 @@
               <a:defRPr sz="4800"/>
             </a:lvl9pPr>
           </a:lstStyle>
-          <a:p/>
+          <a:p>
+            <a:endParaRPr/>
+          </a:p>
         </p:txBody>
       </p:sp>
       <p:sp>
         <p:nvSpPr>
           <p:cNvPr id="34" name="Google Shape;34;p8"/>
-          <p:cNvSpPr txBox="1"/>
+          <p:cNvSpPr txBox="1">
+            <a:spLocks noGrp="1"/>
+          </p:cNvSpPr>
           <p:nvPr>
-            <p:ph idx="12" type="sldNum"/>
+            <p:ph type="sldNum" idx="12"/>
           </p:nvPr>
         </p:nvSpPr>
         <p:spPr>
@@ -4626,7 +4778,7 @@
           </a:prstGeom>
         </p:spPr>
         <p:txBody>
-          <a:bodyPr anchorCtr="0" anchor="ctr" bIns="91425" lIns="91425" spcFirstLastPara="1" rIns="91425" wrap="square" tIns="91425">
+          <a:bodyPr spcFirstLastPara="1" wrap="square" lIns="91425" tIns="91425" rIns="91425" bIns="91425" anchor="ctr" anchorCtr="0">
             <a:normAutofit/>
           </a:bodyPr>
           <a:lstStyle>
@@ -4668,7 +4820,7 @@
             </a:lvl9pPr>
           </a:lstStyle>
           <a:p>
-            <a:pPr indent="0" lvl="0" marL="0" rtl="0" algn="r">
+            <a:pPr marL="0" lvl="0" indent="0" algn="r" rtl="0">
               <a:spcBef>
                 <a:spcPts val="0"/>
               </a:spcBef>
@@ -4694,11 +4846,11 @@
 </file>
 
 <file path=ppt/slideLayouts/slideLayout8.xml><?xml version="1.0" encoding="utf-8"?>
-<p:sldLayout xmlns:a="http://schemas.openxmlformats.org/drawingml/2006/main" xmlns:r="http://schemas.openxmlformats.org/officeDocument/2006/relationships" xmlns:mc="http://schemas.openxmlformats.org/markup-compatibility/2006" xmlns:mv="urn:schemas-microsoft-com:mac:vml" xmlns:p="http://schemas.openxmlformats.org/presentationml/2006/main" xmlns:c="http://schemas.openxmlformats.org/drawingml/2006/chart" xmlns:dgm="http://schemas.openxmlformats.org/drawingml/2006/diagram" xmlns:o="urn:schemas-microsoft-com:office:office" xmlns:v="urn:schemas-microsoft-com:vml" xmlns:pvml="urn:schemas-microsoft-com:office:powerpoint" xmlns:com="http://schemas.openxmlformats.org/drawingml/2006/compatibility" xmlns:p14="http://schemas.microsoft.com/office/powerpoint/2010/main" xmlns:p15="http://schemas.microsoft.com/office/powerpoint/2012/main" xmlns:ahyp="http://schemas.microsoft.com/office/drawing/2018/hyperlinkcolor" matchingName="Section title and description">
+<p:sldLayout xmlns:a="http://schemas.openxmlformats.org/drawingml/2006/main" xmlns:r="http://schemas.openxmlformats.org/officeDocument/2006/relationships" xmlns:p="http://schemas.openxmlformats.org/presentationml/2006/main" matchingName="Section title and description">
   <p:cSld name="SECTION_TITLE_AND_DESCRIPTION">
     <p:spTree>
       <p:nvGrpSpPr>
-        <p:cNvPr id="35" name="Shape 35"/>
+        <p:cNvPr id="1" name="Shape 35"/>
         <p:cNvGrpSpPr/>
         <p:nvPr/>
       </p:nvGrpSpPr>
@@ -4732,12 +4884,12 @@
           </a:ln>
         </p:spPr>
         <p:txBody>
-          <a:bodyPr anchorCtr="0" anchor="ctr" bIns="91425" lIns="91425" spcFirstLastPara="1" rIns="91425" wrap="square" tIns="91425">
+          <a:bodyPr spcFirstLastPara="1" wrap="square" lIns="91425" tIns="91425" rIns="91425" bIns="91425" anchor="ctr" anchorCtr="0">
             <a:noAutofit/>
           </a:bodyPr>
           <a:lstStyle/>
           <a:p>
-            <a:pPr indent="0" lvl="0" marL="0" rtl="0" algn="l">
+            <a:pPr marL="0" lvl="0" indent="0" algn="l" rtl="0">
               <a:spcBef>
                 <a:spcPts val="0"/>
               </a:spcBef>
@@ -4746,9 +4898,6 @@
               </a:spcAft>
               <a:buNone/>
             </a:pPr>
-            <a:r>
-              <a:t/>
-            </a:r>
             <a:endParaRPr/>
           </a:p>
         </p:txBody>
@@ -4756,7 +4905,9 @@
       <p:sp>
         <p:nvSpPr>
           <p:cNvPr id="37" name="Google Shape;37;p9"/>
-          <p:cNvSpPr txBox="1"/>
+          <p:cNvSpPr txBox="1">
+            <a:spLocks noGrp="1"/>
+          </p:cNvSpPr>
           <p:nvPr>
             <p:ph type="title"/>
           </p:nvPr>
@@ -4771,7 +4922,7 @@
           </a:prstGeom>
         </p:spPr>
         <p:txBody>
-          <a:bodyPr anchorCtr="0" anchor="b" bIns="91425" lIns="91425" spcFirstLastPara="1" rIns="91425" wrap="square" tIns="91425">
+          <a:bodyPr spcFirstLastPara="1" wrap="square" lIns="91425" tIns="91425" rIns="91425" bIns="91425" anchor="b" anchorCtr="0">
             <a:normAutofit/>
           </a:bodyPr>
           <a:lstStyle>
@@ -4875,15 +5026,19 @@
               <a:defRPr sz="4200"/>
             </a:lvl9pPr>
           </a:lstStyle>
-          <a:p/>
+          <a:p>
+            <a:endParaRPr/>
+          </a:p>
         </p:txBody>
       </p:sp>
       <p:sp>
         <p:nvSpPr>
           <p:cNvPr id="38" name="Google Shape;38;p9"/>
-          <p:cNvSpPr txBox="1"/>
+          <p:cNvSpPr txBox="1">
+            <a:spLocks noGrp="1"/>
+          </p:cNvSpPr>
           <p:nvPr>
-            <p:ph idx="1" type="subTitle"/>
+            <p:ph type="subTitle" idx="1"/>
           </p:nvPr>
         </p:nvSpPr>
         <p:spPr>
@@ -4896,7 +5051,7 @@
           </a:prstGeom>
         </p:spPr>
         <p:txBody>
-          <a:bodyPr anchorCtr="0" anchor="t" bIns="91425" lIns="91425" spcFirstLastPara="1" rIns="91425" wrap="square" tIns="91425">
+          <a:bodyPr spcFirstLastPara="1" wrap="square" lIns="91425" tIns="91425" rIns="91425" bIns="91425" anchor="t" anchorCtr="0">
             <a:normAutofit/>
           </a:bodyPr>
           <a:lstStyle>
@@ -5027,15 +5182,19 @@
               <a:defRPr sz="2100"/>
             </a:lvl9pPr>
           </a:lstStyle>
-          <a:p/>
+          <a:p>
+            <a:endParaRPr/>
+          </a:p>
         </p:txBody>
       </p:sp>
       <p:sp>
         <p:nvSpPr>
           <p:cNvPr id="39" name="Google Shape;39;p9"/>
-          <p:cNvSpPr txBox="1"/>
+          <p:cNvSpPr txBox="1">
+            <a:spLocks noGrp="1"/>
+          </p:cNvSpPr>
           <p:nvPr>
-            <p:ph idx="2" type="body"/>
+            <p:ph type="body" idx="2"/>
           </p:nvPr>
         </p:nvSpPr>
         <p:spPr>
@@ -5048,11 +5207,11 @@
           </a:prstGeom>
         </p:spPr>
         <p:txBody>
-          <a:bodyPr anchorCtr="0" anchor="ctr" bIns="91425" lIns="91425" spcFirstLastPara="1" rIns="91425" wrap="square" tIns="91425">
+          <a:bodyPr spcFirstLastPara="1" wrap="square" lIns="91425" tIns="91425" rIns="91425" bIns="91425" anchor="ctr" anchorCtr="0">
             <a:normAutofit/>
           </a:bodyPr>
           <a:lstStyle>
-            <a:lvl1pPr indent="-342900" lvl="0" marL="457200">
+            <a:lvl1pPr marL="457200" lvl="0" indent="-342900">
               <a:spcBef>
                 <a:spcPts val="0"/>
               </a:spcBef>
@@ -5063,7 +5222,7 @@
               <a:buChar char="●"/>
               <a:defRPr/>
             </a:lvl1pPr>
-            <a:lvl2pPr indent="-317500" lvl="1" marL="914400">
+            <a:lvl2pPr marL="914400" lvl="1" indent="-317500">
               <a:spcBef>
                 <a:spcPts val="0"/>
               </a:spcBef>
@@ -5074,7 +5233,7 @@
               <a:buChar char="○"/>
               <a:defRPr/>
             </a:lvl2pPr>
-            <a:lvl3pPr indent="-317500" lvl="2" marL="1371600">
+            <a:lvl3pPr marL="1371600" lvl="2" indent="-317500">
               <a:spcBef>
                 <a:spcPts val="0"/>
               </a:spcBef>
@@ -5085,7 +5244,7 @@
               <a:buChar char="■"/>
               <a:defRPr/>
             </a:lvl3pPr>
-            <a:lvl4pPr indent="-317500" lvl="3" marL="1828800">
+            <a:lvl4pPr marL="1828800" lvl="3" indent="-317500">
               <a:spcBef>
                 <a:spcPts val="0"/>
               </a:spcBef>
@@ -5096,7 +5255,7 @@
               <a:buChar char="●"/>
               <a:defRPr/>
             </a:lvl4pPr>
-            <a:lvl5pPr indent="-317500" lvl="4" marL="2286000">
+            <a:lvl5pPr marL="2286000" lvl="4" indent="-317500">
               <a:spcBef>
                 <a:spcPts val="0"/>
               </a:spcBef>
@@ -5107,7 +5266,7 @@
               <a:buChar char="○"/>
               <a:defRPr/>
             </a:lvl5pPr>
-            <a:lvl6pPr indent="-317500" lvl="5" marL="2743200">
+            <a:lvl6pPr marL="2743200" lvl="5" indent="-317500">
               <a:spcBef>
                 <a:spcPts val="0"/>
               </a:spcBef>
@@ -5118,7 +5277,7 @@
               <a:buChar char="■"/>
               <a:defRPr/>
             </a:lvl6pPr>
-            <a:lvl7pPr indent="-317500" lvl="6" marL="3200400">
+            <a:lvl7pPr marL="3200400" lvl="6" indent="-317500">
               <a:spcBef>
                 <a:spcPts val="0"/>
               </a:spcBef>
@@ -5129,7 +5288,7 @@
               <a:buChar char="●"/>
               <a:defRPr/>
             </a:lvl7pPr>
-            <a:lvl8pPr indent="-317500" lvl="7" marL="3657600">
+            <a:lvl8pPr marL="3657600" lvl="7" indent="-317500">
               <a:spcBef>
                 <a:spcPts val="0"/>
               </a:spcBef>
@@ -5140,7 +5299,7 @@
               <a:buChar char="○"/>
               <a:defRPr/>
             </a:lvl8pPr>
-            <a:lvl9pPr indent="-317500" lvl="8" marL="4114800">
+            <a:lvl9pPr marL="4114800" lvl="8" indent="-317500">
               <a:spcBef>
                 <a:spcPts val="0"/>
               </a:spcBef>
@@ -5152,15 +5311,19 @@
               <a:defRPr/>
             </a:lvl9pPr>
           </a:lstStyle>
-          <a:p/>
+          <a:p>
+            <a:endParaRPr/>
+          </a:p>
         </p:txBody>
       </p:sp>
       <p:sp>
         <p:nvSpPr>
           <p:cNvPr id="40" name="Google Shape;40;p9"/>
-          <p:cNvSpPr txBox="1"/>
+          <p:cNvSpPr txBox="1">
+            <a:spLocks noGrp="1"/>
+          </p:cNvSpPr>
           <p:nvPr>
-            <p:ph idx="12" type="sldNum"/>
+            <p:ph type="sldNum" idx="12"/>
           </p:nvPr>
         </p:nvSpPr>
         <p:spPr>
@@ -5173,7 +5336,7 @@
           </a:prstGeom>
         </p:spPr>
         <p:txBody>
-          <a:bodyPr anchorCtr="0" anchor="ctr" bIns="91425" lIns="91425" spcFirstLastPara="1" rIns="91425" wrap="square" tIns="91425">
+          <a:bodyPr spcFirstLastPara="1" wrap="square" lIns="91425" tIns="91425" rIns="91425" bIns="91425" anchor="ctr" anchorCtr="0">
             <a:normAutofit/>
           </a:bodyPr>
           <a:lstStyle>
@@ -5215,7 +5378,7 @@
             </a:lvl9pPr>
           </a:lstStyle>
           <a:p>
-            <a:pPr indent="0" lvl="0" marL="0" rtl="0" algn="r">
+            <a:pPr marL="0" lvl="0" indent="0" algn="r" rtl="0">
               <a:spcBef>
                 <a:spcPts val="0"/>
               </a:spcBef>
@@ -5241,11 +5404,11 @@
 </file>
 
 <file path=ppt/slideLayouts/slideLayout9.xml><?xml version="1.0" encoding="utf-8"?>
-<p:sldLayout xmlns:a="http://schemas.openxmlformats.org/drawingml/2006/main" xmlns:r="http://schemas.openxmlformats.org/officeDocument/2006/relationships" xmlns:mc="http://schemas.openxmlformats.org/markup-compatibility/2006" xmlns:mv="urn:schemas-microsoft-com:mac:vml" xmlns:p="http://schemas.openxmlformats.org/presentationml/2006/main" xmlns:c="http://schemas.openxmlformats.org/drawingml/2006/chart" xmlns:dgm="http://schemas.openxmlformats.org/drawingml/2006/diagram" xmlns:o="urn:schemas-microsoft-com:office:office" xmlns:v="urn:schemas-microsoft-com:vml" xmlns:pvml="urn:schemas-microsoft-com:office:powerpoint" xmlns:com="http://schemas.openxmlformats.org/drawingml/2006/compatibility" xmlns:p14="http://schemas.microsoft.com/office/powerpoint/2010/main" xmlns:p15="http://schemas.microsoft.com/office/powerpoint/2012/main" xmlns:ahyp="http://schemas.microsoft.com/office/drawing/2018/hyperlinkcolor" matchingName="Caption">
+<p:sldLayout xmlns:a="http://schemas.openxmlformats.org/drawingml/2006/main" xmlns:r="http://schemas.openxmlformats.org/officeDocument/2006/relationships" xmlns:p="http://schemas.openxmlformats.org/presentationml/2006/main" matchingName="Caption">
   <p:cSld name="CAPTION_ONLY">
     <p:spTree>
       <p:nvGrpSpPr>
-        <p:cNvPr id="41" name="Shape 41"/>
+        <p:cNvPr id="1" name="Shape 41"/>
         <p:cNvGrpSpPr/>
         <p:nvPr/>
       </p:nvGrpSpPr>
@@ -5260,9 +5423,11 @@
       <p:sp>
         <p:nvSpPr>
           <p:cNvPr id="42" name="Google Shape;42;p10"/>
-          <p:cNvSpPr txBox="1"/>
+          <p:cNvSpPr txBox="1">
+            <a:spLocks noGrp="1"/>
+          </p:cNvSpPr>
           <p:nvPr>
-            <p:ph idx="1" type="body"/>
+            <p:ph type="body" idx="1"/>
           </p:nvPr>
         </p:nvSpPr>
         <p:spPr>
@@ -5275,11 +5440,11 @@
           </a:prstGeom>
         </p:spPr>
         <p:txBody>
-          <a:bodyPr anchorCtr="0" anchor="ctr" bIns="91425" lIns="91425" spcFirstLastPara="1" rIns="91425" wrap="square" tIns="91425">
+          <a:bodyPr spcFirstLastPara="1" wrap="square" lIns="91425" tIns="91425" rIns="91425" bIns="91425" anchor="ctr" anchorCtr="0">
             <a:normAutofit/>
           </a:bodyPr>
           <a:lstStyle>
-            <a:lvl1pPr indent="-228600" lvl="0" marL="457200">
+            <a:lvl1pPr marL="457200" lvl="0" indent="-228600">
               <a:lnSpc>
                 <a:spcPct val="100000"/>
               </a:lnSpc>
@@ -5294,15 +5459,19 @@
               <a:defRPr/>
             </a:lvl1pPr>
           </a:lstStyle>
-          <a:p/>
+          <a:p>
+            <a:endParaRPr/>
+          </a:p>
         </p:txBody>
       </p:sp>
       <p:sp>
         <p:nvSpPr>
           <p:cNvPr id="43" name="Google Shape;43;p10"/>
-          <p:cNvSpPr txBox="1"/>
+          <p:cNvSpPr txBox="1">
+            <a:spLocks noGrp="1"/>
+          </p:cNvSpPr>
           <p:nvPr>
-            <p:ph idx="12" type="sldNum"/>
+            <p:ph type="sldNum" idx="12"/>
           </p:nvPr>
         </p:nvSpPr>
         <p:spPr>
@@ -5315,7 +5484,7 @@
           </a:prstGeom>
         </p:spPr>
         <p:txBody>
-          <a:bodyPr anchorCtr="0" anchor="ctr" bIns="91425" lIns="91425" spcFirstLastPara="1" rIns="91425" wrap="square" tIns="91425">
+          <a:bodyPr spcFirstLastPara="1" wrap="square" lIns="91425" tIns="91425" rIns="91425" bIns="91425" anchor="ctr" anchorCtr="0">
             <a:normAutofit/>
           </a:bodyPr>
           <a:lstStyle>
@@ -5357,7 +5526,7 @@
             </a:lvl9pPr>
           </a:lstStyle>
           <a:p>
-            <a:pPr indent="0" lvl="0" marL="0" rtl="0" algn="r">
+            <a:pPr marL="0" lvl="0" indent="0" algn="r" rtl="0">
               <a:spcBef>
                 <a:spcPts val="0"/>
               </a:spcBef>
@@ -5383,18 +5552,19 @@
 </file>
 
 <file path=ppt/slideMasters/slideMaster1.xml><?xml version="1.0" encoding="utf-8"?>
-<p:sldMaster xmlns:a="http://schemas.openxmlformats.org/drawingml/2006/main" xmlns:r="http://schemas.openxmlformats.org/officeDocument/2006/relationships" xmlns:mc="http://schemas.openxmlformats.org/markup-compatibility/2006" xmlns:mv="urn:schemas-microsoft-com:mac:vml" xmlns:p="http://schemas.openxmlformats.org/presentationml/2006/main" xmlns:c="http://schemas.openxmlformats.org/drawingml/2006/chart" xmlns:dgm="http://schemas.openxmlformats.org/drawingml/2006/diagram" xmlns:o="urn:schemas-microsoft-com:office:office" xmlns:v="urn:schemas-microsoft-com:vml" xmlns:pvml="urn:schemas-microsoft-com:office:powerpoint" xmlns:com="http://schemas.openxmlformats.org/drawingml/2006/compatibility" xmlns:p14="http://schemas.microsoft.com/office/powerpoint/2010/main" xmlns:p15="http://schemas.microsoft.com/office/powerpoint/2012/main" xmlns:ahyp="http://schemas.microsoft.com/office/drawing/2018/hyperlinkcolor">
+<p:sldMaster xmlns:a="http://schemas.openxmlformats.org/drawingml/2006/main" xmlns:r="http://schemas.openxmlformats.org/officeDocument/2006/relationships" xmlns:p="http://schemas.openxmlformats.org/presentationml/2006/main">
   <p:cSld name="simple-light-2">
     <p:bg>
       <p:bgPr>
         <a:solidFill>
           <a:schemeClr val="lt1"/>
         </a:solidFill>
+        <a:effectLst/>
       </p:bgPr>
     </p:bg>
     <p:spTree>
       <p:nvGrpSpPr>
-        <p:cNvPr id="5" name="Shape 5"/>
+        <p:cNvPr id="1" name="Shape 5"/>
         <p:cNvGrpSpPr/>
         <p:nvPr/>
       </p:nvGrpSpPr>
@@ -5409,7 +5579,9 @@
       <p:sp>
         <p:nvSpPr>
           <p:cNvPr id="6" name="Google Shape;6;p1"/>
-          <p:cNvSpPr txBox="1"/>
+          <p:cNvSpPr txBox="1">
+            <a:spLocks noGrp="1"/>
+          </p:cNvSpPr>
           <p:nvPr>
             <p:ph type="title"/>
           </p:nvPr>
@@ -5428,7 +5600,7 @@
           </a:ln>
         </p:spPr>
         <p:txBody>
-          <a:bodyPr anchorCtr="0" anchor="t" bIns="91425" lIns="91425" spcFirstLastPara="1" rIns="91425" wrap="square" tIns="91425">
+          <a:bodyPr spcFirstLastPara="1" wrap="square" lIns="91425" tIns="91425" rIns="91425" bIns="91425" anchor="t" anchorCtr="0">
             <a:normAutofit/>
           </a:bodyPr>
           <a:lstStyle>
@@ -5595,15 +5767,19 @@
               </a:defRPr>
             </a:lvl9pPr>
           </a:lstStyle>
-          <a:p/>
+          <a:p>
+            <a:endParaRPr/>
+          </a:p>
         </p:txBody>
       </p:sp>
       <p:sp>
         <p:nvSpPr>
           <p:cNvPr id="7" name="Google Shape;7;p1"/>
-          <p:cNvSpPr txBox="1"/>
+          <p:cNvSpPr txBox="1">
+            <a:spLocks noGrp="1"/>
+          </p:cNvSpPr>
           <p:nvPr>
-            <p:ph idx="1" type="body"/>
+            <p:ph type="body" idx="1"/>
           </p:nvPr>
         </p:nvSpPr>
         <p:spPr>
@@ -5620,11 +5796,11 @@
           </a:ln>
         </p:spPr>
         <p:txBody>
-          <a:bodyPr anchorCtr="0" anchor="t" bIns="91425" lIns="91425" spcFirstLastPara="1" rIns="91425" wrap="square" tIns="91425">
+          <a:bodyPr spcFirstLastPara="1" wrap="square" lIns="91425" tIns="91425" rIns="91425" bIns="91425" anchor="t" anchorCtr="0">
             <a:normAutofit/>
           </a:bodyPr>
           <a:lstStyle>
-            <a:lvl1pPr indent="-342900" lvl="0" marL="457200">
+            <a:lvl1pPr marL="457200" lvl="0" indent="-342900">
               <a:lnSpc>
                 <a:spcPct val="115000"/>
               </a:lnSpc>
@@ -5645,7 +5821,7 @@
                 </a:solidFill>
               </a:defRPr>
             </a:lvl1pPr>
-            <a:lvl2pPr indent="-317500" lvl="1" marL="914400">
+            <a:lvl2pPr marL="914400" lvl="1" indent="-317500">
               <a:lnSpc>
                 <a:spcPct val="115000"/>
               </a:lnSpc>
@@ -5666,7 +5842,7 @@
                 </a:solidFill>
               </a:defRPr>
             </a:lvl2pPr>
-            <a:lvl3pPr indent="-317500" lvl="2" marL="1371600">
+            <a:lvl3pPr marL="1371600" lvl="2" indent="-317500">
               <a:lnSpc>
                 <a:spcPct val="115000"/>
               </a:lnSpc>
@@ -5687,7 +5863,7 @@
                 </a:solidFill>
               </a:defRPr>
             </a:lvl3pPr>
-            <a:lvl4pPr indent="-317500" lvl="3" marL="1828800">
+            <a:lvl4pPr marL="1828800" lvl="3" indent="-317500">
               <a:lnSpc>
                 <a:spcPct val="115000"/>
               </a:lnSpc>
@@ -5708,7 +5884,7 @@
                 </a:solidFill>
               </a:defRPr>
             </a:lvl4pPr>
-            <a:lvl5pPr indent="-317500" lvl="4" marL="2286000">
+            <a:lvl5pPr marL="2286000" lvl="4" indent="-317500">
               <a:lnSpc>
                 <a:spcPct val="115000"/>
               </a:lnSpc>
@@ -5729,7 +5905,7 @@
                 </a:solidFill>
               </a:defRPr>
             </a:lvl5pPr>
-            <a:lvl6pPr indent="-317500" lvl="5" marL="2743200">
+            <a:lvl6pPr marL="2743200" lvl="5" indent="-317500">
               <a:lnSpc>
                 <a:spcPct val="115000"/>
               </a:lnSpc>
@@ -5750,7 +5926,7 @@
                 </a:solidFill>
               </a:defRPr>
             </a:lvl6pPr>
-            <a:lvl7pPr indent="-317500" lvl="6" marL="3200400">
+            <a:lvl7pPr marL="3200400" lvl="6" indent="-317500">
               <a:lnSpc>
                 <a:spcPct val="115000"/>
               </a:lnSpc>
@@ -5771,7 +5947,7 @@
                 </a:solidFill>
               </a:defRPr>
             </a:lvl7pPr>
-            <a:lvl8pPr indent="-317500" lvl="7" marL="3657600">
+            <a:lvl8pPr marL="3657600" lvl="7" indent="-317500">
               <a:lnSpc>
                 <a:spcPct val="115000"/>
               </a:lnSpc>
@@ -5792,7 +5968,7 @@
                 </a:solidFill>
               </a:defRPr>
             </a:lvl8pPr>
-            <a:lvl9pPr indent="-317500" lvl="8" marL="4114800">
+            <a:lvl9pPr marL="4114800" lvl="8" indent="-317500">
               <a:lnSpc>
                 <a:spcPct val="115000"/>
               </a:lnSpc>
@@ -5814,15 +5990,19 @@
               </a:defRPr>
             </a:lvl9pPr>
           </a:lstStyle>
-          <a:p/>
+          <a:p>
+            <a:endParaRPr/>
+          </a:p>
         </p:txBody>
       </p:sp>
       <p:sp>
         <p:nvSpPr>
           <p:cNvPr id="8" name="Google Shape;8;p1"/>
-          <p:cNvSpPr txBox="1"/>
+          <p:cNvSpPr txBox="1">
+            <a:spLocks noGrp="1"/>
+          </p:cNvSpPr>
           <p:nvPr>
-            <p:ph idx="12" type="sldNum"/>
+            <p:ph type="sldNum" idx="12"/>
           </p:nvPr>
         </p:nvSpPr>
         <p:spPr>
@@ -5839,7 +6019,7 @@
           </a:ln>
         </p:spPr>
         <p:txBody>
-          <a:bodyPr anchorCtr="0" anchor="ctr" bIns="91425" lIns="91425" spcFirstLastPara="1" rIns="91425" wrap="square" tIns="91425">
+          <a:bodyPr spcFirstLastPara="1" wrap="square" lIns="91425" tIns="91425" rIns="91425" bIns="91425" anchor="ctr" anchorCtr="0">
             <a:normAutofit/>
           </a:bodyPr>
           <a:lstStyle>
@@ -5917,7 +6097,7 @@
             </a:lvl9pPr>
           </a:lstStyle>
           <a:p>
-            <a:pPr indent="0" lvl="0" marL="0" rtl="0" algn="r">
+            <a:pPr marL="0" lvl="0" indent="0" algn="r" rtl="0">
               <a:spcBef>
                 <a:spcPts val="0"/>
               </a:spcBef>
@@ -5936,7 +6116,7 @@
       </p:sp>
     </p:spTree>
   </p:cSld>
-  <p:clrMap accent1="accent1" accent2="accent2" accent3="accent3" accent4="accent4" accent5="accent5" accent6="accent6" bg1="lt1" bg2="dk2" tx1="dk1" tx2="lt2" folHlink="folHlink" hlink="hlink"/>
+  <p:clrMap bg1="lt1" tx1="dk1" bg2="dk2" tx2="lt2" accent1="accent1" accent2="accent2" accent3="accent3" accent4="accent4" accent5="accent5" accent6="accent6" hlink="hlink" folHlink="folHlink"/>
   <p:sldLayoutIdLst>
     <p:sldLayoutId id="2147483648" r:id="rId1"/>
     <p:sldLayoutId id="2147483649" r:id="rId2"/>
@@ -5950,10 +6130,10 @@
     <p:sldLayoutId id="2147483657" r:id="rId10"/>
     <p:sldLayoutId id="2147483658" r:id="rId11"/>
   </p:sldLayoutIdLst>
-  <p:hf dt="0" ftr="0" hdr="0" sldNum="0"/>
+  <p:hf sldNum="0" hdr="0" ftr="0" dt="0"/>
   <p:txStyles>
     <p:titleStyle>
-      <a:defPPr lvl="0" marR="0" rtl="0" algn="l">
+      <a:defPPr marR="0" lvl="0" algn="l" rtl="0">
         <a:lnSpc>
           <a:spcPct val="100000"/>
         </a:lnSpc>
@@ -5964,7 +6144,7 @@
           <a:spcPts val="0"/>
         </a:spcAft>
       </a:defPPr>
-      <a:lvl1pPr lvl="0" marR="0" rtl="0" algn="l">
+      <a:lvl1pPr marR="0" lvl="0" algn="l" rtl="0">
         <a:lnSpc>
           <a:spcPct val="100000"/>
         </a:lnSpc>
@@ -5978,7 +6158,7 @@
           <a:srgbClr val="000000"/>
         </a:buClr>
         <a:buFont typeface="Arial"/>
-        <a:defRPr b="0" i="0" sz="1400" u="none" cap="none" strike="noStrike">
+        <a:defRPr sz="1400" b="0" i="0" u="none" strike="noStrike" cap="none">
           <a:solidFill>
             <a:srgbClr val="000000"/>
           </a:solidFill>
@@ -5988,7 +6168,7 @@
           <a:sym typeface="Arial"/>
         </a:defRPr>
       </a:lvl1pPr>
-      <a:lvl2pPr lvl="1" marR="0" rtl="0" algn="l">
+      <a:lvl2pPr marR="0" lvl="1" algn="l" rtl="0">
         <a:lnSpc>
           <a:spcPct val="100000"/>
         </a:lnSpc>
@@ -6002,7 +6182,7 @@
           <a:srgbClr val="000000"/>
         </a:buClr>
         <a:buFont typeface="Arial"/>
-        <a:defRPr b="0" i="0" sz="1400" u="none" cap="none" strike="noStrike">
+        <a:defRPr sz="1400" b="0" i="0" u="none" strike="noStrike" cap="none">
           <a:solidFill>
             <a:srgbClr val="000000"/>
           </a:solidFill>
@@ -6012,7 +6192,7 @@
           <a:sym typeface="Arial"/>
         </a:defRPr>
       </a:lvl2pPr>
-      <a:lvl3pPr lvl="2" marR="0" rtl="0" algn="l">
+      <a:lvl3pPr marR="0" lvl="2" algn="l" rtl="0">
         <a:lnSpc>
           <a:spcPct val="100000"/>
         </a:lnSpc>
@@ -6026,7 +6206,7 @@
           <a:srgbClr val="000000"/>
         </a:buClr>
         <a:buFont typeface="Arial"/>
-        <a:defRPr b="0" i="0" sz="1400" u="none" cap="none" strike="noStrike">
+        <a:defRPr sz="1400" b="0" i="0" u="none" strike="noStrike" cap="none">
           <a:solidFill>
             <a:srgbClr val="000000"/>
           </a:solidFill>
@@ -6036,7 +6216,7 @@
           <a:sym typeface="Arial"/>
         </a:defRPr>
       </a:lvl3pPr>
-      <a:lvl4pPr lvl="3" marR="0" rtl="0" algn="l">
+      <a:lvl4pPr marR="0" lvl="3" algn="l" rtl="0">
         <a:lnSpc>
           <a:spcPct val="100000"/>
         </a:lnSpc>
@@ -6050,7 +6230,7 @@
           <a:srgbClr val="000000"/>
         </a:buClr>
         <a:buFont typeface="Arial"/>
-        <a:defRPr b="0" i="0" sz="1400" u="none" cap="none" strike="noStrike">
+        <a:defRPr sz="1400" b="0" i="0" u="none" strike="noStrike" cap="none">
           <a:solidFill>
             <a:srgbClr val="000000"/>
           </a:solidFill>
@@ -6060,7 +6240,7 @@
           <a:sym typeface="Arial"/>
         </a:defRPr>
       </a:lvl4pPr>
-      <a:lvl5pPr lvl="4" marR="0" rtl="0" algn="l">
+      <a:lvl5pPr marR="0" lvl="4" algn="l" rtl="0">
         <a:lnSpc>
           <a:spcPct val="100000"/>
         </a:lnSpc>
@@ -6074,7 +6254,7 @@
           <a:srgbClr val="000000"/>
         </a:buClr>
         <a:buFont typeface="Arial"/>
-        <a:defRPr b="0" i="0" sz="1400" u="none" cap="none" strike="noStrike">
+        <a:defRPr sz="1400" b="0" i="0" u="none" strike="noStrike" cap="none">
           <a:solidFill>
             <a:srgbClr val="000000"/>
           </a:solidFill>
@@ -6084,7 +6264,7 @@
           <a:sym typeface="Arial"/>
         </a:defRPr>
       </a:lvl5pPr>
-      <a:lvl6pPr lvl="5" marR="0" rtl="0" algn="l">
+      <a:lvl6pPr marR="0" lvl="5" algn="l" rtl="0">
         <a:lnSpc>
           <a:spcPct val="100000"/>
         </a:lnSpc>
@@ -6098,7 +6278,7 @@
           <a:srgbClr val="000000"/>
         </a:buClr>
         <a:buFont typeface="Arial"/>
-        <a:defRPr b="0" i="0" sz="1400" u="none" cap="none" strike="noStrike">
+        <a:defRPr sz="1400" b="0" i="0" u="none" strike="noStrike" cap="none">
           <a:solidFill>
             <a:srgbClr val="000000"/>
           </a:solidFill>
@@ -6108,7 +6288,7 @@
           <a:sym typeface="Arial"/>
         </a:defRPr>
       </a:lvl6pPr>
-      <a:lvl7pPr lvl="6" marR="0" rtl="0" algn="l">
+      <a:lvl7pPr marR="0" lvl="6" algn="l" rtl="0">
         <a:lnSpc>
           <a:spcPct val="100000"/>
         </a:lnSpc>
@@ -6122,7 +6302,7 @@
           <a:srgbClr val="000000"/>
         </a:buClr>
         <a:buFont typeface="Arial"/>
-        <a:defRPr b="0" i="0" sz="1400" u="none" cap="none" strike="noStrike">
+        <a:defRPr sz="1400" b="0" i="0" u="none" strike="noStrike" cap="none">
           <a:solidFill>
             <a:srgbClr val="000000"/>
           </a:solidFill>
@@ -6132,7 +6312,7 @@
           <a:sym typeface="Arial"/>
         </a:defRPr>
       </a:lvl7pPr>
-      <a:lvl8pPr lvl="7" marR="0" rtl="0" algn="l">
+      <a:lvl8pPr marR="0" lvl="7" algn="l" rtl="0">
         <a:lnSpc>
           <a:spcPct val="100000"/>
         </a:lnSpc>
@@ -6146,7 +6326,7 @@
           <a:srgbClr val="000000"/>
         </a:buClr>
         <a:buFont typeface="Arial"/>
-        <a:defRPr b="0" i="0" sz="1400" u="none" cap="none" strike="noStrike">
+        <a:defRPr sz="1400" b="0" i="0" u="none" strike="noStrike" cap="none">
           <a:solidFill>
             <a:srgbClr val="000000"/>
           </a:solidFill>
@@ -6156,7 +6336,7 @@
           <a:sym typeface="Arial"/>
         </a:defRPr>
       </a:lvl8pPr>
-      <a:lvl9pPr lvl="8" marR="0" rtl="0" algn="l">
+      <a:lvl9pPr marR="0" lvl="8" algn="l" rtl="0">
         <a:lnSpc>
           <a:spcPct val="100000"/>
         </a:lnSpc>
@@ -6170,7 +6350,7 @@
           <a:srgbClr val="000000"/>
         </a:buClr>
         <a:buFont typeface="Arial"/>
-        <a:defRPr b="0" i="0" sz="1400" u="none" cap="none" strike="noStrike">
+        <a:defRPr sz="1400" b="0" i="0" u="none" strike="noStrike" cap="none">
           <a:solidFill>
             <a:srgbClr val="000000"/>
           </a:solidFill>
@@ -6182,7 +6362,7 @@
       </a:lvl9pPr>
     </p:titleStyle>
     <p:bodyStyle>
-      <a:defPPr lvl="0" marR="0" rtl="0" algn="l">
+      <a:defPPr marR="0" lvl="0" algn="l" rtl="0">
         <a:lnSpc>
           <a:spcPct val="100000"/>
         </a:lnSpc>
@@ -6193,7 +6373,7 @@
           <a:spcPts val="0"/>
         </a:spcAft>
       </a:defPPr>
-      <a:lvl1pPr lvl="0" marR="0" rtl="0" algn="l">
+      <a:lvl1pPr marR="0" lvl="0" algn="l" rtl="0">
         <a:lnSpc>
           <a:spcPct val="100000"/>
         </a:lnSpc>
@@ -6207,7 +6387,7 @@
           <a:srgbClr val="000000"/>
         </a:buClr>
         <a:buFont typeface="Arial"/>
-        <a:defRPr b="0" i="0" sz="1400" u="none" cap="none" strike="noStrike">
+        <a:defRPr sz="1400" b="0" i="0" u="none" strike="noStrike" cap="none">
           <a:solidFill>
             <a:srgbClr val="000000"/>
           </a:solidFill>
@@ -6217,7 +6397,7 @@
           <a:sym typeface="Arial"/>
         </a:defRPr>
       </a:lvl1pPr>
-      <a:lvl2pPr lvl="1" marR="0" rtl="0" algn="l">
+      <a:lvl2pPr marR="0" lvl="1" algn="l" rtl="0">
         <a:lnSpc>
           <a:spcPct val="100000"/>
         </a:lnSpc>
@@ -6231,7 +6411,7 @@
           <a:srgbClr val="000000"/>
         </a:buClr>
         <a:buFont typeface="Arial"/>
-        <a:defRPr b="0" i="0" sz="1400" u="none" cap="none" strike="noStrike">
+        <a:defRPr sz="1400" b="0" i="0" u="none" strike="noStrike" cap="none">
           <a:solidFill>
             <a:srgbClr val="000000"/>
           </a:solidFill>
@@ -6241,7 +6421,7 @@
           <a:sym typeface="Arial"/>
         </a:defRPr>
       </a:lvl2pPr>
-      <a:lvl3pPr lvl="2" marR="0" rtl="0" algn="l">
+      <a:lvl3pPr marR="0" lvl="2" algn="l" rtl="0">
         <a:lnSpc>
           <a:spcPct val="100000"/>
         </a:lnSpc>
@@ -6255,7 +6435,7 @@
           <a:srgbClr val="000000"/>
         </a:buClr>
         <a:buFont typeface="Arial"/>
-        <a:defRPr b="0" i="0" sz="1400" u="none" cap="none" strike="noStrike">
+        <a:defRPr sz="1400" b="0" i="0" u="none" strike="noStrike" cap="none">
           <a:solidFill>
             <a:srgbClr val="000000"/>
           </a:solidFill>
@@ -6265,7 +6445,7 @@
           <a:sym typeface="Arial"/>
         </a:defRPr>
       </a:lvl3pPr>
-      <a:lvl4pPr lvl="3" marR="0" rtl="0" algn="l">
+      <a:lvl4pPr marR="0" lvl="3" algn="l" rtl="0">
         <a:lnSpc>
           <a:spcPct val="100000"/>
         </a:lnSpc>
@@ -6279,7 +6459,7 @@
           <a:srgbClr val="000000"/>
         </a:buClr>
         <a:buFont typeface="Arial"/>
-        <a:defRPr b="0" i="0" sz="1400" u="none" cap="none" strike="noStrike">
+        <a:defRPr sz="1400" b="0" i="0" u="none" strike="noStrike" cap="none">
           <a:solidFill>
             <a:srgbClr val="000000"/>
           </a:solidFill>
@@ -6289,7 +6469,7 @@
           <a:sym typeface="Arial"/>
         </a:defRPr>
       </a:lvl4pPr>
-      <a:lvl5pPr lvl="4" marR="0" rtl="0" algn="l">
+      <a:lvl5pPr marR="0" lvl="4" algn="l" rtl="0">
         <a:lnSpc>
           <a:spcPct val="100000"/>
         </a:lnSpc>
@@ -6303,7 +6483,7 @@
           <a:srgbClr val="000000"/>
         </a:buClr>
         <a:buFont typeface="Arial"/>
-        <a:defRPr b="0" i="0" sz="1400" u="none" cap="none" strike="noStrike">
+        <a:defRPr sz="1400" b="0" i="0" u="none" strike="noStrike" cap="none">
           <a:solidFill>
             <a:srgbClr val="000000"/>
           </a:solidFill>
@@ -6313,7 +6493,7 @@
           <a:sym typeface="Arial"/>
         </a:defRPr>
       </a:lvl5pPr>
-      <a:lvl6pPr lvl="5" marR="0" rtl="0" algn="l">
+      <a:lvl6pPr marR="0" lvl="5" algn="l" rtl="0">
         <a:lnSpc>
           <a:spcPct val="100000"/>
         </a:lnSpc>
@@ -6327,7 +6507,7 @@
           <a:srgbClr val="000000"/>
         </a:buClr>
         <a:buFont typeface="Arial"/>
-        <a:defRPr b="0" i="0" sz="1400" u="none" cap="none" strike="noStrike">
+        <a:defRPr sz="1400" b="0" i="0" u="none" strike="noStrike" cap="none">
           <a:solidFill>
             <a:srgbClr val="000000"/>
           </a:solidFill>
@@ -6337,7 +6517,7 @@
           <a:sym typeface="Arial"/>
         </a:defRPr>
       </a:lvl6pPr>
-      <a:lvl7pPr lvl="6" marR="0" rtl="0" algn="l">
+      <a:lvl7pPr marR="0" lvl="6" algn="l" rtl="0">
         <a:lnSpc>
           <a:spcPct val="100000"/>
         </a:lnSpc>
@@ -6351,7 +6531,7 @@
           <a:srgbClr val="000000"/>
         </a:buClr>
         <a:buFont typeface="Arial"/>
-        <a:defRPr b="0" i="0" sz="1400" u="none" cap="none" strike="noStrike">
+        <a:defRPr sz="1400" b="0" i="0" u="none" strike="noStrike" cap="none">
           <a:solidFill>
             <a:srgbClr val="000000"/>
           </a:solidFill>
@@ -6361,7 +6541,7 @@
           <a:sym typeface="Arial"/>
         </a:defRPr>
       </a:lvl7pPr>
-      <a:lvl8pPr lvl="7" marR="0" rtl="0" algn="l">
+      <a:lvl8pPr marR="0" lvl="7" algn="l" rtl="0">
         <a:lnSpc>
           <a:spcPct val="100000"/>
         </a:lnSpc>
@@ -6375,7 +6555,7 @@
           <a:srgbClr val="000000"/>
         </a:buClr>
         <a:buFont typeface="Arial"/>
-        <a:defRPr b="0" i="0" sz="1400" u="none" cap="none" strike="noStrike">
+        <a:defRPr sz="1400" b="0" i="0" u="none" strike="noStrike" cap="none">
           <a:solidFill>
             <a:srgbClr val="000000"/>
           </a:solidFill>
@@ -6385,7 +6565,7 @@
           <a:sym typeface="Arial"/>
         </a:defRPr>
       </a:lvl8pPr>
-      <a:lvl9pPr lvl="8" marR="0" rtl="0" algn="l">
+      <a:lvl9pPr marR="0" lvl="8" algn="l" rtl="0">
         <a:lnSpc>
           <a:spcPct val="100000"/>
         </a:lnSpc>
@@ -6399,7 +6579,7 @@
           <a:srgbClr val="000000"/>
         </a:buClr>
         <a:buFont typeface="Arial"/>
-        <a:defRPr b="0" i="0" sz="1400" u="none" cap="none" strike="noStrike">
+        <a:defRPr sz="1400" b="0" i="0" u="none" strike="noStrike" cap="none">
           <a:solidFill>
             <a:srgbClr val="000000"/>
           </a:solidFill>
@@ -6411,7 +6591,7 @@
       </a:lvl9pPr>
     </p:bodyStyle>
     <p:otherStyle>
-      <a:defPPr lvl="0" marR="0" rtl="0" algn="l">
+      <a:defPPr marR="0" lvl="0" algn="l" rtl="0">
         <a:lnSpc>
           <a:spcPct val="100000"/>
         </a:lnSpc>
@@ -6422,7 +6602,7 @@
           <a:spcPts val="0"/>
         </a:spcAft>
       </a:defPPr>
-      <a:lvl1pPr lvl="0" marR="0" rtl="0" algn="l">
+      <a:lvl1pPr marR="0" lvl="0" algn="l" rtl="0">
         <a:lnSpc>
           <a:spcPct val="100000"/>
         </a:lnSpc>
@@ -6436,7 +6616,7 @@
           <a:srgbClr val="000000"/>
         </a:buClr>
         <a:buFont typeface="Arial"/>
-        <a:defRPr b="0" i="0" sz="1400" u="none" cap="none" strike="noStrike">
+        <a:defRPr sz="1400" b="0" i="0" u="none" strike="noStrike" cap="none">
           <a:solidFill>
             <a:srgbClr val="000000"/>
           </a:solidFill>
@@ -6446,7 +6626,7 @@
           <a:sym typeface="Arial"/>
         </a:defRPr>
       </a:lvl1pPr>
-      <a:lvl2pPr lvl="1" marR="0" rtl="0" algn="l">
+      <a:lvl2pPr marR="0" lvl="1" algn="l" rtl="0">
         <a:lnSpc>
           <a:spcPct val="100000"/>
         </a:lnSpc>
@@ -6460,7 +6640,7 @@
           <a:srgbClr val="000000"/>
         </a:buClr>
         <a:buFont typeface="Arial"/>
-        <a:defRPr b="0" i="0" sz="1400" u="none" cap="none" strike="noStrike">
+        <a:defRPr sz="1400" b="0" i="0" u="none" strike="noStrike" cap="none">
           <a:solidFill>
             <a:srgbClr val="000000"/>
           </a:solidFill>
@@ -6470,7 +6650,7 @@
           <a:sym typeface="Arial"/>
         </a:defRPr>
       </a:lvl2pPr>
-      <a:lvl3pPr lvl="2" marR="0" rtl="0" algn="l">
+      <a:lvl3pPr marR="0" lvl="2" algn="l" rtl="0">
         <a:lnSpc>
           <a:spcPct val="100000"/>
         </a:lnSpc>
@@ -6484,7 +6664,7 @@
           <a:srgbClr val="000000"/>
         </a:buClr>
         <a:buFont typeface="Arial"/>
-        <a:defRPr b="0" i="0" sz="1400" u="none" cap="none" strike="noStrike">
+        <a:defRPr sz="1400" b="0" i="0" u="none" strike="noStrike" cap="none">
           <a:solidFill>
             <a:srgbClr val="000000"/>
           </a:solidFill>
@@ -6494,7 +6674,7 @@
           <a:sym typeface="Arial"/>
         </a:defRPr>
       </a:lvl3pPr>
-      <a:lvl4pPr lvl="3" marR="0" rtl="0" algn="l">
+      <a:lvl4pPr marR="0" lvl="3" algn="l" rtl="0">
         <a:lnSpc>
           <a:spcPct val="100000"/>
         </a:lnSpc>
@@ -6508,7 +6688,7 @@
           <a:srgbClr val="000000"/>
         </a:buClr>
         <a:buFont typeface="Arial"/>
-        <a:defRPr b="0" i="0" sz="1400" u="none" cap="none" strike="noStrike">
+        <a:defRPr sz="1400" b="0" i="0" u="none" strike="noStrike" cap="none">
           <a:solidFill>
             <a:srgbClr val="000000"/>
           </a:solidFill>
@@ -6518,7 +6698,7 @@
           <a:sym typeface="Arial"/>
         </a:defRPr>
       </a:lvl4pPr>
-      <a:lvl5pPr lvl="4" marR="0" rtl="0" algn="l">
+      <a:lvl5pPr marR="0" lvl="4" algn="l" rtl="0">
         <a:lnSpc>
           <a:spcPct val="100000"/>
         </a:lnSpc>
@@ -6532,7 +6712,7 @@
           <a:srgbClr val="000000"/>
         </a:buClr>
         <a:buFont typeface="Arial"/>
-        <a:defRPr b="0" i="0" sz="1400" u="none" cap="none" strike="noStrike">
+        <a:defRPr sz="1400" b="0" i="0" u="none" strike="noStrike" cap="none">
           <a:solidFill>
             <a:srgbClr val="000000"/>
           </a:solidFill>
@@ -6542,7 +6722,7 @@
           <a:sym typeface="Arial"/>
         </a:defRPr>
       </a:lvl5pPr>
-      <a:lvl6pPr lvl="5" marR="0" rtl="0" algn="l">
+      <a:lvl6pPr marR="0" lvl="5" algn="l" rtl="0">
         <a:lnSpc>
           <a:spcPct val="100000"/>
         </a:lnSpc>
@@ -6556,7 +6736,7 @@
           <a:srgbClr val="000000"/>
         </a:buClr>
         <a:buFont typeface="Arial"/>
-        <a:defRPr b="0" i="0" sz="1400" u="none" cap="none" strike="noStrike">
+        <a:defRPr sz="1400" b="0" i="0" u="none" strike="noStrike" cap="none">
           <a:solidFill>
             <a:srgbClr val="000000"/>
           </a:solidFill>
@@ -6566,7 +6746,7 @@
           <a:sym typeface="Arial"/>
         </a:defRPr>
       </a:lvl6pPr>
-      <a:lvl7pPr lvl="6" marR="0" rtl="0" algn="l">
+      <a:lvl7pPr marR="0" lvl="6" algn="l" rtl="0">
         <a:lnSpc>
           <a:spcPct val="100000"/>
         </a:lnSpc>
@@ -6580,7 +6760,7 @@
           <a:srgbClr val="000000"/>
         </a:buClr>
         <a:buFont typeface="Arial"/>
-        <a:defRPr b="0" i="0" sz="1400" u="none" cap="none" strike="noStrike">
+        <a:defRPr sz="1400" b="0" i="0" u="none" strike="noStrike" cap="none">
           <a:solidFill>
             <a:srgbClr val="000000"/>
           </a:solidFill>
@@ -6590,7 +6770,7 @@
           <a:sym typeface="Arial"/>
         </a:defRPr>
       </a:lvl7pPr>
-      <a:lvl8pPr lvl="7" marR="0" rtl="0" algn="l">
+      <a:lvl8pPr marR="0" lvl="7" algn="l" rtl="0">
         <a:lnSpc>
           <a:spcPct val="100000"/>
         </a:lnSpc>
@@ -6604,7 +6784,7 @@
           <a:srgbClr val="000000"/>
         </a:buClr>
         <a:buFont typeface="Arial"/>
-        <a:defRPr b="0" i="0" sz="1400" u="none" cap="none" strike="noStrike">
+        <a:defRPr sz="1400" b="0" i="0" u="none" strike="noStrike" cap="none">
           <a:solidFill>
             <a:srgbClr val="000000"/>
           </a:solidFill>
@@ -6614,7 +6794,7 @@
           <a:sym typeface="Arial"/>
         </a:defRPr>
       </a:lvl8pPr>
-      <a:lvl9pPr lvl="8" marR="0" rtl="0" algn="l">
+      <a:lvl9pPr marR="0" lvl="8" algn="l" rtl="0">
         <a:lnSpc>
           <a:spcPct val="100000"/>
         </a:lnSpc>
@@ -6628,7 +6808,7 @@
           <a:srgbClr val="000000"/>
         </a:buClr>
         <a:buFont typeface="Arial"/>
-        <a:defRPr b="0" i="0" sz="1400" u="none" cap="none" strike="noStrike">
+        <a:defRPr sz="1400" b="0" i="0" u="none" strike="noStrike" cap="none">
           <a:solidFill>
             <a:srgbClr val="000000"/>
           </a:solidFill>
@@ -6644,18 +6824,19 @@
 </file>
 
 <file path=ppt/slides/slide1.xml><?xml version="1.0" encoding="utf-8"?>
-<p:sld xmlns:a="http://schemas.openxmlformats.org/drawingml/2006/main" xmlns:r="http://schemas.openxmlformats.org/officeDocument/2006/relationships" xmlns:mc="http://schemas.openxmlformats.org/markup-compatibility/2006" xmlns:mv="urn:schemas-microsoft-com:mac:vml" xmlns:p="http://schemas.openxmlformats.org/presentationml/2006/main" xmlns:c="http://schemas.openxmlformats.org/drawingml/2006/chart" xmlns:dgm="http://schemas.openxmlformats.org/drawingml/2006/diagram" xmlns:o="urn:schemas-microsoft-com:office:office" xmlns:v="urn:schemas-microsoft-com:vml" xmlns:pvml="urn:schemas-microsoft-com:office:powerpoint" xmlns:com="http://schemas.openxmlformats.org/drawingml/2006/compatibility" xmlns:p14="http://schemas.microsoft.com/office/powerpoint/2010/main" xmlns:p15="http://schemas.microsoft.com/office/powerpoint/2012/main" xmlns:ahyp="http://schemas.microsoft.com/office/drawing/2018/hyperlinkcolor">
+<p:sld xmlns:a="http://schemas.openxmlformats.org/drawingml/2006/main" xmlns:r="http://schemas.openxmlformats.org/officeDocument/2006/relationships" xmlns:p="http://schemas.openxmlformats.org/presentationml/2006/main">
   <p:cSld>
     <p:bg>
       <p:bgPr>
         <a:solidFill>
           <a:srgbClr val="F9F9F9"/>
         </a:solidFill>
+        <a:effectLst/>
       </p:bgPr>
     </p:bg>
     <p:spTree>
       <p:nvGrpSpPr>
-        <p:cNvPr id="53" name="Shape 53"/>
+        <p:cNvPr id="1" name="Shape 53"/>
         <p:cNvGrpSpPr/>
         <p:nvPr/>
       </p:nvGrpSpPr>
@@ -6670,7 +6851,9 @@
       <p:sp>
         <p:nvSpPr>
           <p:cNvPr id="54" name="Google Shape;54;p13"/>
-          <p:cNvSpPr txBox="1"/>
+          <p:cNvSpPr txBox="1">
+            <a:spLocks noGrp="1"/>
+          </p:cNvSpPr>
           <p:nvPr>
             <p:ph type="ctrTitle"/>
           </p:nvPr>
@@ -6685,12 +6868,12 @@
           </a:prstGeom>
         </p:spPr>
         <p:txBody>
-          <a:bodyPr anchorCtr="0" anchor="b" bIns="91425" lIns="91425" spcFirstLastPara="1" rIns="91425" wrap="square" tIns="91425">
+          <a:bodyPr spcFirstLastPara="1" wrap="square" lIns="91425" tIns="91425" rIns="91425" bIns="91425" anchor="b" anchorCtr="0">
             <a:normAutofit fontScale="90000"/>
           </a:bodyPr>
           <a:lstStyle/>
           <a:p>
-            <a:pPr indent="0" lvl="0" marL="0" rtl="0" algn="ctr">
+            <a:pPr marL="0" lvl="0" indent="0" algn="ctr" rtl="0">
               <a:spcBef>
                 <a:spcPts val="0"/>
               </a:spcBef>
@@ -6718,9 +6901,11 @@
       <p:sp>
         <p:nvSpPr>
           <p:cNvPr id="55" name="Google Shape;55;p13"/>
-          <p:cNvSpPr txBox="1"/>
+          <p:cNvSpPr txBox="1">
+            <a:spLocks noGrp="1"/>
+          </p:cNvSpPr>
           <p:nvPr>
-            <p:ph idx="1" type="subTitle"/>
+            <p:ph type="subTitle" idx="1"/>
           </p:nvPr>
         </p:nvSpPr>
         <p:spPr>
@@ -6733,12 +6918,12 @@
           </a:prstGeom>
         </p:spPr>
         <p:txBody>
-          <a:bodyPr anchorCtr="0" anchor="t" bIns="91425" lIns="91425" spcFirstLastPara="1" rIns="91425" wrap="square" tIns="91425">
+          <a:bodyPr spcFirstLastPara="1" wrap="square" lIns="91425" tIns="91425" rIns="91425" bIns="91425" anchor="t" anchorCtr="0">
             <a:normAutofit fontScale="85000" lnSpcReduction="20000"/>
           </a:bodyPr>
           <a:lstStyle/>
           <a:p>
-            <a:pPr indent="0" lvl="0" marL="0" rtl="0" algn="ctr">
+            <a:pPr marL="0" lvl="0" indent="0" algn="ctr" rtl="0">
               <a:spcBef>
                 <a:spcPts val="0"/>
               </a:spcBef>
@@ -6776,11 +6961,11 @@
 </file>
 
 <file path=ppt/slides/slide10.xml><?xml version="1.0" encoding="utf-8"?>
-<p:sld xmlns:a="http://schemas.openxmlformats.org/drawingml/2006/main" xmlns:r="http://schemas.openxmlformats.org/officeDocument/2006/relationships" xmlns:mc="http://schemas.openxmlformats.org/markup-compatibility/2006" xmlns:mv="urn:schemas-microsoft-com:mac:vml" xmlns:p="http://schemas.openxmlformats.org/presentationml/2006/main" xmlns:c="http://schemas.openxmlformats.org/drawingml/2006/chart" xmlns:dgm="http://schemas.openxmlformats.org/drawingml/2006/diagram" xmlns:o="urn:schemas-microsoft-com:office:office" xmlns:v="urn:schemas-microsoft-com:vml" xmlns:pvml="urn:schemas-microsoft-com:office:powerpoint" xmlns:com="http://schemas.openxmlformats.org/drawingml/2006/compatibility" xmlns:p14="http://schemas.microsoft.com/office/powerpoint/2010/main" xmlns:p15="http://schemas.microsoft.com/office/powerpoint/2012/main" xmlns:ahyp="http://schemas.microsoft.com/office/drawing/2018/hyperlinkcolor">
+<p:sld xmlns:a="http://schemas.openxmlformats.org/drawingml/2006/main" xmlns:r="http://schemas.openxmlformats.org/officeDocument/2006/relationships" xmlns:p="http://schemas.openxmlformats.org/presentationml/2006/main">
   <p:cSld>
     <p:spTree>
       <p:nvGrpSpPr>
-        <p:cNvPr id="113" name="Shape 113"/>
+        <p:cNvPr id="1" name="Shape 113"/>
         <p:cNvGrpSpPr/>
         <p:nvPr/>
       </p:nvGrpSpPr>
@@ -6795,7 +6980,9 @@
       <p:sp>
         <p:nvSpPr>
           <p:cNvPr id="114" name="Google Shape;114;p22"/>
-          <p:cNvSpPr txBox="1"/>
+          <p:cNvSpPr txBox="1">
+            <a:spLocks noGrp="1"/>
+          </p:cNvSpPr>
           <p:nvPr>
             <p:ph type="title"/>
           </p:nvPr>
@@ -6810,12 +6997,12 @@
           </a:prstGeom>
         </p:spPr>
         <p:txBody>
-          <a:bodyPr anchorCtr="0" anchor="t" bIns="91425" lIns="91425" spcFirstLastPara="1" rIns="91425" wrap="square" tIns="91425">
+          <a:bodyPr spcFirstLastPara="1" wrap="square" lIns="91425" tIns="91425" rIns="91425" bIns="91425" anchor="t" anchorCtr="0">
             <a:normAutofit fontScale="90000"/>
           </a:bodyPr>
           <a:lstStyle/>
           <a:p>
-            <a:pPr indent="0" lvl="0" marL="0" rtl="0" algn="l">
+            <a:pPr marL="0" lvl="0" indent="0" algn="l" rtl="0">
               <a:spcBef>
                 <a:spcPts val="0"/>
               </a:spcBef>
@@ -6835,9 +7022,11 @@
       <p:sp>
         <p:nvSpPr>
           <p:cNvPr id="115" name="Google Shape;115;p22"/>
-          <p:cNvSpPr txBox="1"/>
+          <p:cNvSpPr txBox="1">
+            <a:spLocks noGrp="1"/>
+          </p:cNvSpPr>
           <p:nvPr>
-            <p:ph idx="1" type="body"/>
+            <p:ph type="body" idx="1"/>
           </p:nvPr>
         </p:nvSpPr>
         <p:spPr>
@@ -6850,12 +7039,12 @@
           </a:prstGeom>
         </p:spPr>
         <p:txBody>
-          <a:bodyPr anchorCtr="0" anchor="t" bIns="91425" lIns="91425" spcFirstLastPara="1" rIns="91425" wrap="square" tIns="91425">
+          <a:bodyPr spcFirstLastPara="1" wrap="square" lIns="91425" tIns="91425" rIns="91425" bIns="91425" anchor="t" anchorCtr="0">
             <a:normAutofit/>
           </a:bodyPr>
           <a:lstStyle/>
           <a:p>
-            <a:pPr indent="0" lvl="0" marL="0" rtl="0" algn="l">
+            <a:pPr marL="0" lvl="0" indent="0" algn="l" rtl="0">
               <a:spcBef>
                 <a:spcPts val="0"/>
               </a:spcBef>
@@ -6864,9 +7053,6 @@
               </a:spcAft>
               <a:buNone/>
             </a:pPr>
-            <a:r>
-              <a:t/>
-            </a:r>
             <a:endParaRPr/>
           </a:p>
         </p:txBody>
@@ -6886,11 +7072,23 @@
             <a:tbl>
               <a:tblPr>
                 <a:noFill/>
-                <a:tableStyleId>{A612B0FF-0A78-48FC-ADEF-ED637E8CCF5F}</a:tableStyleId>
+                <a:tableStyleId>{DB912796-6853-49F6-AF95-4EB31F6BE7B2}</a:tableStyleId>
               </a:tblPr>
               <a:tblGrid>
-                <a:gridCol w="4221475"/>
-                <a:gridCol w="4221475"/>
+                <a:gridCol w="4221475">
+                  <a:extLst>
+                    <a:ext uri="{9D8B030D-6E8A-4147-A177-3AD203B41FA5}">
+                      <a16:colId xmlns:a16="http://schemas.microsoft.com/office/drawing/2014/main" val="20000"/>
+                    </a:ext>
+                  </a:extLst>
+                </a:gridCol>
+                <a:gridCol w="4221475">
+                  <a:extLst>
+                    <a:ext uri="{9D8B030D-6E8A-4147-A177-3AD203B41FA5}">
+                      <a16:colId xmlns:a16="http://schemas.microsoft.com/office/drawing/2014/main" val="20001"/>
+                    </a:ext>
+                  </a:extLst>
+                </a:gridCol>
               </a:tblGrid>
               <a:tr h="374650">
                 <a:tc>
@@ -6898,7 +7096,7 @@
                     <a:bodyPr/>
                     <a:lstStyle/>
                     <a:p>
-                      <a:pPr indent="0" lvl="0" marL="0" rtl="0" algn="ctr">
+                      <a:pPr marL="0" lvl="0" indent="0" algn="ctr" rtl="0">
                         <a:lnSpc>
                           <a:spcPct val="115000"/>
                         </a:lnSpc>
@@ -6911,20 +7109,20 @@
                         <a:buNone/>
                       </a:pPr>
                       <a:r>
-                        <a:rPr b="1" lang="en-GB" sz="1200"/>
+                        <a:rPr lang="en-GB" sz="1200" b="1"/>
                         <a:t>Insight</a:t>
                       </a:r>
-                      <a:endParaRPr b="1" sz="1200"/>
+                      <a:endParaRPr sz="1200" b="1"/>
                     </a:p>
                   </a:txBody>
-                  <a:tcPr marT="91425" marB="91425" marR="91425" marL="91425"/>
+                  <a:tcPr marL="91425" marR="91425" marT="91425" marB="91425"/>
                 </a:tc>
                 <a:tc>
                   <a:txBody>
                     <a:bodyPr/>
                     <a:lstStyle/>
                     <a:p>
-                      <a:pPr indent="0" lvl="0" marL="0" rtl="0" algn="ctr">
+                      <a:pPr marL="0" lvl="0" indent="0" algn="ctr" rtl="0">
                         <a:lnSpc>
                           <a:spcPct val="115000"/>
                         </a:lnSpc>
@@ -6937,14 +7135,19 @@
                         <a:buNone/>
                       </a:pPr>
                       <a:r>
-                        <a:rPr b="1" lang="en-GB" sz="1200"/>
+                        <a:rPr lang="en-GB" sz="1200" b="1"/>
                         <a:t>Recommendation</a:t>
                       </a:r>
-                      <a:endParaRPr b="1" sz="1200"/>
+                      <a:endParaRPr sz="1200" b="1"/>
                     </a:p>
                   </a:txBody>
-                  <a:tcPr marT="91425" marB="91425" marR="91425" marL="91425"/>
+                  <a:tcPr marL="91425" marR="91425" marT="91425" marB="91425"/>
                 </a:tc>
+                <a:extLst>
+                  <a:ext uri="{0D108BD9-81ED-4DB2-BD59-A6C34878D82A}">
+                    <a16:rowId xmlns:a16="http://schemas.microsoft.com/office/drawing/2014/main" val="10000"/>
+                  </a:ext>
+                </a:extLst>
               </a:tr>
               <a:tr h="468325">
                 <a:tc>
@@ -6952,7 +7155,7 @@
                     <a:bodyPr/>
                     <a:lstStyle/>
                     <a:p>
-                      <a:pPr indent="0" lvl="0" marL="0" rtl="0" algn="l">
+                      <a:pPr marL="0" lvl="0" indent="0" algn="l" rtl="0">
                         <a:spcBef>
                           <a:spcPts val="0"/>
                         </a:spcBef>
@@ -6966,20 +7169,20 @@
                         <a:t>🟢 </a:t>
                       </a:r>
                       <a:r>
-                        <a:rPr b="1" lang="en-GB" sz="900"/>
+                        <a:rPr lang="en-GB" sz="900" b="1"/>
                         <a:t>Strong performance in early 2018 cohorts (03–05)</a:t>
                       </a:r>
-                      <a:endParaRPr b="1" sz="900"/>
+                      <a:endParaRPr sz="900" b="1"/>
                     </a:p>
                   </a:txBody>
-                  <a:tcPr marT="91425" marB="91425" marR="91425" marL="91425"/>
+                  <a:tcPr marL="91425" marR="91425" marT="91425" marB="91425"/>
                 </a:tc>
                 <a:tc>
                   <a:txBody>
                     <a:bodyPr/>
                     <a:lstStyle/>
                     <a:p>
-                      <a:pPr indent="0" lvl="0" marL="0" rtl="0" algn="l">
+                      <a:pPr marL="0" lvl="0" indent="0" algn="l" rtl="0">
                         <a:spcBef>
                           <a:spcPts val="0"/>
                         </a:spcBef>
@@ -6995,8 +7198,13 @@
                       <a:endParaRPr sz="900"/>
                     </a:p>
                   </a:txBody>
-                  <a:tcPr marT="91425" marB="91425" marR="91425" marL="91425"/>
+                  <a:tcPr marL="91425" marR="91425" marT="91425" marB="91425"/>
                 </a:tc>
+                <a:extLst>
+                  <a:ext uri="{0D108BD9-81ED-4DB2-BD59-A6C34878D82A}">
+                    <a16:rowId xmlns:a16="http://schemas.microsoft.com/office/drawing/2014/main" val="10001"/>
+                  </a:ext>
+                </a:extLst>
               </a:tr>
               <a:tr h="468325">
                 <a:tc>
@@ -7004,7 +7212,7 @@
                     <a:bodyPr/>
                     <a:lstStyle/>
                     <a:p>
-                      <a:pPr indent="0" lvl="0" marL="0" rtl="0" algn="l">
+                      <a:pPr marL="0" lvl="0" indent="0" algn="l" rtl="0">
                         <a:spcBef>
                           <a:spcPts val="0"/>
                         </a:spcBef>
@@ -7018,20 +7226,20 @@
                         <a:t>🟡 </a:t>
                       </a:r>
                       <a:r>
-                        <a:rPr b="1" lang="en-GB" sz="900"/>
+                        <a:rPr lang="en-GB" sz="900" b="1"/>
                         <a:t>Moderate retention until month 3–4 in 2018-04 to 2018-07</a:t>
                       </a:r>
-                      <a:endParaRPr b="1" sz="900"/>
+                      <a:endParaRPr sz="900" b="1"/>
                     </a:p>
                   </a:txBody>
-                  <a:tcPr marT="91425" marB="91425" marR="91425" marL="91425"/>
+                  <a:tcPr marL="91425" marR="91425" marT="91425" marB="91425"/>
                 </a:tc>
                 <a:tc>
                   <a:txBody>
                     <a:bodyPr/>
                     <a:lstStyle/>
                     <a:p>
-                      <a:pPr indent="0" lvl="0" marL="0" rtl="0" algn="l">
+                      <a:pPr marL="0" lvl="0" indent="0" algn="l" rtl="0">
                         <a:spcBef>
                           <a:spcPts val="0"/>
                         </a:spcBef>
@@ -7047,8 +7255,13 @@
                       <a:endParaRPr sz="900"/>
                     </a:p>
                   </a:txBody>
-                  <a:tcPr marT="91425" marB="91425" marR="91425" marL="91425"/>
+                  <a:tcPr marL="91425" marR="91425" marT="91425" marB="91425"/>
                 </a:tc>
+                <a:extLst>
+                  <a:ext uri="{0D108BD9-81ED-4DB2-BD59-A6C34878D82A}">
+                    <a16:rowId xmlns:a16="http://schemas.microsoft.com/office/drawing/2014/main" val="10002"/>
+                  </a:ext>
+                </a:extLst>
               </a:tr>
               <a:tr h="468325">
                 <a:tc>
@@ -7056,7 +7269,7 @@
                     <a:bodyPr/>
                     <a:lstStyle/>
                     <a:p>
-                      <a:pPr indent="0" lvl="0" marL="0" rtl="0" algn="l">
+                      <a:pPr marL="0" lvl="0" indent="0" algn="l" rtl="0">
                         <a:spcBef>
                           <a:spcPts val="0"/>
                         </a:spcBef>
@@ -7070,20 +7283,20 @@
                         <a:t>🔴 </a:t>
                       </a:r>
                       <a:r>
-                        <a:rPr b="1" lang="en-GB" sz="900"/>
+                        <a:rPr lang="en-GB" sz="900" b="1"/>
                         <a:t>Sharp drop after month 4 in all cohorts</a:t>
                       </a:r>
-                      <a:endParaRPr b="1" sz="900"/>
+                      <a:endParaRPr sz="900" b="1"/>
                     </a:p>
                   </a:txBody>
-                  <a:tcPr marT="91425" marB="91425" marR="91425" marL="91425"/>
+                  <a:tcPr marL="91425" marR="91425" marT="91425" marB="91425"/>
                 </a:tc>
                 <a:tc>
                   <a:txBody>
                     <a:bodyPr/>
                     <a:lstStyle/>
                     <a:p>
-                      <a:pPr indent="0" lvl="0" marL="0" rtl="0" algn="l">
+                      <a:pPr marL="0" lvl="0" indent="0" algn="l" rtl="0">
                         <a:spcBef>
                           <a:spcPts val="0"/>
                         </a:spcBef>
@@ -7099,8 +7312,13 @@
                       <a:endParaRPr sz="900"/>
                     </a:p>
                   </a:txBody>
-                  <a:tcPr marT="91425" marB="91425" marR="91425" marL="91425"/>
+                  <a:tcPr marL="91425" marR="91425" marT="91425" marB="91425"/>
                 </a:tc>
+                <a:extLst>
+                  <a:ext uri="{0D108BD9-81ED-4DB2-BD59-A6C34878D82A}">
+                    <a16:rowId xmlns:a16="http://schemas.microsoft.com/office/drawing/2014/main" val="10003"/>
+                  </a:ext>
+                </a:extLst>
               </a:tr>
               <a:tr h="468325">
                 <a:tc>
@@ -7108,7 +7326,7 @@
                     <a:bodyPr/>
                     <a:lstStyle/>
                     <a:p>
-                      <a:pPr indent="0" lvl="0" marL="0" rtl="0" algn="l">
+                      <a:pPr marL="0" lvl="0" indent="0" algn="l" rtl="0">
                         <a:spcBef>
                           <a:spcPts val="0"/>
                         </a:spcBef>
@@ -7122,20 +7340,20 @@
                         <a:t>🟠 </a:t>
                       </a:r>
                       <a:r>
-                        <a:rPr b="1" lang="en-GB" sz="900"/>
+                        <a:rPr lang="en-GB" sz="900" b="1"/>
                         <a:t>Post-2018-10 cohorts show minimal engagement</a:t>
                       </a:r>
-                      <a:endParaRPr b="1" sz="900"/>
+                      <a:endParaRPr sz="900" b="1"/>
                     </a:p>
                   </a:txBody>
-                  <a:tcPr marT="91425" marB="91425" marR="91425" marL="91425"/>
+                  <a:tcPr marL="91425" marR="91425" marT="91425" marB="91425"/>
                 </a:tc>
                 <a:tc>
                   <a:txBody>
                     <a:bodyPr/>
                     <a:lstStyle/>
                     <a:p>
-                      <a:pPr indent="0" lvl="0" marL="0" rtl="0" algn="l">
+                      <a:pPr marL="0" lvl="0" indent="0" algn="l" rtl="0">
                         <a:spcBef>
                           <a:spcPts val="0"/>
                         </a:spcBef>
@@ -7151,8 +7369,13 @@
                       <a:endParaRPr sz="900"/>
                     </a:p>
                   </a:txBody>
-                  <a:tcPr marT="91425" marB="91425" marR="91425" marL="91425"/>
+                  <a:tcPr marL="91425" marR="91425" marT="91425" marB="91425"/>
                 </a:tc>
+                <a:extLst>
+                  <a:ext uri="{0D108BD9-81ED-4DB2-BD59-A6C34878D82A}">
+                    <a16:rowId xmlns:a16="http://schemas.microsoft.com/office/drawing/2014/main" val="10004"/>
+                  </a:ext>
+                </a:extLst>
               </a:tr>
               <a:tr h="468325">
                 <a:tc>
@@ -7160,7 +7383,7 @@
                     <a:bodyPr/>
                     <a:lstStyle/>
                     <a:p>
-                      <a:pPr indent="0" lvl="0" marL="0" rtl="0" algn="l">
+                      <a:pPr marL="0" lvl="0" indent="0" algn="l" rtl="0">
                         <a:spcBef>
                           <a:spcPts val="0"/>
                         </a:spcBef>
@@ -7174,20 +7397,20 @@
                         <a:t>🧪 </a:t>
                       </a:r>
                       <a:r>
-                        <a:rPr b="1" lang="en-GB" sz="900"/>
+                        <a:rPr lang="en-GB" sz="900" b="1"/>
                         <a:t>Some small spikes (e.g. 2018-11 month 9)</a:t>
                       </a:r>
-                      <a:endParaRPr b="1" sz="900"/>
+                      <a:endParaRPr sz="900" b="1"/>
                     </a:p>
                   </a:txBody>
-                  <a:tcPr marT="91425" marB="91425" marR="91425" marL="91425"/>
+                  <a:tcPr marL="91425" marR="91425" marT="91425" marB="91425"/>
                 </a:tc>
                 <a:tc>
                   <a:txBody>
                     <a:bodyPr/>
                     <a:lstStyle/>
                     <a:p>
-                      <a:pPr indent="0" lvl="0" marL="0" rtl="0" algn="l">
+                      <a:pPr marL="0" lvl="0" indent="0" algn="l" rtl="0">
                         <a:spcBef>
                           <a:spcPts val="0"/>
                         </a:spcBef>
@@ -7203,8 +7426,13 @@
                       <a:endParaRPr sz="900"/>
                     </a:p>
                   </a:txBody>
-                  <a:tcPr marT="91425" marB="91425" marR="91425" marL="91425"/>
+                  <a:tcPr marL="91425" marR="91425" marT="91425" marB="91425"/>
                 </a:tc>
+                <a:extLst>
+                  <a:ext uri="{0D108BD9-81ED-4DB2-BD59-A6C34878D82A}">
+                    <a16:rowId xmlns:a16="http://schemas.microsoft.com/office/drawing/2014/main" val="10005"/>
+                  </a:ext>
+                </a:extLst>
               </a:tr>
               <a:tr h="412075">
                 <a:tc>
@@ -7212,7 +7440,7 @@
                     <a:bodyPr/>
                     <a:lstStyle/>
                     <a:p>
-                      <a:pPr indent="0" lvl="0" marL="0" rtl="0" algn="l">
+                      <a:pPr marL="0" lvl="0" indent="0" algn="l" rtl="0">
                         <a:spcBef>
                           <a:spcPts val="0"/>
                         </a:spcBef>
@@ -7226,20 +7454,20 @@
                         <a:t>⏱️ </a:t>
                       </a:r>
                       <a:r>
-                        <a:rPr b="1" lang="en-GB" sz="900"/>
+                        <a:rPr lang="en-GB" sz="900" b="1"/>
                         <a:t>Most drop-off occurs after first or second month</a:t>
                       </a:r>
-                      <a:endParaRPr b="1" sz="900"/>
+                      <a:endParaRPr sz="900" b="1"/>
                     </a:p>
                   </a:txBody>
-                  <a:tcPr marT="91425" marB="91425" marR="91425" marL="91425"/>
+                  <a:tcPr marL="91425" marR="91425" marT="91425" marB="91425"/>
                 </a:tc>
                 <a:tc>
                   <a:txBody>
                     <a:bodyPr/>
                     <a:lstStyle/>
                     <a:p>
-                      <a:pPr indent="0" lvl="0" marL="0" rtl="0" algn="l">
+                      <a:pPr marL="0" lvl="0" indent="0" algn="l" rtl="0">
                         <a:spcBef>
                           <a:spcPts val="0"/>
                         </a:spcBef>
@@ -7255,8 +7483,13 @@
                       <a:endParaRPr sz="900"/>
                     </a:p>
                   </a:txBody>
-                  <a:tcPr marT="91425" marB="91425" marR="91425" marL="91425"/>
+                  <a:tcPr marL="91425" marR="91425" marT="91425" marB="91425"/>
                 </a:tc>
+                <a:extLst>
+                  <a:ext uri="{0D108BD9-81ED-4DB2-BD59-A6C34878D82A}">
+                    <a16:rowId xmlns:a16="http://schemas.microsoft.com/office/drawing/2014/main" val="10006"/>
+                  </a:ext>
+                </a:extLst>
               </a:tr>
               <a:tr h="468325">
                 <a:tc>
@@ -7264,7 +7497,7 @@
                     <a:bodyPr/>
                     <a:lstStyle/>
                     <a:p>
-                      <a:pPr indent="0" lvl="0" marL="0" rtl="0" algn="l">
+                      <a:pPr marL="0" lvl="0" indent="0" algn="l" rtl="0">
                         <a:spcBef>
                           <a:spcPts val="0"/>
                         </a:spcBef>
@@ -7278,20 +7511,20 @@
                         <a:t>📅 </a:t>
                       </a:r>
                       <a:r>
-                        <a:rPr b="1" lang="en-GB" sz="900"/>
+                        <a:rPr lang="en-GB" sz="900" b="1"/>
                         <a:t>Retention decays steadily but predictably</a:t>
                       </a:r>
-                      <a:endParaRPr b="1" sz="900"/>
+                      <a:endParaRPr sz="900" b="1"/>
                     </a:p>
                   </a:txBody>
-                  <a:tcPr marT="91425" marB="91425" marR="91425" marL="91425"/>
+                  <a:tcPr marL="91425" marR="91425" marT="91425" marB="91425"/>
                 </a:tc>
                 <a:tc>
                   <a:txBody>
                     <a:bodyPr/>
                     <a:lstStyle/>
                     <a:p>
-                      <a:pPr indent="0" lvl="0" marL="0" rtl="0" algn="l">
+                      <a:pPr marL="0" lvl="0" indent="0" algn="l" rtl="0">
                         <a:spcBef>
                           <a:spcPts val="0"/>
                         </a:spcBef>
@@ -7302,21 +7535,18 @@
                       </a:pPr>
                       <a:r>
                         <a:rPr lang="en-GB" sz="900"/>
-                        <a:t>Use this to forecast </a:t>
-                      </a:r>
-                      <a:r>
-                        <a:rPr lang="en-GB" sz="900"/>
-                        <a:t>Lifetime Value</a:t>
-                      </a:r>
-                      <a:r>
-                        <a:rPr lang="en-GB" sz="900"/>
-                        <a:t>&amp; plan lifecycle marketing automations accordingly</a:t>
+                        <a:t>Use this to forecast Lifetime Value&amp; plan lifecycle marketing automations accordingly</a:t>
                       </a:r>
                       <a:endParaRPr sz="900"/>
                     </a:p>
                   </a:txBody>
-                  <a:tcPr marT="91425" marB="91425" marR="91425" marL="91425"/>
+                  <a:tcPr marL="91425" marR="91425" marT="91425" marB="91425"/>
                 </a:tc>
+                <a:extLst>
+                  <a:ext uri="{0D108BD9-81ED-4DB2-BD59-A6C34878D82A}">
+                    <a16:rowId xmlns:a16="http://schemas.microsoft.com/office/drawing/2014/main" val="10007"/>
+                  </a:ext>
+                </a:extLst>
               </a:tr>
             </a:tbl>
           </a:graphicData>
@@ -7331,11 +7561,11 @@
 </file>
 
 <file path=ppt/slides/slide11.xml><?xml version="1.0" encoding="utf-8"?>
-<p:sld xmlns:a="http://schemas.openxmlformats.org/drawingml/2006/main" xmlns:r="http://schemas.openxmlformats.org/officeDocument/2006/relationships" xmlns:mc="http://schemas.openxmlformats.org/markup-compatibility/2006" xmlns:mv="urn:schemas-microsoft-com:mac:vml" xmlns:p="http://schemas.openxmlformats.org/presentationml/2006/main" xmlns:c="http://schemas.openxmlformats.org/drawingml/2006/chart" xmlns:dgm="http://schemas.openxmlformats.org/drawingml/2006/diagram" xmlns:o="urn:schemas-microsoft-com:office:office" xmlns:v="urn:schemas-microsoft-com:vml" xmlns:pvml="urn:schemas-microsoft-com:office:powerpoint" xmlns:com="http://schemas.openxmlformats.org/drawingml/2006/compatibility" xmlns:p14="http://schemas.microsoft.com/office/powerpoint/2010/main" xmlns:p15="http://schemas.microsoft.com/office/powerpoint/2012/main" xmlns:ahyp="http://schemas.microsoft.com/office/drawing/2018/hyperlinkcolor">
+<p:sld xmlns:a="http://schemas.openxmlformats.org/drawingml/2006/main" xmlns:r="http://schemas.openxmlformats.org/officeDocument/2006/relationships" xmlns:p="http://schemas.openxmlformats.org/presentationml/2006/main">
   <p:cSld>
     <p:spTree>
       <p:nvGrpSpPr>
-        <p:cNvPr id="120" name="Shape 120"/>
+        <p:cNvPr id="1" name="Shape 120"/>
         <p:cNvGrpSpPr/>
         <p:nvPr/>
       </p:nvGrpSpPr>
@@ -7350,7 +7580,9 @@
       <p:sp>
         <p:nvSpPr>
           <p:cNvPr id="121" name="Google Shape;121;p23"/>
-          <p:cNvSpPr txBox="1"/>
+          <p:cNvSpPr txBox="1">
+            <a:spLocks noGrp="1"/>
+          </p:cNvSpPr>
           <p:nvPr>
             <p:ph type="title"/>
           </p:nvPr>
@@ -7365,12 +7597,12 @@
           </a:prstGeom>
         </p:spPr>
         <p:txBody>
-          <a:bodyPr anchorCtr="0" anchor="t" bIns="91425" lIns="91425" spcFirstLastPara="1" rIns="91425" wrap="square" tIns="91425">
+          <a:bodyPr spcFirstLastPara="1" wrap="square" lIns="91425" tIns="91425" rIns="91425" bIns="91425" anchor="t" anchorCtr="0">
             <a:normAutofit fontScale="90000"/>
           </a:bodyPr>
           <a:lstStyle/>
           <a:p>
-            <a:pPr indent="0" lvl="0" marL="0" rtl="0" algn="l">
+            <a:pPr marL="0" lvl="0" indent="0" algn="l" rtl="0">
               <a:spcBef>
                 <a:spcPts val="0"/>
               </a:spcBef>
@@ -7398,9 +7630,11 @@
       <p:sp>
         <p:nvSpPr>
           <p:cNvPr id="122" name="Google Shape;122;p23"/>
-          <p:cNvSpPr txBox="1"/>
+          <p:cNvSpPr txBox="1">
+            <a:spLocks noGrp="1"/>
+          </p:cNvSpPr>
           <p:nvPr>
-            <p:ph idx="1" type="body"/>
+            <p:ph type="body" idx="1"/>
           </p:nvPr>
         </p:nvSpPr>
         <p:spPr>
@@ -7413,12 +7647,12 @@
           </a:prstGeom>
         </p:spPr>
         <p:txBody>
-          <a:bodyPr anchorCtr="0" anchor="t" bIns="91425" lIns="91425" spcFirstLastPara="1" rIns="91425" wrap="square" tIns="91425">
+          <a:bodyPr spcFirstLastPara="1" wrap="square" lIns="91425" tIns="91425" rIns="91425" bIns="91425" anchor="t" anchorCtr="0">
             <a:normAutofit/>
           </a:bodyPr>
           <a:lstStyle/>
           <a:p>
-            <a:pPr indent="-342900" lvl="0" marL="457200" rtl="0" algn="l">
+            <a:pPr marL="457200" lvl="0" indent="-342900" algn="l" rtl="0">
               <a:spcBef>
                 <a:spcPts val="0"/>
               </a:spcBef>
@@ -7453,7 +7687,7 @@
             </a:endParaRPr>
           </a:p>
           <a:p>
-            <a:pPr indent="-342900" lvl="0" marL="457200" rtl="0" algn="l">
+            <a:pPr marL="457200" lvl="0" indent="-342900" algn="l" rtl="0">
               <a:spcBef>
                 <a:spcPts val="0"/>
               </a:spcBef>
@@ -7488,7 +7722,7 @@
             </a:endParaRPr>
           </a:p>
           <a:p>
-            <a:pPr indent="-342900" lvl="0" marL="457200" rtl="0" algn="l">
+            <a:pPr marL="457200" lvl="0" indent="-342900" algn="l" rtl="0">
               <a:spcBef>
                 <a:spcPts val="0"/>
               </a:spcBef>
@@ -7516,7 +7750,7 @@
             </a:endParaRPr>
           </a:p>
           <a:p>
-            <a:pPr indent="0" lvl="0" marL="457200" rtl="0" algn="l">
+            <a:pPr marL="457200" lvl="0" indent="0" algn="l" rtl="0">
               <a:spcBef>
                 <a:spcPts val="1200"/>
               </a:spcBef>
@@ -7525,9 +7759,6 @@
               </a:spcAft>
               <a:buNone/>
             </a:pPr>
-            <a:r>
-              <a:t/>
-            </a:r>
             <a:endParaRPr>
               <a:solidFill>
                 <a:srgbClr val="333333"/>
@@ -7535,7 +7766,7 @@
             </a:endParaRPr>
           </a:p>
           <a:p>
-            <a:pPr indent="0" lvl="0" marL="0" rtl="0" algn="l">
+            <a:pPr marL="0" lvl="0" indent="0" algn="l" rtl="0">
               <a:spcBef>
                 <a:spcPts val="1200"/>
               </a:spcBef>
@@ -7544,9 +7775,6 @@
               </a:spcAft>
               <a:buNone/>
             </a:pPr>
-            <a:r>
-              <a:t/>
-            </a:r>
             <a:endParaRPr/>
           </a:p>
         </p:txBody>
@@ -7560,11 +7788,11 @@
 </file>
 
 <file path=ppt/slides/slide12.xml><?xml version="1.0" encoding="utf-8"?>
-<p:sld xmlns:a="http://schemas.openxmlformats.org/drawingml/2006/main" xmlns:r="http://schemas.openxmlformats.org/officeDocument/2006/relationships" xmlns:mc="http://schemas.openxmlformats.org/markup-compatibility/2006" xmlns:mv="urn:schemas-microsoft-com:mac:vml" xmlns:p="http://schemas.openxmlformats.org/presentationml/2006/main" xmlns:c="http://schemas.openxmlformats.org/drawingml/2006/chart" xmlns:dgm="http://schemas.openxmlformats.org/drawingml/2006/diagram" xmlns:o="urn:schemas-microsoft-com:office:office" xmlns:v="urn:schemas-microsoft-com:vml" xmlns:pvml="urn:schemas-microsoft-com:office:powerpoint" xmlns:com="http://schemas.openxmlformats.org/drawingml/2006/compatibility" xmlns:p14="http://schemas.microsoft.com/office/powerpoint/2010/main" xmlns:p15="http://schemas.microsoft.com/office/powerpoint/2012/main" xmlns:ahyp="http://schemas.microsoft.com/office/drawing/2018/hyperlinkcolor">
+<p:sld xmlns:a="http://schemas.openxmlformats.org/drawingml/2006/main" xmlns:r="http://schemas.openxmlformats.org/officeDocument/2006/relationships" xmlns:p="http://schemas.openxmlformats.org/presentationml/2006/main">
   <p:cSld>
     <p:spTree>
       <p:nvGrpSpPr>
-        <p:cNvPr id="126" name="Shape 126"/>
+        <p:cNvPr id="1" name="Shape 126"/>
         <p:cNvGrpSpPr/>
         <p:nvPr/>
       </p:nvGrpSpPr>
@@ -7579,7 +7807,9 @@
       <p:sp>
         <p:nvSpPr>
           <p:cNvPr id="127" name="Google Shape;127;p24"/>
-          <p:cNvSpPr txBox="1"/>
+          <p:cNvSpPr txBox="1">
+            <a:spLocks noGrp="1"/>
+          </p:cNvSpPr>
           <p:nvPr>
             <p:ph type="title"/>
           </p:nvPr>
@@ -7594,12 +7824,12 @@
           </a:prstGeom>
         </p:spPr>
         <p:txBody>
-          <a:bodyPr anchorCtr="0" anchor="t" bIns="91425" lIns="91425" spcFirstLastPara="1" rIns="91425" wrap="square" tIns="91425">
+          <a:bodyPr spcFirstLastPara="1" wrap="square" lIns="91425" tIns="91425" rIns="91425" bIns="91425" anchor="t" anchorCtr="0">
             <a:normAutofit fontScale="90000"/>
           </a:bodyPr>
           <a:lstStyle/>
           <a:p>
-            <a:pPr indent="0" lvl="0" marL="0" rtl="0" algn="l">
+            <a:pPr marL="0" lvl="0" indent="0" algn="l" rtl="0">
               <a:spcBef>
                 <a:spcPts val="0"/>
               </a:spcBef>
@@ -7619,9 +7849,11 @@
       <p:sp>
         <p:nvSpPr>
           <p:cNvPr id="128" name="Google Shape;128;p24"/>
-          <p:cNvSpPr txBox="1"/>
+          <p:cNvSpPr txBox="1">
+            <a:spLocks noGrp="1"/>
+          </p:cNvSpPr>
           <p:nvPr>
-            <p:ph idx="1" type="body"/>
+            <p:ph type="body" idx="1"/>
           </p:nvPr>
         </p:nvSpPr>
         <p:spPr>
@@ -7634,12 +7866,12 @@
           </a:prstGeom>
         </p:spPr>
         <p:txBody>
-          <a:bodyPr anchorCtr="0" anchor="t" bIns="91425" lIns="91425" spcFirstLastPara="1" rIns="91425" wrap="square" tIns="91425">
+          <a:bodyPr spcFirstLastPara="1" wrap="square" lIns="91425" tIns="91425" rIns="91425" bIns="91425" anchor="t" anchorCtr="0">
             <a:normAutofit/>
           </a:bodyPr>
           <a:lstStyle/>
           <a:p>
-            <a:pPr indent="-298450" lvl="0" marL="457200" rtl="0" algn="l">
+            <a:pPr marL="457200" lvl="0" indent="-298450" algn="l" rtl="0">
               <a:spcBef>
                 <a:spcPts val="0"/>
               </a:spcBef>
@@ -7674,7 +7906,7 @@
             </a:endParaRPr>
           </a:p>
           <a:p>
-            <a:pPr indent="-298450" lvl="0" marL="457200" rtl="0" algn="l">
+            <a:pPr marL="457200" lvl="0" indent="-298450" algn="l" rtl="0">
               <a:spcBef>
                 <a:spcPts val="0"/>
               </a:spcBef>
@@ -7709,7 +7941,7 @@
             </a:endParaRPr>
           </a:p>
           <a:p>
-            <a:pPr indent="-298450" lvl="0" marL="457200" rtl="0" algn="l">
+            <a:pPr marL="457200" lvl="0" indent="-298450" algn="l" rtl="0">
               <a:spcBef>
                 <a:spcPts val="0"/>
               </a:spcBef>
@@ -7744,7 +7976,7 @@
             </a:endParaRPr>
           </a:p>
           <a:p>
-            <a:pPr indent="-298450" lvl="0" marL="457200" rtl="0" algn="l">
+            <a:pPr marL="457200" lvl="0" indent="-298450" algn="l" rtl="0">
               <a:spcBef>
                 <a:spcPts val="0"/>
               </a:spcBef>
@@ -7815,11 +8047,11 @@
 </file>
 
 <file path=ppt/slides/slide13.xml><?xml version="1.0" encoding="utf-8"?>
-<p:sld xmlns:a="http://schemas.openxmlformats.org/drawingml/2006/main" xmlns:r="http://schemas.openxmlformats.org/officeDocument/2006/relationships" xmlns:mc="http://schemas.openxmlformats.org/markup-compatibility/2006" xmlns:mv="urn:schemas-microsoft-com:mac:vml" xmlns:p="http://schemas.openxmlformats.org/presentationml/2006/main" xmlns:c="http://schemas.openxmlformats.org/drawingml/2006/chart" xmlns:dgm="http://schemas.openxmlformats.org/drawingml/2006/diagram" xmlns:o="urn:schemas-microsoft-com:office:office" xmlns:v="urn:schemas-microsoft-com:vml" xmlns:pvml="urn:schemas-microsoft-com:office:powerpoint" xmlns:com="http://schemas.openxmlformats.org/drawingml/2006/compatibility" xmlns:p14="http://schemas.microsoft.com/office/powerpoint/2010/main" xmlns:p15="http://schemas.microsoft.com/office/powerpoint/2012/main" xmlns:ahyp="http://schemas.microsoft.com/office/drawing/2018/hyperlinkcolor">
+<p:sld xmlns:a="http://schemas.openxmlformats.org/drawingml/2006/main" xmlns:r="http://schemas.openxmlformats.org/officeDocument/2006/relationships" xmlns:p="http://schemas.openxmlformats.org/presentationml/2006/main">
   <p:cSld>
     <p:spTree>
       <p:nvGrpSpPr>
-        <p:cNvPr id="132" name="Shape 132"/>
+        <p:cNvPr id="1" name="Shape 132"/>
         <p:cNvGrpSpPr/>
         <p:nvPr/>
       </p:nvGrpSpPr>
@@ -7834,7 +8066,9 @@
       <p:sp>
         <p:nvSpPr>
           <p:cNvPr id="133" name="Google Shape;133;p25"/>
-          <p:cNvSpPr txBox="1"/>
+          <p:cNvSpPr txBox="1">
+            <a:spLocks noGrp="1"/>
+          </p:cNvSpPr>
           <p:nvPr>
             <p:ph type="title"/>
           </p:nvPr>
@@ -7849,12 +8083,12 @@
           </a:prstGeom>
         </p:spPr>
         <p:txBody>
-          <a:bodyPr anchorCtr="0" anchor="t" bIns="91425" lIns="91425" spcFirstLastPara="1" rIns="91425" wrap="square" tIns="91425">
+          <a:bodyPr spcFirstLastPara="1" wrap="square" lIns="91425" tIns="91425" rIns="91425" bIns="91425" anchor="t" anchorCtr="0">
             <a:normAutofit fontScale="90000"/>
           </a:bodyPr>
           <a:lstStyle/>
           <a:p>
-            <a:pPr indent="0" lvl="0" marL="0" rtl="0" algn="l">
+            <a:pPr marL="0" lvl="0" indent="0" algn="l" rtl="0">
               <a:spcBef>
                 <a:spcPts val="0"/>
               </a:spcBef>
@@ -7874,9 +8108,11 @@
       <p:sp>
         <p:nvSpPr>
           <p:cNvPr id="134" name="Google Shape;134;p25"/>
-          <p:cNvSpPr txBox="1"/>
+          <p:cNvSpPr txBox="1">
+            <a:spLocks noGrp="1"/>
+          </p:cNvSpPr>
           <p:nvPr>
-            <p:ph idx="1" type="body"/>
+            <p:ph type="body" idx="1"/>
           </p:nvPr>
         </p:nvSpPr>
         <p:spPr>
@@ -7889,12 +8125,12 @@
           </a:prstGeom>
         </p:spPr>
         <p:txBody>
-          <a:bodyPr anchorCtr="0" anchor="t" bIns="91425" lIns="91425" spcFirstLastPara="1" rIns="91425" wrap="square" tIns="91425">
+          <a:bodyPr spcFirstLastPara="1" wrap="square" lIns="91425" tIns="91425" rIns="91425" bIns="91425" anchor="t" anchorCtr="0">
             <a:normAutofit/>
           </a:bodyPr>
           <a:lstStyle/>
           <a:p>
-            <a:pPr indent="0" lvl="0" marL="0" rtl="0" algn="l">
+            <a:pPr marL="0" lvl="0" indent="0" algn="l" rtl="0">
               <a:spcBef>
                 <a:spcPts val="1200"/>
               </a:spcBef>
@@ -7917,21 +8153,21 @@
               <a:t>💬 </a:t>
             </a:r>
             <a:r>
-              <a:rPr i="1" lang="en-GB" sz="1100">
+              <a:rPr lang="en-GB" sz="1100" i="1">
                 <a:solidFill>
                   <a:schemeClr val="dk1"/>
                 </a:solidFill>
               </a:rPr>
               <a:t>"Explore the full dashboard here:"</a:t>
             </a:r>
-            <a:endParaRPr i="1" sz="1100">
+            <a:endParaRPr sz="1100" i="1">
               <a:solidFill>
                 <a:schemeClr val="dk1"/>
               </a:solidFill>
             </a:endParaRPr>
           </a:p>
           <a:p>
-            <a:pPr indent="0" lvl="0" marL="0" rtl="0" algn="l">
+            <a:pPr marL="0" lvl="0" indent="0" algn="l" rtl="0">
               <a:spcBef>
                 <a:spcPts val="1200"/>
               </a:spcBef>
@@ -7964,7 +8200,7 @@
                 <a:hlinkClick r:id="rId3">
                   <a:extLst>
                     <a:ext uri="{A12FA001-AC4F-418D-AE19-62706E023703}">
-                      <ahyp:hlinkClr val="tx"/>
+                      <ahyp:hlinkClr xmlns:ahyp="http://schemas.microsoft.com/office/drawing/2018/hyperlinkcolor" val="tx"/>
                     </a:ext>
                   </a:extLst>
                 </a:hlinkClick>
@@ -7972,22 +8208,22 @@
               <a:t> </a:t>
             </a:r>
             <a:r>
-              <a:rPr b="1" lang="en-GB" sz="1100" u="sng">
+              <a:rPr lang="en-GB" sz="1100" b="1" u="sng">
                 <a:solidFill>
                   <a:schemeClr val="hlink"/>
                 </a:solidFill>
-                <a:hlinkClick r:id="rId4"/>
+                <a:hlinkClick r:id="rId3"/>
               </a:rPr>
               <a:t>Click to open the live report</a:t>
             </a:r>
-            <a:endParaRPr b="1" sz="1100" u="sng">
+            <a:endParaRPr sz="1100" b="1" u="sng">
               <a:solidFill>
                 <a:schemeClr val="hlink"/>
               </a:solidFill>
             </a:endParaRPr>
           </a:p>
           <a:p>
-            <a:pPr indent="0" lvl="0" marL="0" rtl="0" algn="l">
+            <a:pPr marL="0" lvl="0" indent="0" algn="l" rtl="0">
               <a:spcBef>
                 <a:spcPts val="1200"/>
               </a:spcBef>
@@ -7996,9 +8232,6 @@
               </a:spcAft>
               <a:buNone/>
             </a:pPr>
-            <a:r>
-              <a:t/>
-            </a:r>
             <a:endParaRPr/>
           </a:p>
         </p:txBody>
@@ -8012,11 +8245,11 @@
 </file>
 
 <file path=ppt/slides/slide2.xml><?xml version="1.0" encoding="utf-8"?>
-<p:sld xmlns:a="http://schemas.openxmlformats.org/drawingml/2006/main" xmlns:r="http://schemas.openxmlformats.org/officeDocument/2006/relationships" xmlns:mc="http://schemas.openxmlformats.org/markup-compatibility/2006" xmlns:mv="urn:schemas-microsoft-com:mac:vml" xmlns:p="http://schemas.openxmlformats.org/presentationml/2006/main" xmlns:c="http://schemas.openxmlformats.org/drawingml/2006/chart" xmlns:dgm="http://schemas.openxmlformats.org/drawingml/2006/diagram" xmlns:o="urn:schemas-microsoft-com:office:office" xmlns:v="urn:schemas-microsoft-com:vml" xmlns:pvml="urn:schemas-microsoft-com:office:powerpoint" xmlns:com="http://schemas.openxmlformats.org/drawingml/2006/compatibility" xmlns:p14="http://schemas.microsoft.com/office/powerpoint/2010/main" xmlns:p15="http://schemas.microsoft.com/office/powerpoint/2012/main" xmlns:ahyp="http://schemas.microsoft.com/office/drawing/2018/hyperlinkcolor">
+<p:sld xmlns:a="http://schemas.openxmlformats.org/drawingml/2006/main" xmlns:r="http://schemas.openxmlformats.org/officeDocument/2006/relationships" xmlns:p="http://schemas.openxmlformats.org/presentationml/2006/main">
   <p:cSld>
     <p:spTree>
       <p:nvGrpSpPr>
-        <p:cNvPr id="59" name="Shape 59"/>
+        <p:cNvPr id="1" name="Shape 59"/>
         <p:cNvGrpSpPr/>
         <p:nvPr/>
       </p:nvGrpSpPr>
@@ -8031,7 +8264,9 @@
       <p:sp>
         <p:nvSpPr>
           <p:cNvPr id="60" name="Google Shape;60;p14"/>
-          <p:cNvSpPr txBox="1"/>
+          <p:cNvSpPr txBox="1">
+            <a:spLocks noGrp="1"/>
+          </p:cNvSpPr>
           <p:nvPr>
             <p:ph type="title"/>
           </p:nvPr>
@@ -8046,12 +8281,12 @@
           </a:prstGeom>
         </p:spPr>
         <p:txBody>
-          <a:bodyPr anchorCtr="0" anchor="t" bIns="91425" lIns="91425" spcFirstLastPara="1" rIns="91425" wrap="square" tIns="91425">
+          <a:bodyPr spcFirstLastPara="1" wrap="square" lIns="91425" tIns="91425" rIns="91425" bIns="91425" anchor="t" anchorCtr="0">
             <a:normAutofit fontScale="90000"/>
           </a:bodyPr>
           <a:lstStyle/>
           <a:p>
-            <a:pPr indent="0" lvl="0" marL="0" rtl="0" algn="l">
+            <a:pPr marL="0" lvl="0" indent="0" algn="l" rtl="0">
               <a:spcBef>
                 <a:spcPts val="0"/>
               </a:spcBef>
@@ -8079,9 +8314,11 @@
       <p:sp>
         <p:nvSpPr>
           <p:cNvPr id="61" name="Google Shape;61;p14"/>
-          <p:cNvSpPr txBox="1"/>
+          <p:cNvSpPr txBox="1">
+            <a:spLocks noGrp="1"/>
+          </p:cNvSpPr>
           <p:nvPr>
-            <p:ph idx="1" type="body"/>
+            <p:ph type="body" idx="1"/>
           </p:nvPr>
         </p:nvSpPr>
         <p:spPr>
@@ -8094,12 +8331,12 @@
           </a:prstGeom>
         </p:spPr>
         <p:txBody>
-          <a:bodyPr anchorCtr="0" anchor="t" bIns="91425" lIns="91425" spcFirstLastPara="1" rIns="91425" wrap="square" tIns="91425">
+          <a:bodyPr spcFirstLastPara="1" wrap="square" lIns="91425" tIns="91425" rIns="91425" bIns="91425" anchor="t" anchorCtr="0">
             <a:normAutofit/>
           </a:bodyPr>
           <a:lstStyle/>
           <a:p>
-            <a:pPr indent="-342900" lvl="0" marL="457200" rtl="0" algn="l">
+            <a:pPr marL="457200" lvl="0" indent="-342900" algn="l" rtl="0">
               <a:spcBef>
                 <a:spcPts val="0"/>
               </a:spcBef>
@@ -8134,7 +8371,7 @@
             </a:endParaRPr>
           </a:p>
           <a:p>
-            <a:pPr indent="-342900" lvl="0" marL="457200" rtl="0" algn="l">
+            <a:pPr marL="457200" lvl="0" indent="-342900" algn="l" rtl="0">
               <a:spcBef>
                 <a:spcPts val="0"/>
               </a:spcBef>
@@ -8169,7 +8406,7 @@
             </a:endParaRPr>
           </a:p>
           <a:p>
-            <a:pPr indent="-342900" lvl="0" marL="457200" rtl="0" algn="l">
+            <a:pPr marL="457200" lvl="0" indent="-342900" algn="l" rtl="0">
               <a:spcBef>
                 <a:spcPts val="0"/>
               </a:spcBef>
@@ -8204,7 +8441,7 @@
             </a:endParaRPr>
           </a:p>
           <a:p>
-            <a:pPr indent="-342900" lvl="0" marL="457200" rtl="0" algn="l">
+            <a:pPr marL="457200" lvl="0" indent="-342900" algn="l" rtl="0">
               <a:spcBef>
                 <a:spcPts val="0"/>
               </a:spcBef>
@@ -8232,7 +8469,7 @@
             </a:endParaRPr>
           </a:p>
           <a:p>
-            <a:pPr indent="0" lvl="0" marL="0" rtl="0" algn="l">
+            <a:pPr marL="0" lvl="0" indent="0" algn="l" rtl="0">
               <a:spcBef>
                 <a:spcPts val="1200"/>
               </a:spcBef>
@@ -8241,9 +8478,6 @@
               </a:spcAft>
               <a:buNone/>
             </a:pPr>
-            <a:r>
-              <a:t/>
-            </a:r>
             <a:endParaRPr/>
           </a:p>
         </p:txBody>
@@ -8257,11 +8491,11 @@
 </file>
 
 <file path=ppt/slides/slide3.xml><?xml version="1.0" encoding="utf-8"?>
-<p:sld xmlns:a="http://schemas.openxmlformats.org/drawingml/2006/main" xmlns:r="http://schemas.openxmlformats.org/officeDocument/2006/relationships" xmlns:mc="http://schemas.openxmlformats.org/markup-compatibility/2006" xmlns:mv="urn:schemas-microsoft-com:mac:vml" xmlns:p="http://schemas.openxmlformats.org/presentationml/2006/main" xmlns:c="http://schemas.openxmlformats.org/drawingml/2006/chart" xmlns:dgm="http://schemas.openxmlformats.org/drawingml/2006/diagram" xmlns:o="urn:schemas-microsoft-com:office:office" xmlns:v="urn:schemas-microsoft-com:vml" xmlns:pvml="urn:schemas-microsoft-com:office:powerpoint" xmlns:com="http://schemas.openxmlformats.org/drawingml/2006/compatibility" xmlns:p14="http://schemas.microsoft.com/office/powerpoint/2010/main" xmlns:p15="http://schemas.microsoft.com/office/powerpoint/2012/main" xmlns:ahyp="http://schemas.microsoft.com/office/drawing/2018/hyperlinkcolor">
+<p:sld xmlns:a="http://schemas.openxmlformats.org/drawingml/2006/main" xmlns:r="http://schemas.openxmlformats.org/officeDocument/2006/relationships" xmlns:p="http://schemas.openxmlformats.org/presentationml/2006/main">
   <p:cSld>
     <p:spTree>
       <p:nvGrpSpPr>
-        <p:cNvPr id="65" name="Shape 65"/>
+        <p:cNvPr id="1" name="Shape 65"/>
         <p:cNvGrpSpPr/>
         <p:nvPr/>
       </p:nvGrpSpPr>
@@ -8276,7 +8510,9 @@
       <p:sp>
         <p:nvSpPr>
           <p:cNvPr id="66" name="Google Shape;66;p15"/>
-          <p:cNvSpPr txBox="1"/>
+          <p:cNvSpPr txBox="1">
+            <a:spLocks noGrp="1"/>
+          </p:cNvSpPr>
           <p:nvPr>
             <p:ph type="title"/>
           </p:nvPr>
@@ -8291,12 +8527,12 @@
           </a:prstGeom>
         </p:spPr>
         <p:txBody>
-          <a:bodyPr anchorCtr="0" anchor="t" bIns="91425" lIns="91425" spcFirstLastPara="1" rIns="91425" wrap="square" tIns="91425">
+          <a:bodyPr spcFirstLastPara="1" wrap="square" lIns="91425" tIns="91425" rIns="91425" bIns="91425" anchor="t" anchorCtr="0">
             <a:normAutofit fontScale="90000"/>
           </a:bodyPr>
           <a:lstStyle/>
           <a:p>
-            <a:pPr indent="0" lvl="0" marL="0" rtl="0" algn="l">
+            <a:pPr marL="0" lvl="0" indent="0" algn="l" rtl="0">
               <a:spcBef>
                 <a:spcPts val="0"/>
               </a:spcBef>
@@ -8316,9 +8552,11 @@
       <p:sp>
         <p:nvSpPr>
           <p:cNvPr id="67" name="Google Shape;67;p15"/>
-          <p:cNvSpPr txBox="1"/>
+          <p:cNvSpPr txBox="1">
+            <a:spLocks noGrp="1"/>
+          </p:cNvSpPr>
           <p:nvPr>
-            <p:ph idx="1" type="body"/>
+            <p:ph type="body" idx="1"/>
           </p:nvPr>
         </p:nvSpPr>
         <p:spPr>
@@ -8331,12 +8569,12 @@
           </a:prstGeom>
         </p:spPr>
         <p:txBody>
-          <a:bodyPr anchorCtr="0" anchor="t" bIns="91425" lIns="91425" spcFirstLastPara="1" rIns="91425" wrap="square" tIns="91425">
+          <a:bodyPr spcFirstLastPara="1" wrap="square" lIns="91425" tIns="91425" rIns="91425" bIns="91425" anchor="t" anchorCtr="0">
             <a:normAutofit/>
           </a:bodyPr>
           <a:lstStyle/>
           <a:p>
-            <a:pPr indent="-304800" lvl="0" marL="457200" rtl="0" algn="l">
+            <a:pPr marL="457200" lvl="0" indent="-304800" algn="l" rtl="0">
               <a:lnSpc>
                 <a:spcPct val="100000"/>
               </a:lnSpc>
@@ -8411,7 +8649,7 @@
             </a:endParaRPr>
           </a:p>
           <a:p>
-            <a:pPr indent="-304800" lvl="0" marL="457200" rtl="0" algn="l">
+            <a:pPr marL="457200" lvl="0" indent="-304800" algn="l" rtl="0">
               <a:lnSpc>
                 <a:spcPct val="100000"/>
               </a:lnSpc>
@@ -8442,7 +8680,7 @@
             </a:endParaRPr>
           </a:p>
           <a:p>
-            <a:pPr indent="0" lvl="0" marL="457200" rtl="0" algn="l">
+            <a:pPr marL="457200" lvl="0" indent="0" algn="l" rtl="0">
               <a:lnSpc>
                 <a:spcPct val="100000"/>
               </a:lnSpc>
@@ -8454,9 +8692,6 @@
               </a:spcAft>
               <a:buNone/>
             </a:pPr>
-            <a:r>
-              <a:t/>
-            </a:r>
             <a:endParaRPr sz="1200">
               <a:solidFill>
                 <a:srgbClr val="000000"/>
@@ -8464,7 +8699,7 @@
             </a:endParaRPr>
           </a:p>
           <a:p>
-            <a:pPr indent="-304800" lvl="0" marL="457200" rtl="0" algn="l">
+            <a:pPr marL="457200" lvl="0" indent="-304800" algn="l" rtl="0">
               <a:lnSpc>
                 <a:spcPct val="100000"/>
               </a:lnSpc>
@@ -8502,7 +8737,7 @@
             </a:endParaRPr>
           </a:p>
           <a:p>
-            <a:pPr indent="-304800" lvl="0" marL="457200" rtl="0" algn="l">
+            <a:pPr marL="457200" lvl="0" indent="-304800" algn="l" rtl="0">
               <a:lnSpc>
                 <a:spcPct val="100000"/>
               </a:lnSpc>
@@ -8533,7 +8768,7 @@
             </a:endParaRPr>
           </a:p>
           <a:p>
-            <a:pPr indent="0" lvl="0" marL="0" rtl="0" algn="l">
+            <a:pPr marL="0" lvl="0" indent="0" algn="l" rtl="0">
               <a:spcBef>
                 <a:spcPts val="0"/>
               </a:spcBef>
@@ -8542,13 +8777,10 @@
               </a:spcAft>
               <a:buNone/>
             </a:pPr>
-            <a:r>
-              <a:t/>
-            </a:r>
             <a:endParaRPr/>
           </a:p>
           <a:p>
-            <a:pPr indent="0" lvl="0" marL="0" rtl="0" algn="l">
+            <a:pPr marL="0" lvl="0" indent="0" algn="l" rtl="0">
               <a:spcBef>
                 <a:spcPts val="1200"/>
               </a:spcBef>
@@ -8557,13 +8789,10 @@
               </a:spcAft>
               <a:buNone/>
             </a:pPr>
-            <a:r>
-              <a:t/>
-            </a:r>
             <a:endParaRPr/>
           </a:p>
           <a:p>
-            <a:pPr indent="0" lvl="0" marL="0" rtl="0" algn="l">
+            <a:pPr marL="0" lvl="0" indent="0" algn="l" rtl="0">
               <a:spcBef>
                 <a:spcPts val="1200"/>
               </a:spcBef>
@@ -8572,9 +8801,6 @@
               </a:spcAft>
               <a:buNone/>
             </a:pPr>
-            <a:r>
-              <a:t/>
-            </a:r>
             <a:endParaRPr/>
           </a:p>
         </p:txBody>
@@ -8616,11 +8842,11 @@
 </file>
 
 <file path=ppt/slides/slide4.xml><?xml version="1.0" encoding="utf-8"?>
-<p:sld xmlns:a="http://schemas.openxmlformats.org/drawingml/2006/main" xmlns:r="http://schemas.openxmlformats.org/officeDocument/2006/relationships" xmlns:mc="http://schemas.openxmlformats.org/markup-compatibility/2006" xmlns:mv="urn:schemas-microsoft-com:mac:vml" xmlns:p="http://schemas.openxmlformats.org/presentationml/2006/main" xmlns:c="http://schemas.openxmlformats.org/drawingml/2006/chart" xmlns:dgm="http://schemas.openxmlformats.org/drawingml/2006/diagram" xmlns:o="urn:schemas-microsoft-com:office:office" xmlns:v="urn:schemas-microsoft-com:vml" xmlns:pvml="urn:schemas-microsoft-com:office:powerpoint" xmlns:com="http://schemas.openxmlformats.org/drawingml/2006/compatibility" xmlns:p14="http://schemas.microsoft.com/office/powerpoint/2010/main" xmlns:p15="http://schemas.microsoft.com/office/powerpoint/2012/main" xmlns:ahyp="http://schemas.microsoft.com/office/drawing/2018/hyperlinkcolor">
+<p:sld xmlns:a="http://schemas.openxmlformats.org/drawingml/2006/main" xmlns:r="http://schemas.openxmlformats.org/officeDocument/2006/relationships" xmlns:p="http://schemas.openxmlformats.org/presentationml/2006/main">
   <p:cSld>
     <p:spTree>
       <p:nvGrpSpPr>
-        <p:cNvPr id="72" name="Shape 72"/>
+        <p:cNvPr id="1" name="Shape 72"/>
         <p:cNvGrpSpPr/>
         <p:nvPr/>
       </p:nvGrpSpPr>
@@ -8635,7 +8861,9 @@
       <p:sp>
         <p:nvSpPr>
           <p:cNvPr id="73" name="Google Shape;73;p16"/>
-          <p:cNvSpPr txBox="1"/>
+          <p:cNvSpPr txBox="1">
+            <a:spLocks noGrp="1"/>
+          </p:cNvSpPr>
           <p:nvPr>
             <p:ph type="title"/>
           </p:nvPr>
@@ -8650,12 +8878,12 @@
           </a:prstGeom>
         </p:spPr>
         <p:txBody>
-          <a:bodyPr anchorCtr="0" anchor="t" bIns="91425" lIns="91425" spcFirstLastPara="1" rIns="91425" wrap="square" tIns="91425">
+          <a:bodyPr spcFirstLastPara="1" wrap="square" lIns="91425" tIns="91425" rIns="91425" bIns="91425" anchor="t" anchorCtr="0">
             <a:normAutofit fontScale="90000"/>
           </a:bodyPr>
           <a:lstStyle/>
           <a:p>
-            <a:pPr indent="0" lvl="0" marL="0" rtl="0" algn="l">
+            <a:pPr marL="0" lvl="0" indent="0" algn="l" rtl="0">
               <a:spcBef>
                 <a:spcPts val="0"/>
               </a:spcBef>
@@ -8675,9 +8903,11 @@
       <p:sp>
         <p:nvSpPr>
           <p:cNvPr id="74" name="Google Shape;74;p16"/>
-          <p:cNvSpPr txBox="1"/>
+          <p:cNvSpPr txBox="1">
+            <a:spLocks noGrp="1"/>
+          </p:cNvSpPr>
           <p:nvPr>
-            <p:ph idx="1" type="body"/>
+            <p:ph type="body" idx="1"/>
           </p:nvPr>
         </p:nvSpPr>
         <p:spPr>
@@ -8690,12 +8920,12 @@
           </a:prstGeom>
         </p:spPr>
         <p:txBody>
-          <a:bodyPr anchorCtr="0" anchor="t" bIns="91425" lIns="91425" spcFirstLastPara="1" rIns="91425" wrap="square" tIns="91425">
+          <a:bodyPr spcFirstLastPara="1" wrap="square" lIns="91425" tIns="91425" rIns="91425" bIns="91425" anchor="t" anchorCtr="0">
             <a:normAutofit/>
           </a:bodyPr>
           <a:lstStyle/>
           <a:p>
-            <a:pPr indent="-298450" lvl="0" marL="457200" rtl="0" algn="l">
+            <a:pPr marL="457200" lvl="0" indent="-298450" algn="l" rtl="0">
               <a:spcBef>
                 <a:spcPts val="0"/>
               </a:spcBef>
@@ -8709,7 +8939,7 @@
               <a:buChar char="●"/>
             </a:pPr>
             <a:r>
-              <a:rPr b="1" lang="en-GB" sz="1100">
+              <a:rPr lang="en-GB" sz="1100" b="1">
                 <a:solidFill>
                   <a:schemeClr val="dk1"/>
                 </a:solidFill>
@@ -8738,7 +8968,7 @@
             </a:endParaRPr>
           </a:p>
           <a:p>
-            <a:pPr indent="-298450" lvl="0" marL="457200" rtl="0" algn="l">
+            <a:pPr marL="457200" lvl="0" indent="-298450" algn="l" rtl="0">
               <a:spcBef>
                 <a:spcPts val="0"/>
               </a:spcBef>
@@ -8752,7 +8982,7 @@
               <a:buChar char="●"/>
             </a:pPr>
             <a:r>
-              <a:rPr b="1" lang="en-GB" sz="1100">
+              <a:rPr lang="en-GB" sz="1100" b="1">
                 <a:solidFill>
                   <a:schemeClr val="dk1"/>
                 </a:solidFill>
@@ -8781,7 +9011,7 @@
             </a:endParaRPr>
           </a:p>
           <a:p>
-            <a:pPr indent="-298450" lvl="0" marL="457200" rtl="0" algn="l">
+            <a:pPr marL="457200" lvl="0" indent="-298450" algn="l" rtl="0">
               <a:spcBef>
                 <a:spcPts val="0"/>
               </a:spcBef>
@@ -8795,7 +9025,7 @@
               <a:buChar char="●"/>
             </a:pPr>
             <a:r>
-              <a:rPr b="1" lang="en-GB" sz="1100">
+              <a:rPr lang="en-GB" sz="1100" b="1">
                 <a:solidFill>
                   <a:schemeClr val="dk1"/>
                 </a:solidFill>
@@ -8824,7 +9054,7 @@
             </a:endParaRPr>
           </a:p>
           <a:p>
-            <a:pPr indent="-298450" lvl="0" marL="457200" rtl="0" algn="l">
+            <a:pPr marL="457200" lvl="0" indent="-298450" algn="l" rtl="0">
               <a:spcBef>
                 <a:spcPts val="0"/>
               </a:spcBef>
@@ -8859,7 +9089,7 @@
             </a:endParaRPr>
           </a:p>
           <a:p>
-            <a:pPr indent="-298450" lvl="0" marL="457200" rtl="0" algn="l">
+            <a:pPr marL="457200" lvl="0" indent="-298450" algn="l" rtl="0">
               <a:spcBef>
                 <a:spcPts val="0"/>
               </a:spcBef>
@@ -8887,7 +9117,7 @@
             </a:endParaRPr>
           </a:p>
           <a:p>
-            <a:pPr indent="0" lvl="0" marL="0" rtl="0" algn="l">
+            <a:pPr marL="0" lvl="0" indent="0" algn="l" rtl="0">
               <a:spcBef>
                 <a:spcPts val="1200"/>
               </a:spcBef>
@@ -8896,9 +9126,6 @@
               </a:spcAft>
               <a:buNone/>
             </a:pPr>
-            <a:r>
-              <a:t/>
-            </a:r>
             <a:endParaRPr/>
           </a:p>
         </p:txBody>
@@ -8912,11 +9139,11 @@
 </file>
 
 <file path=ppt/slides/slide5.xml><?xml version="1.0" encoding="utf-8"?>
-<p:sld xmlns:a="http://schemas.openxmlformats.org/drawingml/2006/main" xmlns:r="http://schemas.openxmlformats.org/officeDocument/2006/relationships" xmlns:mc="http://schemas.openxmlformats.org/markup-compatibility/2006" xmlns:mv="urn:schemas-microsoft-com:mac:vml" xmlns:p="http://schemas.openxmlformats.org/presentationml/2006/main" xmlns:c="http://schemas.openxmlformats.org/drawingml/2006/chart" xmlns:dgm="http://schemas.openxmlformats.org/drawingml/2006/diagram" xmlns:o="urn:schemas-microsoft-com:office:office" xmlns:v="urn:schemas-microsoft-com:vml" xmlns:pvml="urn:schemas-microsoft-com:office:powerpoint" xmlns:com="http://schemas.openxmlformats.org/drawingml/2006/compatibility" xmlns:p14="http://schemas.microsoft.com/office/powerpoint/2010/main" xmlns:p15="http://schemas.microsoft.com/office/powerpoint/2012/main" xmlns:ahyp="http://schemas.microsoft.com/office/drawing/2018/hyperlinkcolor">
+<p:sld xmlns:a="http://schemas.openxmlformats.org/drawingml/2006/main" xmlns:r="http://schemas.openxmlformats.org/officeDocument/2006/relationships" xmlns:p="http://schemas.openxmlformats.org/presentationml/2006/main">
   <p:cSld>
     <p:spTree>
       <p:nvGrpSpPr>
-        <p:cNvPr id="78" name="Shape 78"/>
+        <p:cNvPr id="1" name="Shape 78"/>
         <p:cNvGrpSpPr/>
         <p:nvPr/>
       </p:nvGrpSpPr>
@@ -8931,7 +9158,9 @@
       <p:sp>
         <p:nvSpPr>
           <p:cNvPr id="79" name="Google Shape;79;p17"/>
-          <p:cNvSpPr txBox="1"/>
+          <p:cNvSpPr txBox="1">
+            <a:spLocks noGrp="1"/>
+          </p:cNvSpPr>
           <p:nvPr>
             <p:ph type="title"/>
           </p:nvPr>
@@ -8946,12 +9175,12 @@
           </a:prstGeom>
         </p:spPr>
         <p:txBody>
-          <a:bodyPr anchorCtr="0" anchor="t" bIns="91425" lIns="91425" spcFirstLastPara="1" rIns="91425" wrap="square" tIns="91425">
+          <a:bodyPr spcFirstLastPara="1" wrap="square" lIns="91425" tIns="91425" rIns="91425" bIns="91425" anchor="t" anchorCtr="0">
             <a:normAutofit fontScale="90000"/>
           </a:bodyPr>
           <a:lstStyle/>
           <a:p>
-            <a:pPr indent="0" lvl="0" marL="0" rtl="0" algn="l">
+            <a:pPr marL="0" lvl="0" indent="0" algn="l" rtl="0">
               <a:spcBef>
                 <a:spcPts val="0"/>
               </a:spcBef>
@@ -8979,9 +9208,11 @@
       <p:sp>
         <p:nvSpPr>
           <p:cNvPr id="80" name="Google Shape;80;p17"/>
-          <p:cNvSpPr txBox="1"/>
+          <p:cNvSpPr txBox="1">
+            <a:spLocks noGrp="1"/>
+          </p:cNvSpPr>
           <p:nvPr>
-            <p:ph idx="1" type="body"/>
+            <p:ph type="body" idx="1"/>
           </p:nvPr>
         </p:nvSpPr>
         <p:spPr>
@@ -8994,12 +9225,12 @@
           </a:prstGeom>
         </p:spPr>
         <p:txBody>
-          <a:bodyPr anchorCtr="0" anchor="t" bIns="91425" lIns="91425" spcFirstLastPara="1" rIns="91425" wrap="square" tIns="91425">
+          <a:bodyPr spcFirstLastPara="1" wrap="square" lIns="91425" tIns="91425" rIns="91425" bIns="91425" anchor="t" anchorCtr="0">
             <a:normAutofit/>
           </a:bodyPr>
           <a:lstStyle/>
           <a:p>
-            <a:pPr indent="0" lvl="0" marL="0" rtl="0" algn="l">
+            <a:pPr marL="0" lvl="0" indent="0" algn="l" rtl="0">
               <a:spcBef>
                 <a:spcPts val="0"/>
               </a:spcBef>
@@ -9008,9 +9239,6 @@
               </a:spcAft>
               <a:buNone/>
             </a:pPr>
-            <a:r>
-              <a:t/>
-            </a:r>
             <a:endParaRPr/>
           </a:p>
         </p:txBody>
@@ -9030,13 +9258,37 @@
             <a:tbl>
               <a:tblPr>
                 <a:noFill/>
-                <a:tableStyleId>{A612B0FF-0A78-48FC-ADEF-ED637E8CCF5F}</a:tableStyleId>
+                <a:tableStyleId>{DB912796-6853-49F6-AF95-4EB31F6BE7B2}</a:tableStyleId>
               </a:tblPr>
               <a:tblGrid>
-                <a:gridCol w="2130150"/>
-                <a:gridCol w="2130150"/>
-                <a:gridCol w="2130150"/>
-                <a:gridCol w="2130150"/>
+                <a:gridCol w="2130150">
+                  <a:extLst>
+                    <a:ext uri="{9D8B030D-6E8A-4147-A177-3AD203B41FA5}">
+                      <a16:colId xmlns:a16="http://schemas.microsoft.com/office/drawing/2014/main" val="20000"/>
+                    </a:ext>
+                  </a:extLst>
+                </a:gridCol>
+                <a:gridCol w="2130150">
+                  <a:extLst>
+                    <a:ext uri="{9D8B030D-6E8A-4147-A177-3AD203B41FA5}">
+                      <a16:colId xmlns:a16="http://schemas.microsoft.com/office/drawing/2014/main" val="20001"/>
+                    </a:ext>
+                  </a:extLst>
+                </a:gridCol>
+                <a:gridCol w="2130150">
+                  <a:extLst>
+                    <a:ext uri="{9D8B030D-6E8A-4147-A177-3AD203B41FA5}">
+                      <a16:colId xmlns:a16="http://schemas.microsoft.com/office/drawing/2014/main" val="20002"/>
+                    </a:ext>
+                  </a:extLst>
+                </a:gridCol>
+                <a:gridCol w="2130150">
+                  <a:extLst>
+                    <a:ext uri="{9D8B030D-6E8A-4147-A177-3AD203B41FA5}">
+                      <a16:colId xmlns:a16="http://schemas.microsoft.com/office/drawing/2014/main" val="20003"/>
+                    </a:ext>
+                  </a:extLst>
+                </a:gridCol>
               </a:tblGrid>
               <a:tr h="326750">
                 <a:tc>
@@ -9044,7 +9296,7 @@
                     <a:bodyPr/>
                     <a:lstStyle/>
                     <a:p>
-                      <a:pPr indent="0" lvl="0" marL="0" rtl="0" algn="ctr">
+                      <a:pPr marL="0" lvl="0" indent="0" algn="ctr" rtl="0">
                         <a:lnSpc>
                           <a:spcPct val="115000"/>
                         </a:lnSpc>
@@ -9057,20 +9309,20 @@
                         <a:buNone/>
                       </a:pPr>
                       <a:r>
-                        <a:rPr b="1" lang="en-GB" sz="1200"/>
+                        <a:rPr lang="en-GB" sz="1200" b="1"/>
                         <a:t>Emoji</a:t>
                       </a:r>
-                      <a:endParaRPr b="1" sz="1200"/>
+                      <a:endParaRPr sz="1200" b="1"/>
                     </a:p>
                   </a:txBody>
-                  <a:tcPr marT="91425" marB="91425" marR="91425" marL="91425"/>
+                  <a:tcPr marL="91425" marR="91425" marT="91425" marB="91425"/>
                 </a:tc>
                 <a:tc>
                   <a:txBody>
                     <a:bodyPr/>
                     <a:lstStyle/>
                     <a:p>
-                      <a:pPr indent="0" lvl="0" marL="0" rtl="0" algn="ctr">
+                      <a:pPr marL="0" lvl="0" indent="0" algn="ctr" rtl="0">
                         <a:lnSpc>
                           <a:spcPct val="115000"/>
                         </a:lnSpc>
@@ -9083,20 +9335,20 @@
                         <a:buNone/>
                       </a:pPr>
                       <a:r>
-                        <a:rPr b="1" lang="en-GB" sz="1200"/>
+                        <a:rPr lang="en-GB" sz="1200" b="1"/>
                         <a:t>Segment Name</a:t>
                       </a:r>
-                      <a:endParaRPr b="1" sz="1200"/>
+                      <a:endParaRPr sz="1200" b="1"/>
                     </a:p>
                   </a:txBody>
-                  <a:tcPr marT="91425" marB="91425" marR="91425" marL="91425"/>
+                  <a:tcPr marL="91425" marR="91425" marT="91425" marB="91425"/>
                 </a:tc>
                 <a:tc>
                   <a:txBody>
                     <a:bodyPr/>
                     <a:lstStyle/>
                     <a:p>
-                      <a:pPr indent="0" lvl="0" marL="0" rtl="0" algn="ctr">
+                      <a:pPr marL="0" lvl="0" indent="0" algn="ctr" rtl="0">
                         <a:lnSpc>
                           <a:spcPct val="115000"/>
                         </a:lnSpc>
@@ -9109,20 +9361,20 @@
                         <a:buNone/>
                       </a:pPr>
                       <a:r>
-                        <a:rPr b="1" lang="en-GB" sz="1200"/>
+                        <a:rPr lang="en-GB" sz="1200" b="1"/>
                         <a:t>SQL Logic</a:t>
                       </a:r>
-                      <a:endParaRPr b="1" sz="1200"/>
+                      <a:endParaRPr sz="1200" b="1"/>
                     </a:p>
                   </a:txBody>
-                  <a:tcPr marT="91425" marB="91425" marR="91425" marL="91425"/>
+                  <a:tcPr marL="91425" marR="91425" marT="91425" marB="91425"/>
                 </a:tc>
                 <a:tc>
                   <a:txBody>
                     <a:bodyPr/>
                     <a:lstStyle/>
                     <a:p>
-                      <a:pPr indent="0" lvl="0" marL="0" rtl="0" algn="ctr">
+                      <a:pPr marL="0" lvl="0" indent="0" algn="ctr" rtl="0">
                         <a:lnSpc>
                           <a:spcPct val="115000"/>
                         </a:lnSpc>
@@ -9135,14 +9387,19 @@
                         <a:buNone/>
                       </a:pPr>
                       <a:r>
-                        <a:rPr b="1" lang="en-GB" sz="1200"/>
+                        <a:rPr lang="en-GB" sz="1200" b="1"/>
                         <a:t>Description</a:t>
                       </a:r>
-                      <a:endParaRPr b="1" sz="1200"/>
+                      <a:endParaRPr sz="1200" b="1"/>
                     </a:p>
                   </a:txBody>
-                  <a:tcPr marT="91425" marB="91425" marR="91425" marL="91425"/>
+                  <a:tcPr marL="91425" marR="91425" marT="91425" marB="91425"/>
                 </a:tc>
+                <a:extLst>
+                  <a:ext uri="{0D108BD9-81ED-4DB2-BD59-A6C34878D82A}">
+                    <a16:rowId xmlns:a16="http://schemas.microsoft.com/office/drawing/2014/main" val="10000"/>
+                  </a:ext>
+                </a:extLst>
               </a:tr>
               <a:tr h="547450">
                 <a:tc>
@@ -9150,7 +9407,7 @@
                     <a:bodyPr/>
                     <a:lstStyle/>
                     <a:p>
-                      <a:pPr indent="0" lvl="0" marL="0" rtl="0" algn="l">
+                      <a:pPr marL="0" lvl="0" indent="0" algn="l" rtl="0">
                         <a:spcBef>
                           <a:spcPts val="0"/>
                         </a:spcBef>
@@ -9166,14 +9423,14 @@
                       <a:endParaRPr sz="800"/>
                     </a:p>
                   </a:txBody>
-                  <a:tcPr marT="91425" marB="91425" marR="91425" marL="91425"/>
+                  <a:tcPr marL="91425" marR="91425" marT="91425" marB="91425"/>
                 </a:tc>
                 <a:tc>
                   <a:txBody>
                     <a:bodyPr/>
                     <a:lstStyle/>
                     <a:p>
-                      <a:pPr indent="0" lvl="0" marL="0" rtl="0" algn="l">
+                      <a:pPr marL="0" lvl="0" indent="0" algn="l" rtl="0">
                         <a:spcBef>
                           <a:spcPts val="0"/>
                         </a:spcBef>
@@ -9189,14 +9446,14 @@
                       <a:endParaRPr sz="800"/>
                     </a:p>
                   </a:txBody>
-                  <a:tcPr marT="91425" marB="91425" marR="91425" marL="91425"/>
+                  <a:tcPr marL="91425" marR="91425" marT="91425" marB="91425"/>
                 </a:tc>
                 <a:tc>
                   <a:txBody>
                     <a:bodyPr/>
                     <a:lstStyle/>
                     <a:p>
-                      <a:pPr indent="0" lvl="0" marL="0" rtl="0" algn="l">
+                      <a:pPr marL="0" lvl="0" indent="0" algn="l" rtl="0">
                         <a:spcBef>
                           <a:spcPts val="0"/>
                         </a:spcBef>
@@ -9228,14 +9485,14 @@
                       </a:endParaRPr>
                     </a:p>
                   </a:txBody>
-                  <a:tcPr marT="91425" marB="91425" marR="91425" marL="91425"/>
+                  <a:tcPr marL="91425" marR="91425" marT="91425" marB="91425"/>
                 </a:tc>
                 <a:tc>
                   <a:txBody>
                     <a:bodyPr/>
                     <a:lstStyle/>
                     <a:p>
-                      <a:pPr indent="0" lvl="0" marL="0" rtl="0" algn="l">
+                      <a:pPr marL="0" lvl="0" indent="0" algn="l" rtl="0">
                         <a:spcBef>
                           <a:spcPts val="0"/>
                         </a:spcBef>
@@ -9251,8 +9508,13 @@
                       <a:endParaRPr sz="800"/>
                     </a:p>
                   </a:txBody>
-                  <a:tcPr marT="91425" marB="91425" marR="91425" marL="91425"/>
+                  <a:tcPr marL="91425" marR="91425" marT="91425" marB="91425"/>
                 </a:tc>
+                <a:extLst>
+                  <a:ext uri="{0D108BD9-81ED-4DB2-BD59-A6C34878D82A}">
+                    <a16:rowId xmlns:a16="http://schemas.microsoft.com/office/drawing/2014/main" val="10001"/>
+                  </a:ext>
+                </a:extLst>
               </a:tr>
               <a:tr h="407900">
                 <a:tc>
@@ -9260,7 +9522,7 @@
                     <a:bodyPr/>
                     <a:lstStyle/>
                     <a:p>
-                      <a:pPr indent="0" lvl="0" marL="0" rtl="0" algn="l">
+                      <a:pPr marL="0" lvl="0" indent="0" algn="l" rtl="0">
                         <a:spcBef>
                           <a:spcPts val="0"/>
                         </a:spcBef>
@@ -9276,14 +9538,14 @@
                       <a:endParaRPr sz="800"/>
                     </a:p>
                   </a:txBody>
-                  <a:tcPr marT="91425" marB="91425" marR="91425" marL="91425"/>
+                  <a:tcPr marL="91425" marR="91425" marT="91425" marB="91425"/>
                 </a:tc>
                 <a:tc>
                   <a:txBody>
                     <a:bodyPr/>
                     <a:lstStyle/>
                     <a:p>
-                      <a:pPr indent="0" lvl="0" marL="0" rtl="0" algn="l">
+                      <a:pPr marL="0" lvl="0" indent="0" algn="l" rtl="0">
                         <a:spcBef>
                           <a:spcPts val="0"/>
                         </a:spcBef>
@@ -9299,14 +9561,14 @@
                       <a:endParaRPr sz="800"/>
                     </a:p>
                   </a:txBody>
-                  <a:tcPr marT="91425" marB="91425" marR="91425" marL="91425"/>
+                  <a:tcPr marL="91425" marR="91425" marT="91425" marB="91425"/>
                 </a:tc>
                 <a:tc>
                   <a:txBody>
                     <a:bodyPr/>
                     <a:lstStyle/>
                     <a:p>
-                      <a:pPr indent="0" lvl="0" marL="0" rtl="0" algn="l">
+                      <a:pPr marL="0" lvl="0" indent="0" algn="l" rtl="0">
                         <a:spcBef>
                           <a:spcPts val="0"/>
                         </a:spcBef>
@@ -9338,14 +9600,14 @@
                       </a:endParaRPr>
                     </a:p>
                   </a:txBody>
-                  <a:tcPr marT="91425" marB="91425" marR="91425" marL="91425"/>
+                  <a:tcPr marL="91425" marR="91425" marT="91425" marB="91425"/>
                 </a:tc>
                 <a:tc>
                   <a:txBody>
                     <a:bodyPr/>
                     <a:lstStyle/>
                     <a:p>
-                      <a:pPr indent="0" lvl="0" marL="0" rtl="0" algn="l">
+                      <a:pPr marL="0" lvl="0" indent="0" algn="l" rtl="0">
                         <a:spcBef>
                           <a:spcPts val="0"/>
                         </a:spcBef>
@@ -9361,8 +9623,13 @@
                       <a:endParaRPr sz="800"/>
                     </a:p>
                   </a:txBody>
-                  <a:tcPr marT="91425" marB="91425" marR="91425" marL="91425"/>
+                  <a:tcPr marL="91425" marR="91425" marT="91425" marB="91425"/>
                 </a:tc>
+                <a:extLst>
+                  <a:ext uri="{0D108BD9-81ED-4DB2-BD59-A6C34878D82A}">
+                    <a16:rowId xmlns:a16="http://schemas.microsoft.com/office/drawing/2014/main" val="10002"/>
+                  </a:ext>
+                </a:extLst>
               </a:tr>
               <a:tr h="407900">
                 <a:tc>
@@ -9370,7 +9637,7 @@
                     <a:bodyPr/>
                     <a:lstStyle/>
                     <a:p>
-                      <a:pPr indent="0" lvl="0" marL="0" rtl="0" algn="l">
+                      <a:pPr marL="0" lvl="0" indent="0" algn="l" rtl="0">
                         <a:spcBef>
                           <a:spcPts val="0"/>
                         </a:spcBef>
@@ -9386,14 +9653,14 @@
                       <a:endParaRPr sz="800"/>
                     </a:p>
                   </a:txBody>
-                  <a:tcPr marT="91425" marB="91425" marR="91425" marL="91425"/>
+                  <a:tcPr marL="91425" marR="91425" marT="91425" marB="91425"/>
                 </a:tc>
                 <a:tc>
                   <a:txBody>
                     <a:bodyPr/>
                     <a:lstStyle/>
                     <a:p>
-                      <a:pPr indent="0" lvl="0" marL="0" rtl="0" algn="l">
+                      <a:pPr marL="0" lvl="0" indent="0" algn="l" rtl="0">
                         <a:spcBef>
                           <a:spcPts val="0"/>
                         </a:spcBef>
@@ -9409,14 +9676,14 @@
                       <a:endParaRPr sz="800"/>
                     </a:p>
                   </a:txBody>
-                  <a:tcPr marT="91425" marB="91425" marR="91425" marL="91425"/>
+                  <a:tcPr marL="91425" marR="91425" marT="91425" marB="91425"/>
                 </a:tc>
                 <a:tc>
                   <a:txBody>
                     <a:bodyPr/>
                     <a:lstStyle/>
                     <a:p>
-                      <a:pPr indent="0" lvl="0" marL="0" rtl="0" algn="l">
+                      <a:pPr marL="0" lvl="0" indent="0" algn="l" rtl="0">
                         <a:spcBef>
                           <a:spcPts val="0"/>
                         </a:spcBef>
@@ -9448,14 +9715,14 @@
                       </a:endParaRPr>
                     </a:p>
                   </a:txBody>
-                  <a:tcPr marT="91425" marB="91425" marR="91425" marL="91425"/>
+                  <a:tcPr marL="91425" marR="91425" marT="91425" marB="91425"/>
                 </a:tc>
                 <a:tc>
                   <a:txBody>
                     <a:bodyPr/>
                     <a:lstStyle/>
                     <a:p>
-                      <a:pPr indent="0" lvl="0" marL="0" rtl="0" algn="l">
+                      <a:pPr marL="0" lvl="0" indent="0" algn="l" rtl="0">
                         <a:spcBef>
                           <a:spcPts val="0"/>
                         </a:spcBef>
@@ -9471,8 +9738,13 @@
                       <a:endParaRPr sz="800"/>
                     </a:p>
                   </a:txBody>
-                  <a:tcPr marT="91425" marB="91425" marR="91425" marL="91425"/>
+                  <a:tcPr marL="91425" marR="91425" marT="91425" marB="91425"/>
                 </a:tc>
+                <a:extLst>
+                  <a:ext uri="{0D108BD9-81ED-4DB2-BD59-A6C34878D82A}">
+                    <a16:rowId xmlns:a16="http://schemas.microsoft.com/office/drawing/2014/main" val="10003"/>
+                  </a:ext>
+                </a:extLst>
               </a:tr>
               <a:tr h="407900">
                 <a:tc>
@@ -9480,7 +9752,7 @@
                     <a:bodyPr/>
                     <a:lstStyle/>
                     <a:p>
-                      <a:pPr indent="0" lvl="0" marL="0" rtl="0" algn="l">
+                      <a:pPr marL="0" lvl="0" indent="0" algn="l" rtl="0">
                         <a:spcBef>
                           <a:spcPts val="0"/>
                         </a:spcBef>
@@ -9496,14 +9768,14 @@
                       <a:endParaRPr sz="800"/>
                     </a:p>
                   </a:txBody>
-                  <a:tcPr marT="91425" marB="91425" marR="91425" marL="91425"/>
+                  <a:tcPr marL="91425" marR="91425" marT="91425" marB="91425"/>
                 </a:tc>
                 <a:tc>
                   <a:txBody>
                     <a:bodyPr/>
                     <a:lstStyle/>
                     <a:p>
-                      <a:pPr indent="0" lvl="0" marL="0" rtl="0" algn="l">
+                      <a:pPr marL="0" lvl="0" indent="0" algn="l" rtl="0">
                         <a:spcBef>
                           <a:spcPts val="0"/>
                         </a:spcBef>
@@ -9519,14 +9791,14 @@
                       <a:endParaRPr sz="800"/>
                     </a:p>
                   </a:txBody>
-                  <a:tcPr marT="91425" marB="91425" marR="91425" marL="91425"/>
+                  <a:tcPr marL="91425" marR="91425" marT="91425" marB="91425"/>
                 </a:tc>
                 <a:tc>
                   <a:txBody>
                     <a:bodyPr/>
                     <a:lstStyle/>
                     <a:p>
-                      <a:pPr indent="0" lvl="0" marL="0" rtl="0" algn="l">
+                      <a:pPr marL="0" lvl="0" indent="0" algn="l" rtl="0">
                         <a:spcBef>
                           <a:spcPts val="0"/>
                         </a:spcBef>
@@ -9558,14 +9830,14 @@
                       </a:endParaRPr>
                     </a:p>
                   </a:txBody>
-                  <a:tcPr marT="91425" marB="91425" marR="91425" marL="91425"/>
+                  <a:tcPr marL="91425" marR="91425" marT="91425" marB="91425"/>
                 </a:tc>
                 <a:tc>
                   <a:txBody>
                     <a:bodyPr/>
                     <a:lstStyle/>
                     <a:p>
-                      <a:pPr indent="0" lvl="0" marL="0" rtl="0" algn="l">
+                      <a:pPr marL="0" lvl="0" indent="0" algn="l" rtl="0">
                         <a:spcBef>
                           <a:spcPts val="0"/>
                         </a:spcBef>
@@ -9581,8 +9853,13 @@
                       <a:endParaRPr sz="800"/>
                     </a:p>
                   </a:txBody>
-                  <a:tcPr marT="91425" marB="91425" marR="91425" marL="91425"/>
+                  <a:tcPr marL="91425" marR="91425" marT="91425" marB="91425"/>
                 </a:tc>
+                <a:extLst>
+                  <a:ext uri="{0D108BD9-81ED-4DB2-BD59-A6C34878D82A}">
+                    <a16:rowId xmlns:a16="http://schemas.microsoft.com/office/drawing/2014/main" val="10004"/>
+                  </a:ext>
+                </a:extLst>
               </a:tr>
               <a:tr h="407900">
                 <a:tc>
@@ -9590,7 +9867,7 @@
                     <a:bodyPr/>
                     <a:lstStyle/>
                     <a:p>
-                      <a:pPr indent="0" lvl="0" marL="0" rtl="0" algn="l">
+                      <a:pPr marL="0" lvl="0" indent="0" algn="l" rtl="0">
                         <a:spcBef>
                           <a:spcPts val="0"/>
                         </a:spcBef>
@@ -9606,14 +9883,14 @@
                       <a:endParaRPr sz="800"/>
                     </a:p>
                   </a:txBody>
-                  <a:tcPr marT="91425" marB="91425" marR="91425" marL="91425"/>
+                  <a:tcPr marL="91425" marR="91425" marT="91425" marB="91425"/>
                 </a:tc>
                 <a:tc>
                   <a:txBody>
                     <a:bodyPr/>
                     <a:lstStyle/>
                     <a:p>
-                      <a:pPr indent="0" lvl="0" marL="0" rtl="0" algn="l">
+                      <a:pPr marL="0" lvl="0" indent="0" algn="l" rtl="0">
                         <a:spcBef>
                           <a:spcPts val="0"/>
                         </a:spcBef>
@@ -9629,14 +9906,14 @@
                       <a:endParaRPr sz="800"/>
                     </a:p>
                   </a:txBody>
-                  <a:tcPr marT="91425" marB="91425" marR="91425" marL="91425"/>
+                  <a:tcPr marL="91425" marR="91425" marT="91425" marB="91425"/>
                 </a:tc>
                 <a:tc>
                   <a:txBody>
                     <a:bodyPr/>
                     <a:lstStyle/>
                     <a:p>
-                      <a:pPr indent="0" lvl="0" marL="0" rtl="0" algn="l">
+                      <a:pPr marL="0" lvl="0" indent="0" algn="l" rtl="0">
                         <a:spcBef>
                           <a:spcPts val="0"/>
                         </a:spcBef>
@@ -9668,14 +9945,14 @@
                       </a:endParaRPr>
                     </a:p>
                   </a:txBody>
-                  <a:tcPr marT="91425" marB="91425" marR="91425" marL="91425"/>
+                  <a:tcPr marL="91425" marR="91425" marT="91425" marB="91425"/>
                 </a:tc>
                 <a:tc>
                   <a:txBody>
                     <a:bodyPr/>
                     <a:lstStyle/>
                     <a:p>
-                      <a:pPr indent="0" lvl="0" marL="0" rtl="0" algn="l">
+                      <a:pPr marL="0" lvl="0" indent="0" algn="l" rtl="0">
                         <a:spcBef>
                           <a:spcPts val="0"/>
                         </a:spcBef>
@@ -9691,8 +9968,13 @@
                       <a:endParaRPr sz="800"/>
                     </a:p>
                   </a:txBody>
-                  <a:tcPr marT="91425" marB="91425" marR="91425" marL="91425"/>
+                  <a:tcPr marL="91425" marR="91425" marT="91425" marB="91425"/>
                 </a:tc>
+                <a:extLst>
+                  <a:ext uri="{0D108BD9-81ED-4DB2-BD59-A6C34878D82A}">
+                    <a16:rowId xmlns:a16="http://schemas.microsoft.com/office/drawing/2014/main" val="10005"/>
+                  </a:ext>
+                </a:extLst>
               </a:tr>
               <a:tr h="407900">
                 <a:tc>
@@ -9700,7 +9982,7 @@
                     <a:bodyPr/>
                     <a:lstStyle/>
                     <a:p>
-                      <a:pPr indent="0" lvl="0" marL="0" rtl="0" algn="l">
+                      <a:pPr marL="0" lvl="0" indent="0" algn="l" rtl="0">
                         <a:spcBef>
                           <a:spcPts val="0"/>
                         </a:spcBef>
@@ -9716,14 +9998,14 @@
                       <a:endParaRPr sz="800"/>
                     </a:p>
                   </a:txBody>
-                  <a:tcPr marT="91425" marB="91425" marR="91425" marL="91425"/>
+                  <a:tcPr marL="91425" marR="91425" marT="91425" marB="91425"/>
                 </a:tc>
                 <a:tc>
                   <a:txBody>
                     <a:bodyPr/>
                     <a:lstStyle/>
                     <a:p>
-                      <a:pPr indent="0" lvl="0" marL="0" rtl="0" algn="l">
+                      <a:pPr marL="0" lvl="0" indent="0" algn="l" rtl="0">
                         <a:spcBef>
                           <a:spcPts val="0"/>
                         </a:spcBef>
@@ -9739,14 +10021,14 @@
                       <a:endParaRPr sz="800"/>
                     </a:p>
                   </a:txBody>
-                  <a:tcPr marT="91425" marB="91425" marR="91425" marL="91425"/>
+                  <a:tcPr marL="91425" marR="91425" marT="91425" marB="91425"/>
                 </a:tc>
                 <a:tc>
                   <a:txBody>
                     <a:bodyPr/>
                     <a:lstStyle/>
                     <a:p>
-                      <a:pPr indent="0" lvl="0" marL="0" rtl="0" algn="l">
+                      <a:pPr marL="0" lvl="0" indent="0" algn="l" rtl="0">
                         <a:spcBef>
                           <a:spcPts val="0"/>
                         </a:spcBef>
@@ -9778,14 +10060,14 @@
                       </a:endParaRPr>
                     </a:p>
                   </a:txBody>
-                  <a:tcPr marT="91425" marB="91425" marR="91425" marL="91425"/>
+                  <a:tcPr marL="91425" marR="91425" marT="91425" marB="91425"/>
                 </a:tc>
                 <a:tc>
                   <a:txBody>
                     <a:bodyPr/>
                     <a:lstStyle/>
                     <a:p>
-                      <a:pPr indent="0" lvl="0" marL="0" rtl="0" algn="l">
+                      <a:pPr marL="0" lvl="0" indent="0" algn="l" rtl="0">
                         <a:spcBef>
                           <a:spcPts val="0"/>
                         </a:spcBef>
@@ -9801,8 +10083,13 @@
                       <a:endParaRPr sz="800"/>
                     </a:p>
                   </a:txBody>
-                  <a:tcPr marT="91425" marB="91425" marR="91425" marL="91425"/>
+                  <a:tcPr marL="91425" marR="91425" marT="91425" marB="91425"/>
                 </a:tc>
+                <a:extLst>
+                  <a:ext uri="{0D108BD9-81ED-4DB2-BD59-A6C34878D82A}">
+                    <a16:rowId xmlns:a16="http://schemas.microsoft.com/office/drawing/2014/main" val="10006"/>
+                  </a:ext>
+                </a:extLst>
               </a:tr>
               <a:tr h="407900">
                 <a:tc>
@@ -9810,7 +10097,7 @@
                     <a:bodyPr/>
                     <a:lstStyle/>
                     <a:p>
-                      <a:pPr indent="0" lvl="0" marL="0" rtl="0" algn="l">
+                      <a:pPr marL="0" lvl="0" indent="0" algn="l" rtl="0">
                         <a:spcBef>
                           <a:spcPts val="0"/>
                         </a:spcBef>
@@ -9826,14 +10113,14 @@
                       <a:endParaRPr sz="800"/>
                     </a:p>
                   </a:txBody>
-                  <a:tcPr marT="91425" marB="91425" marR="91425" marL="91425"/>
+                  <a:tcPr marL="91425" marR="91425" marT="91425" marB="91425"/>
                 </a:tc>
                 <a:tc>
                   <a:txBody>
                     <a:bodyPr/>
                     <a:lstStyle/>
                     <a:p>
-                      <a:pPr indent="0" lvl="0" marL="0" rtl="0" algn="l">
+                      <a:pPr marL="0" lvl="0" indent="0" algn="l" rtl="0">
                         <a:spcBef>
                           <a:spcPts val="0"/>
                         </a:spcBef>
@@ -9849,14 +10136,14 @@
                       <a:endParaRPr sz="800"/>
                     </a:p>
                   </a:txBody>
-                  <a:tcPr marT="91425" marB="91425" marR="91425" marL="91425"/>
+                  <a:tcPr marL="91425" marR="91425" marT="91425" marB="91425"/>
                 </a:tc>
                 <a:tc>
                   <a:txBody>
                     <a:bodyPr/>
                     <a:lstStyle/>
                     <a:p>
-                      <a:pPr indent="0" lvl="0" marL="0" rtl="0" algn="l">
+                      <a:pPr marL="0" lvl="0" indent="0" algn="l" rtl="0">
                         <a:spcBef>
                           <a:spcPts val="0"/>
                         </a:spcBef>
@@ -9888,14 +10175,14 @@
                       </a:endParaRPr>
                     </a:p>
                   </a:txBody>
-                  <a:tcPr marT="91425" marB="91425" marR="91425" marL="91425"/>
+                  <a:tcPr marL="91425" marR="91425" marT="91425" marB="91425"/>
                 </a:tc>
                 <a:tc>
                   <a:txBody>
                     <a:bodyPr/>
                     <a:lstStyle/>
                     <a:p>
-                      <a:pPr indent="0" lvl="0" marL="0" rtl="0" algn="l">
+                      <a:pPr marL="0" lvl="0" indent="0" algn="l" rtl="0">
                         <a:spcBef>
                           <a:spcPts val="0"/>
                         </a:spcBef>
@@ -9911,8 +10198,13 @@
                       <a:endParaRPr sz="800"/>
                     </a:p>
                   </a:txBody>
-                  <a:tcPr marT="91425" marB="91425" marR="91425" marL="91425"/>
+                  <a:tcPr marL="91425" marR="91425" marT="91425" marB="91425"/>
                 </a:tc>
+                <a:extLst>
+                  <a:ext uri="{0D108BD9-81ED-4DB2-BD59-A6C34878D82A}">
+                    <a16:rowId xmlns:a16="http://schemas.microsoft.com/office/drawing/2014/main" val="10007"/>
+                  </a:ext>
+                </a:extLst>
               </a:tr>
             </a:tbl>
           </a:graphicData>
@@ -9927,11 +10219,11 @@
 </file>
 
 <file path=ppt/slides/slide6.xml><?xml version="1.0" encoding="utf-8"?>
-<p:sld xmlns:a="http://schemas.openxmlformats.org/drawingml/2006/main" xmlns:r="http://schemas.openxmlformats.org/officeDocument/2006/relationships" xmlns:mc="http://schemas.openxmlformats.org/markup-compatibility/2006" xmlns:mv="urn:schemas-microsoft-com:mac:vml" xmlns:p="http://schemas.openxmlformats.org/presentationml/2006/main" xmlns:c="http://schemas.openxmlformats.org/drawingml/2006/chart" xmlns:dgm="http://schemas.openxmlformats.org/drawingml/2006/diagram" xmlns:o="urn:schemas-microsoft-com:office:office" xmlns:v="urn:schemas-microsoft-com:vml" xmlns:pvml="urn:schemas-microsoft-com:office:powerpoint" xmlns:com="http://schemas.openxmlformats.org/drawingml/2006/compatibility" xmlns:p14="http://schemas.microsoft.com/office/powerpoint/2010/main" xmlns:p15="http://schemas.microsoft.com/office/powerpoint/2012/main" xmlns:ahyp="http://schemas.microsoft.com/office/drawing/2018/hyperlinkcolor">
+<p:sld xmlns:a="http://schemas.openxmlformats.org/drawingml/2006/main" xmlns:r="http://schemas.openxmlformats.org/officeDocument/2006/relationships" xmlns:p="http://schemas.openxmlformats.org/presentationml/2006/main">
   <p:cSld>
     <p:spTree>
       <p:nvGrpSpPr>
-        <p:cNvPr id="85" name="Shape 85"/>
+        <p:cNvPr id="1" name="Shape 85"/>
         <p:cNvGrpSpPr/>
         <p:nvPr/>
       </p:nvGrpSpPr>
@@ -9946,7 +10238,9 @@
       <p:sp>
         <p:nvSpPr>
           <p:cNvPr id="86" name="Google Shape;86;p18"/>
-          <p:cNvSpPr txBox="1"/>
+          <p:cNvSpPr txBox="1">
+            <a:spLocks noGrp="1"/>
+          </p:cNvSpPr>
           <p:nvPr>
             <p:ph type="title"/>
           </p:nvPr>
@@ -9961,12 +10255,12 @@
           </a:prstGeom>
         </p:spPr>
         <p:txBody>
-          <a:bodyPr anchorCtr="0" anchor="t" bIns="91425" lIns="91425" spcFirstLastPara="1" rIns="91425" wrap="square" tIns="91425">
+          <a:bodyPr spcFirstLastPara="1" wrap="square" lIns="91425" tIns="91425" rIns="91425" bIns="91425" anchor="t" anchorCtr="0">
             <a:normAutofit fontScale="90000"/>
           </a:bodyPr>
           <a:lstStyle/>
           <a:p>
-            <a:pPr indent="0" lvl="0" marL="0" rtl="0" algn="l">
+            <a:pPr marL="0" lvl="0" indent="0" algn="l" rtl="0">
               <a:spcBef>
                 <a:spcPts val="0"/>
               </a:spcBef>
@@ -9986,9 +10280,11 @@
       <p:sp>
         <p:nvSpPr>
           <p:cNvPr id="87" name="Google Shape;87;p18"/>
-          <p:cNvSpPr txBox="1"/>
+          <p:cNvSpPr txBox="1">
+            <a:spLocks noGrp="1"/>
+          </p:cNvSpPr>
           <p:nvPr>
-            <p:ph idx="1" type="body"/>
+            <p:ph type="body" idx="1"/>
           </p:nvPr>
         </p:nvSpPr>
         <p:spPr>
@@ -10001,12 +10297,12 @@
           </a:prstGeom>
         </p:spPr>
         <p:txBody>
-          <a:bodyPr anchorCtr="0" anchor="t" bIns="91425" lIns="91425" spcFirstLastPara="1" rIns="91425" wrap="square" tIns="91425">
+          <a:bodyPr spcFirstLastPara="1" wrap="square" lIns="91425" tIns="91425" rIns="91425" bIns="91425" anchor="t" anchorCtr="0">
             <a:normAutofit/>
           </a:bodyPr>
           <a:lstStyle/>
           <a:p>
-            <a:pPr indent="0" lvl="0" marL="0" rtl="0" algn="l">
+            <a:pPr marL="0" lvl="0" indent="0" algn="l" rtl="0">
               <a:spcBef>
                 <a:spcPts val="1400"/>
               </a:spcBef>
@@ -10015,9 +10311,6 @@
               </a:spcAft>
               <a:buNone/>
             </a:pPr>
-            <a:r>
-              <a:t/>
-            </a:r>
             <a:endParaRPr/>
           </a:p>
         </p:txBody>
@@ -10059,11 +10352,11 @@
 </file>
 
 <file path=ppt/slides/slide7.xml><?xml version="1.0" encoding="utf-8"?>
-<p:sld xmlns:a="http://schemas.openxmlformats.org/drawingml/2006/main" xmlns:r="http://schemas.openxmlformats.org/officeDocument/2006/relationships" xmlns:mc="http://schemas.openxmlformats.org/markup-compatibility/2006" xmlns:mv="urn:schemas-microsoft-com:mac:vml" xmlns:p="http://schemas.openxmlformats.org/presentationml/2006/main" xmlns:c="http://schemas.openxmlformats.org/drawingml/2006/chart" xmlns:dgm="http://schemas.openxmlformats.org/drawingml/2006/diagram" xmlns:o="urn:schemas-microsoft-com:office:office" xmlns:v="urn:schemas-microsoft-com:vml" xmlns:pvml="urn:schemas-microsoft-com:office:powerpoint" xmlns:com="http://schemas.openxmlformats.org/drawingml/2006/compatibility" xmlns:p14="http://schemas.microsoft.com/office/powerpoint/2010/main" xmlns:p15="http://schemas.microsoft.com/office/powerpoint/2012/main" xmlns:ahyp="http://schemas.microsoft.com/office/drawing/2018/hyperlinkcolor">
+<p:sld xmlns:a="http://schemas.openxmlformats.org/drawingml/2006/main" xmlns:r="http://schemas.openxmlformats.org/officeDocument/2006/relationships" xmlns:p="http://schemas.openxmlformats.org/presentationml/2006/main">
   <p:cSld>
     <p:spTree>
       <p:nvGrpSpPr>
-        <p:cNvPr id="92" name="Shape 92"/>
+        <p:cNvPr id="1" name="Shape 92"/>
         <p:cNvGrpSpPr/>
         <p:nvPr/>
       </p:nvGrpSpPr>
@@ -10078,7 +10371,9 @@
       <p:sp>
         <p:nvSpPr>
           <p:cNvPr id="93" name="Google Shape;93;p19"/>
-          <p:cNvSpPr txBox="1"/>
+          <p:cNvSpPr txBox="1">
+            <a:spLocks noGrp="1"/>
+          </p:cNvSpPr>
           <p:nvPr>
             <p:ph type="title"/>
           </p:nvPr>
@@ -10093,12 +10388,12 @@
           </a:prstGeom>
         </p:spPr>
         <p:txBody>
-          <a:bodyPr anchorCtr="0" anchor="t" bIns="91425" lIns="91425" spcFirstLastPara="1" rIns="91425" wrap="square" tIns="91425">
+          <a:bodyPr spcFirstLastPara="1" wrap="square" lIns="91425" tIns="91425" rIns="91425" bIns="91425" anchor="t" anchorCtr="0">
             <a:normAutofit fontScale="90000"/>
           </a:bodyPr>
           <a:lstStyle/>
           <a:p>
-            <a:pPr indent="0" lvl="0" marL="0" rtl="0" algn="l">
+            <a:pPr marL="0" lvl="0" indent="0" algn="l" rtl="0">
               <a:spcBef>
                 <a:spcPts val="0"/>
               </a:spcBef>
@@ -10118,9 +10413,11 @@
       <p:sp>
         <p:nvSpPr>
           <p:cNvPr id="94" name="Google Shape;94;p19"/>
-          <p:cNvSpPr txBox="1"/>
+          <p:cNvSpPr txBox="1">
+            <a:spLocks noGrp="1"/>
+          </p:cNvSpPr>
           <p:nvPr>
-            <p:ph idx="1" type="body"/>
+            <p:ph type="body" idx="1"/>
           </p:nvPr>
         </p:nvSpPr>
         <p:spPr>
@@ -10133,12 +10430,12 @@
           </a:prstGeom>
         </p:spPr>
         <p:txBody>
-          <a:bodyPr anchorCtr="0" anchor="t" bIns="91425" lIns="91425" spcFirstLastPara="1" rIns="91425" wrap="square" tIns="91425">
+          <a:bodyPr spcFirstLastPara="1" wrap="square" lIns="91425" tIns="91425" rIns="91425" bIns="91425" anchor="t" anchorCtr="0">
             <a:normAutofit/>
           </a:bodyPr>
           <a:lstStyle/>
           <a:p>
-            <a:pPr indent="0" lvl="0" marL="0" rtl="0" algn="l">
+            <a:pPr marL="0" lvl="0" indent="0" algn="l" rtl="0">
               <a:spcBef>
                 <a:spcPts val="0"/>
               </a:spcBef>
@@ -10147,9 +10444,6 @@
               </a:spcAft>
               <a:buNone/>
             </a:pPr>
-            <a:r>
-              <a:t/>
-            </a:r>
             <a:endParaRPr/>
           </a:p>
         </p:txBody>
@@ -10191,11 +10485,11 @@
 </file>
 
 <file path=ppt/slides/slide8.xml><?xml version="1.0" encoding="utf-8"?>
-<p:sld xmlns:a="http://schemas.openxmlformats.org/drawingml/2006/main" xmlns:r="http://schemas.openxmlformats.org/officeDocument/2006/relationships" xmlns:mc="http://schemas.openxmlformats.org/markup-compatibility/2006" xmlns:mv="urn:schemas-microsoft-com:mac:vml" xmlns:p="http://schemas.openxmlformats.org/presentationml/2006/main" xmlns:c="http://schemas.openxmlformats.org/drawingml/2006/chart" xmlns:dgm="http://schemas.openxmlformats.org/drawingml/2006/diagram" xmlns:o="urn:schemas-microsoft-com:office:office" xmlns:v="urn:schemas-microsoft-com:vml" xmlns:pvml="urn:schemas-microsoft-com:office:powerpoint" xmlns:com="http://schemas.openxmlformats.org/drawingml/2006/compatibility" xmlns:p14="http://schemas.microsoft.com/office/powerpoint/2010/main" xmlns:p15="http://schemas.microsoft.com/office/powerpoint/2012/main" xmlns:ahyp="http://schemas.microsoft.com/office/drawing/2018/hyperlinkcolor">
+<p:sld xmlns:a="http://schemas.openxmlformats.org/drawingml/2006/main" xmlns:r="http://schemas.openxmlformats.org/officeDocument/2006/relationships" xmlns:p="http://schemas.openxmlformats.org/presentationml/2006/main">
   <p:cSld>
     <p:spTree>
       <p:nvGrpSpPr>
-        <p:cNvPr id="99" name="Shape 99"/>
+        <p:cNvPr id="1" name="Shape 99"/>
         <p:cNvGrpSpPr/>
         <p:nvPr/>
       </p:nvGrpSpPr>
@@ -10210,7 +10504,9 @@
       <p:sp>
         <p:nvSpPr>
           <p:cNvPr id="100" name="Google Shape;100;p20"/>
-          <p:cNvSpPr txBox="1"/>
+          <p:cNvSpPr txBox="1">
+            <a:spLocks noGrp="1"/>
+          </p:cNvSpPr>
           <p:nvPr>
             <p:ph type="title"/>
           </p:nvPr>
@@ -10225,12 +10521,12 @@
           </a:prstGeom>
         </p:spPr>
         <p:txBody>
-          <a:bodyPr anchorCtr="0" anchor="t" bIns="91425" lIns="91425" spcFirstLastPara="1" rIns="91425" wrap="square" tIns="91425">
+          <a:bodyPr spcFirstLastPara="1" wrap="square" lIns="91425" tIns="91425" rIns="91425" bIns="91425" anchor="t" anchorCtr="0">
             <a:normAutofit fontScale="90000"/>
           </a:bodyPr>
           <a:lstStyle/>
           <a:p>
-            <a:pPr indent="0" lvl="0" marL="0" rtl="0" algn="l">
+            <a:pPr marL="0" lvl="0" indent="0" algn="l" rtl="0">
               <a:spcBef>
                 <a:spcPts val="0"/>
               </a:spcBef>
@@ -10250,9 +10546,11 @@
       <p:sp>
         <p:nvSpPr>
           <p:cNvPr id="101" name="Google Shape;101;p20"/>
-          <p:cNvSpPr txBox="1"/>
+          <p:cNvSpPr txBox="1">
+            <a:spLocks noGrp="1"/>
+          </p:cNvSpPr>
           <p:nvPr>
-            <p:ph idx="1" type="body"/>
+            <p:ph type="body" idx="1"/>
           </p:nvPr>
         </p:nvSpPr>
         <p:spPr>
@@ -10265,12 +10563,12 @@
           </a:prstGeom>
         </p:spPr>
         <p:txBody>
-          <a:bodyPr anchorCtr="0" anchor="t" bIns="91425" lIns="91425" spcFirstLastPara="1" rIns="91425" wrap="square" tIns="91425">
+          <a:bodyPr spcFirstLastPara="1" wrap="square" lIns="91425" tIns="91425" rIns="91425" bIns="91425" anchor="t" anchorCtr="0">
             <a:normAutofit/>
           </a:bodyPr>
           <a:lstStyle/>
           <a:p>
-            <a:pPr indent="0" lvl="0" marL="0" rtl="0" algn="l">
+            <a:pPr marL="0" lvl="0" indent="0" algn="l" rtl="0">
               <a:spcBef>
                 <a:spcPts val="0"/>
               </a:spcBef>
@@ -10279,9 +10577,6 @@
               </a:spcAft>
               <a:buNone/>
             </a:pPr>
-            <a:r>
-              <a:t/>
-            </a:r>
             <a:endParaRPr/>
           </a:p>
         </p:txBody>
@@ -10302,8 +10597,8 @@
         </p:blipFill>
         <p:spPr>
           <a:xfrm>
-            <a:off x="490325" y="1193900"/>
-            <a:ext cx="8196200" cy="3320250"/>
+            <a:off x="58275" y="976097"/>
+            <a:ext cx="9027451" cy="3626627"/>
           </a:xfrm>
           <a:prstGeom prst="rect">
             <a:avLst/>
@@ -10323,11 +10618,11 @@
 </file>
 
 <file path=ppt/slides/slide9.xml><?xml version="1.0" encoding="utf-8"?>
-<p:sld xmlns:a="http://schemas.openxmlformats.org/drawingml/2006/main" xmlns:r="http://schemas.openxmlformats.org/officeDocument/2006/relationships" xmlns:mc="http://schemas.openxmlformats.org/markup-compatibility/2006" xmlns:mv="urn:schemas-microsoft-com:mac:vml" xmlns:p="http://schemas.openxmlformats.org/presentationml/2006/main" xmlns:c="http://schemas.openxmlformats.org/drawingml/2006/chart" xmlns:dgm="http://schemas.openxmlformats.org/drawingml/2006/diagram" xmlns:o="urn:schemas-microsoft-com:office:office" xmlns:v="urn:schemas-microsoft-com:vml" xmlns:pvml="urn:schemas-microsoft-com:office:powerpoint" xmlns:com="http://schemas.openxmlformats.org/drawingml/2006/compatibility" xmlns:p14="http://schemas.microsoft.com/office/powerpoint/2010/main" xmlns:p15="http://schemas.microsoft.com/office/powerpoint/2012/main" xmlns:ahyp="http://schemas.microsoft.com/office/drawing/2018/hyperlinkcolor">
+<p:sld xmlns:a="http://schemas.openxmlformats.org/drawingml/2006/main" xmlns:r="http://schemas.openxmlformats.org/officeDocument/2006/relationships" xmlns:p="http://schemas.openxmlformats.org/presentationml/2006/main">
   <p:cSld>
     <p:spTree>
       <p:nvGrpSpPr>
-        <p:cNvPr id="106" name="Shape 106"/>
+        <p:cNvPr id="1" name="Shape 106"/>
         <p:cNvGrpSpPr/>
         <p:nvPr/>
       </p:nvGrpSpPr>
@@ -10342,7 +10637,9 @@
       <p:sp>
         <p:nvSpPr>
           <p:cNvPr id="107" name="Google Shape;107;p21"/>
-          <p:cNvSpPr txBox="1"/>
+          <p:cNvSpPr txBox="1">
+            <a:spLocks noGrp="1"/>
+          </p:cNvSpPr>
           <p:nvPr>
             <p:ph type="title"/>
           </p:nvPr>
@@ -10357,12 +10654,12 @@
           </a:prstGeom>
         </p:spPr>
         <p:txBody>
-          <a:bodyPr anchorCtr="0" anchor="t" bIns="91425" lIns="91425" spcFirstLastPara="1" rIns="91425" wrap="square" tIns="91425">
+          <a:bodyPr spcFirstLastPara="1" wrap="square" lIns="91425" tIns="91425" rIns="91425" bIns="91425" anchor="t" anchorCtr="0">
             <a:normAutofit fontScale="90000"/>
           </a:bodyPr>
           <a:lstStyle/>
           <a:p>
-            <a:pPr indent="0" lvl="0" marL="0" rtl="0" algn="l">
+            <a:pPr marL="0" lvl="0" indent="0" algn="l" rtl="0">
               <a:lnSpc>
                 <a:spcPct val="115000"/>
               </a:lnSpc>
@@ -10380,13 +10677,13 @@
               <a:buNone/>
             </a:pPr>
             <a:r>
-              <a:rPr b="1" lang="en-GB" sz="1300"/>
+              <a:rPr lang="en-GB" sz="1300" b="1"/>
               <a:t>✅ Recommendations by RFM Segment (based on the pie chart)</a:t>
             </a:r>
-            <a:endParaRPr b="1" sz="1300"/>
+            <a:endParaRPr sz="1300" b="1"/>
           </a:p>
           <a:p>
-            <a:pPr indent="0" lvl="0" marL="0" rtl="0" algn="l">
+            <a:pPr marL="0" lvl="0" indent="0" algn="l" rtl="0">
               <a:spcBef>
                 <a:spcPts val="400"/>
               </a:spcBef>
@@ -10395,9 +10692,6 @@
               </a:spcAft>
               <a:buNone/>
             </a:pPr>
-            <a:r>
-              <a:t/>
-            </a:r>
             <a:endParaRPr/>
           </a:p>
         </p:txBody>
@@ -10405,9 +10699,11 @@
       <p:sp>
         <p:nvSpPr>
           <p:cNvPr id="108" name="Google Shape;108;p21"/>
-          <p:cNvSpPr txBox="1"/>
+          <p:cNvSpPr txBox="1">
+            <a:spLocks noGrp="1"/>
+          </p:cNvSpPr>
           <p:nvPr>
-            <p:ph idx="1" type="body"/>
+            <p:ph type="body" idx="1"/>
           </p:nvPr>
         </p:nvSpPr>
         <p:spPr>
@@ -10420,12 +10716,12 @@
           </a:prstGeom>
         </p:spPr>
         <p:txBody>
-          <a:bodyPr anchorCtr="0" anchor="t" bIns="91425" lIns="91425" spcFirstLastPara="1" rIns="91425" wrap="square" tIns="91425">
+          <a:bodyPr spcFirstLastPara="1" wrap="square" lIns="91425" tIns="91425" rIns="91425" bIns="91425" anchor="t" anchorCtr="0">
             <a:noAutofit/>
           </a:bodyPr>
           <a:lstStyle/>
           <a:p>
-            <a:pPr indent="0" lvl="0" marL="457200" rtl="0" algn="l">
+            <a:pPr marL="457200" lvl="0" indent="0" algn="l" rtl="0">
               <a:spcBef>
                 <a:spcPts val="1200"/>
               </a:spcBef>
@@ -10434,9 +10730,6 @@
               </a:spcAft>
               <a:buNone/>
             </a:pPr>
-            <a:r>
-              <a:t/>
-            </a:r>
             <a:endParaRPr sz="700">
               <a:solidFill>
                 <a:schemeClr val="dk1"/>
@@ -10444,7 +10737,7 @@
             </a:endParaRPr>
           </a:p>
           <a:p>
-            <a:pPr indent="0" lvl="0" marL="0" rtl="0" algn="l">
+            <a:pPr marL="0" lvl="0" indent="0" algn="l" rtl="0">
               <a:spcBef>
                 <a:spcPts val="1200"/>
               </a:spcBef>
@@ -10467,7 +10760,7 @@
             </a:endParaRPr>
           </a:p>
           <a:p>
-            <a:pPr indent="0" lvl="0" marL="0" rtl="0" algn="l">
+            <a:pPr marL="0" lvl="0" indent="0" algn="l" rtl="0">
               <a:spcBef>
                 <a:spcPts val="1200"/>
               </a:spcBef>
@@ -10476,9 +10769,6 @@
               </a:spcAft>
               <a:buNone/>
             </a:pPr>
-            <a:r>
-              <a:t/>
-            </a:r>
             <a:endParaRPr sz="700"/>
           </a:p>
         </p:txBody>
@@ -10498,13 +10788,37 @@
             <a:tbl>
               <a:tblPr>
                 <a:noFill/>
-                <a:tableStyleId>{A612B0FF-0A78-48FC-ADEF-ED637E8CCF5F}</a:tableStyleId>
+                <a:tableStyleId>{DB912796-6853-49F6-AF95-4EB31F6BE7B2}</a:tableStyleId>
               </a:tblPr>
               <a:tblGrid>
-                <a:gridCol w="1809750"/>
-                <a:gridCol w="1809750"/>
-                <a:gridCol w="1809750"/>
-                <a:gridCol w="1809750"/>
+                <a:gridCol w="1809750">
+                  <a:extLst>
+                    <a:ext uri="{9D8B030D-6E8A-4147-A177-3AD203B41FA5}">
+                      <a16:colId xmlns:a16="http://schemas.microsoft.com/office/drawing/2014/main" val="20000"/>
+                    </a:ext>
+                  </a:extLst>
+                </a:gridCol>
+                <a:gridCol w="1809750">
+                  <a:extLst>
+                    <a:ext uri="{9D8B030D-6E8A-4147-A177-3AD203B41FA5}">
+                      <a16:colId xmlns:a16="http://schemas.microsoft.com/office/drawing/2014/main" val="20001"/>
+                    </a:ext>
+                  </a:extLst>
+                </a:gridCol>
+                <a:gridCol w="1809750">
+                  <a:extLst>
+                    <a:ext uri="{9D8B030D-6E8A-4147-A177-3AD203B41FA5}">
+                      <a16:colId xmlns:a16="http://schemas.microsoft.com/office/drawing/2014/main" val="20002"/>
+                    </a:ext>
+                  </a:extLst>
+                </a:gridCol>
+                <a:gridCol w="1809750">
+                  <a:extLst>
+                    <a:ext uri="{9D8B030D-6E8A-4147-A177-3AD203B41FA5}">
+                      <a16:colId xmlns:a16="http://schemas.microsoft.com/office/drawing/2014/main" val="20003"/>
+                    </a:ext>
+                  </a:extLst>
+                </a:gridCol>
               </a:tblGrid>
               <a:tr h="381000">
                 <a:tc>
@@ -10512,7 +10826,7 @@
                     <a:bodyPr/>
                     <a:lstStyle/>
                     <a:p>
-                      <a:pPr indent="0" lvl="0" marL="0" rtl="0" algn="ctr">
+                      <a:pPr marL="0" lvl="0" indent="0" algn="ctr" rtl="0">
                         <a:lnSpc>
                           <a:spcPct val="115000"/>
                         </a:lnSpc>
@@ -10525,20 +10839,20 @@
                         <a:buNone/>
                       </a:pPr>
                       <a:r>
-                        <a:rPr b="1" lang="en-GB" sz="1200"/>
+                        <a:rPr lang="en-GB" sz="1200" b="1"/>
                         <a:t>Segment</a:t>
                       </a:r>
-                      <a:endParaRPr b="1" sz="1200"/>
+                      <a:endParaRPr sz="1200" b="1"/>
                     </a:p>
                   </a:txBody>
-                  <a:tcPr marT="91425" marB="91425" marR="91425" marL="91425"/>
+                  <a:tcPr marL="91425" marR="91425" marT="91425" marB="91425"/>
                 </a:tc>
                 <a:tc>
                   <a:txBody>
                     <a:bodyPr/>
                     <a:lstStyle/>
                     <a:p>
-                      <a:pPr indent="0" lvl="0" marL="0" rtl="0" algn="ctr">
+                      <a:pPr marL="0" lvl="0" indent="0" algn="ctr" rtl="0">
                         <a:lnSpc>
                           <a:spcPct val="115000"/>
                         </a:lnSpc>
@@ -10551,20 +10865,20 @@
                         <a:buNone/>
                       </a:pPr>
                       <a:r>
-                        <a:rPr b="1" lang="en-GB" sz="1200"/>
+                        <a:rPr lang="en-GB" sz="1200" b="1"/>
                         <a:t>% of Users</a:t>
                       </a:r>
-                      <a:endParaRPr b="1" sz="1200"/>
+                      <a:endParaRPr sz="1200" b="1"/>
                     </a:p>
                   </a:txBody>
-                  <a:tcPr marT="91425" marB="91425" marR="91425" marL="91425"/>
+                  <a:tcPr marL="91425" marR="91425" marT="91425" marB="91425"/>
                 </a:tc>
                 <a:tc>
                   <a:txBody>
                     <a:bodyPr/>
                     <a:lstStyle/>
                     <a:p>
-                      <a:pPr indent="0" lvl="0" marL="0" rtl="0" algn="ctr">
+                      <a:pPr marL="0" lvl="0" indent="0" algn="ctr" rtl="0">
                         <a:lnSpc>
                           <a:spcPct val="115000"/>
                         </a:lnSpc>
@@ -10577,20 +10891,20 @@
                         <a:buNone/>
                       </a:pPr>
                       <a:r>
-                        <a:rPr b="1" lang="en-GB" sz="1200"/>
+                        <a:rPr lang="en-GB" sz="1200" b="1"/>
                         <a:t>Action</a:t>
                       </a:r>
-                      <a:endParaRPr b="1" sz="1200"/>
+                      <a:endParaRPr sz="1200" b="1"/>
                     </a:p>
                   </a:txBody>
-                  <a:tcPr marT="91425" marB="91425" marR="91425" marL="91425"/>
+                  <a:tcPr marL="91425" marR="91425" marT="91425" marB="91425"/>
                 </a:tc>
                 <a:tc>
                   <a:txBody>
                     <a:bodyPr/>
                     <a:lstStyle/>
                     <a:p>
-                      <a:pPr indent="0" lvl="0" marL="0" rtl="0" algn="ctr">
+                      <a:pPr marL="0" lvl="0" indent="0" algn="ctr" rtl="0">
                         <a:lnSpc>
                           <a:spcPct val="115000"/>
                         </a:lnSpc>
@@ -10603,14 +10917,19 @@
                         <a:buNone/>
                       </a:pPr>
                       <a:r>
-                        <a:rPr b="1" lang="en-GB" sz="1200"/>
+                        <a:rPr lang="en-GB" sz="1200" b="1"/>
                         <a:t>Goal</a:t>
                       </a:r>
-                      <a:endParaRPr b="1" sz="1200"/>
+                      <a:endParaRPr sz="1200" b="1"/>
                     </a:p>
                   </a:txBody>
-                  <a:tcPr marT="91425" marB="91425" marR="91425" marL="91425"/>
+                  <a:tcPr marL="91425" marR="91425" marT="91425" marB="91425"/>
                 </a:tc>
+                <a:extLst>
+                  <a:ext uri="{0D108BD9-81ED-4DB2-BD59-A6C34878D82A}">
+                    <a16:rowId xmlns:a16="http://schemas.microsoft.com/office/drawing/2014/main" val="10000"/>
+                  </a:ext>
+                </a:extLst>
               </a:tr>
               <a:tr h="381000">
                 <a:tc>
@@ -10618,7 +10937,7 @@
                     <a:bodyPr/>
                     <a:lstStyle/>
                     <a:p>
-                      <a:pPr indent="0" lvl="0" marL="0" rtl="0" algn="l">
+                      <a:pPr marL="0" lvl="0" indent="0" algn="l" rtl="0">
                         <a:spcBef>
                           <a:spcPts val="0"/>
                         </a:spcBef>
@@ -10634,14 +10953,14 @@
                       <a:endParaRPr sz="900"/>
                     </a:p>
                   </a:txBody>
-                  <a:tcPr marT="91425" marB="91425" marR="91425" marL="91425"/>
+                  <a:tcPr marL="91425" marR="91425" marT="91425" marB="91425"/>
                 </a:tc>
                 <a:tc>
                   <a:txBody>
                     <a:bodyPr/>
                     <a:lstStyle/>
                     <a:p>
-                      <a:pPr indent="0" lvl="0" marL="0" rtl="0" algn="l">
+                      <a:pPr marL="0" lvl="0" indent="0" algn="l" rtl="0">
                         <a:spcBef>
                           <a:spcPts val="0"/>
                         </a:spcBef>
@@ -10657,14 +10976,14 @@
                       <a:endParaRPr sz="900"/>
                     </a:p>
                   </a:txBody>
-                  <a:tcPr marT="91425" marB="91425" marR="91425" marL="91425"/>
+                  <a:tcPr marL="91425" marR="91425" marT="91425" marB="91425"/>
                 </a:tc>
                 <a:tc>
                   <a:txBody>
                     <a:bodyPr/>
                     <a:lstStyle/>
                     <a:p>
-                      <a:pPr indent="0" lvl="0" marL="0" rtl="0" algn="l">
+                      <a:pPr marL="0" lvl="0" indent="0" algn="l" rtl="0">
                         <a:spcBef>
                           <a:spcPts val="0"/>
                         </a:spcBef>
@@ -10680,14 +10999,14 @@
                       <a:endParaRPr sz="900"/>
                     </a:p>
                   </a:txBody>
-                  <a:tcPr marT="91425" marB="91425" marR="91425" marL="91425"/>
+                  <a:tcPr marL="91425" marR="91425" marT="91425" marB="91425"/>
                 </a:tc>
                 <a:tc>
                   <a:txBody>
                     <a:bodyPr/>
                     <a:lstStyle/>
                     <a:p>
-                      <a:pPr indent="0" lvl="0" marL="0" rtl="0" algn="l">
+                      <a:pPr marL="0" lvl="0" indent="0" algn="l" rtl="0">
                         <a:spcBef>
                           <a:spcPts val="0"/>
                         </a:spcBef>
@@ -10703,8 +11022,13 @@
                       <a:endParaRPr sz="900"/>
                     </a:p>
                   </a:txBody>
-                  <a:tcPr marT="91425" marB="91425" marR="91425" marL="91425"/>
+                  <a:tcPr marL="91425" marR="91425" marT="91425" marB="91425"/>
                 </a:tc>
+                <a:extLst>
+                  <a:ext uri="{0D108BD9-81ED-4DB2-BD59-A6C34878D82A}">
+                    <a16:rowId xmlns:a16="http://schemas.microsoft.com/office/drawing/2014/main" val="10001"/>
+                  </a:ext>
+                </a:extLst>
               </a:tr>
               <a:tr h="381000">
                 <a:tc>
@@ -10712,7 +11036,7 @@
                     <a:bodyPr/>
                     <a:lstStyle/>
                     <a:p>
-                      <a:pPr indent="0" lvl="0" marL="0" rtl="0" algn="l">
+                      <a:pPr marL="0" lvl="0" indent="0" algn="l" rtl="0">
                         <a:spcBef>
                           <a:spcPts val="0"/>
                         </a:spcBef>
@@ -10728,14 +11052,14 @@
                       <a:endParaRPr sz="900"/>
                     </a:p>
                   </a:txBody>
-                  <a:tcPr marT="91425" marB="91425" marR="91425" marL="91425"/>
+                  <a:tcPr marL="91425" marR="91425" marT="91425" marB="91425"/>
                 </a:tc>
                 <a:tc>
                   <a:txBody>
                     <a:bodyPr/>
                     <a:lstStyle/>
                     <a:p>
-                      <a:pPr indent="0" lvl="0" marL="0" rtl="0" algn="l">
+                      <a:pPr marL="0" lvl="0" indent="0" algn="l" rtl="0">
                         <a:spcBef>
                           <a:spcPts val="0"/>
                         </a:spcBef>
@@ -10751,14 +11075,14 @@
                       <a:endParaRPr sz="900"/>
                     </a:p>
                   </a:txBody>
-                  <a:tcPr marT="91425" marB="91425" marR="91425" marL="91425"/>
+                  <a:tcPr marL="91425" marR="91425" marT="91425" marB="91425"/>
                 </a:tc>
                 <a:tc>
                   <a:txBody>
                     <a:bodyPr/>
                     <a:lstStyle/>
                     <a:p>
-                      <a:pPr indent="0" lvl="0" marL="0" rtl="0" algn="l">
+                      <a:pPr marL="0" lvl="0" indent="0" algn="l" rtl="0">
                         <a:spcBef>
                           <a:spcPts val="0"/>
                         </a:spcBef>
@@ -10774,14 +11098,14 @@
                       <a:endParaRPr sz="900"/>
                     </a:p>
                   </a:txBody>
-                  <a:tcPr marT="91425" marB="91425" marR="91425" marL="91425"/>
+                  <a:tcPr marL="91425" marR="91425" marT="91425" marB="91425"/>
                 </a:tc>
                 <a:tc>
                   <a:txBody>
                     <a:bodyPr/>
                     <a:lstStyle/>
                     <a:p>
-                      <a:pPr indent="0" lvl="0" marL="0" rtl="0" algn="l">
+                      <a:pPr marL="0" lvl="0" indent="0" algn="l" rtl="0">
                         <a:spcBef>
                           <a:spcPts val="0"/>
                         </a:spcBef>
@@ -10797,8 +11121,13 @@
                       <a:endParaRPr sz="900"/>
                     </a:p>
                   </a:txBody>
-                  <a:tcPr marT="91425" marB="91425" marR="91425" marL="91425"/>
+                  <a:tcPr marL="91425" marR="91425" marT="91425" marB="91425"/>
                 </a:tc>
+                <a:extLst>
+                  <a:ext uri="{0D108BD9-81ED-4DB2-BD59-A6C34878D82A}">
+                    <a16:rowId xmlns:a16="http://schemas.microsoft.com/office/drawing/2014/main" val="10002"/>
+                  </a:ext>
+                </a:extLst>
               </a:tr>
               <a:tr h="381000">
                 <a:tc>
@@ -10806,7 +11135,7 @@
                     <a:bodyPr/>
                     <a:lstStyle/>
                     <a:p>
-                      <a:pPr indent="0" lvl="0" marL="0" rtl="0" algn="l">
+                      <a:pPr marL="0" lvl="0" indent="0" algn="l" rtl="0">
                         <a:spcBef>
                           <a:spcPts val="0"/>
                         </a:spcBef>
@@ -10822,14 +11151,14 @@
                       <a:endParaRPr sz="900"/>
                     </a:p>
                   </a:txBody>
-                  <a:tcPr marT="91425" marB="91425" marR="91425" marL="91425"/>
+                  <a:tcPr marL="91425" marR="91425" marT="91425" marB="91425"/>
                 </a:tc>
                 <a:tc>
                   <a:txBody>
                     <a:bodyPr/>
                     <a:lstStyle/>
                     <a:p>
-                      <a:pPr indent="0" lvl="0" marL="0" rtl="0" algn="l">
+                      <a:pPr marL="0" lvl="0" indent="0" algn="l" rtl="0">
                         <a:spcBef>
                           <a:spcPts val="0"/>
                         </a:spcBef>
@@ -10840,23 +11169,19 @@
                       </a:pPr>
                       <a:r>
                         <a:rPr lang="en-GB" sz="900"/>
-                        <a:t>3.9</a:t>
-                      </a:r>
-                      <a:r>
-                        <a:rPr lang="en-GB" sz="900"/>
-                        <a:t> %</a:t>
+                        <a:t>3.9 %</a:t>
                       </a:r>
                       <a:endParaRPr sz="900"/>
                     </a:p>
                   </a:txBody>
-                  <a:tcPr marT="91425" marB="91425" marR="91425" marL="91425"/>
+                  <a:tcPr marL="91425" marR="91425" marT="91425" marB="91425"/>
                 </a:tc>
                 <a:tc>
                   <a:txBody>
                     <a:bodyPr/>
                     <a:lstStyle/>
                     <a:p>
-                      <a:pPr indent="0" lvl="0" marL="0" rtl="0" algn="l">
+                      <a:pPr marL="0" lvl="0" indent="0" algn="l" rtl="0">
                         <a:spcBef>
                           <a:spcPts val="0"/>
                         </a:spcBef>
@@ -10872,14 +11197,14 @@
                       <a:endParaRPr sz="900"/>
                     </a:p>
                   </a:txBody>
-                  <a:tcPr marT="91425" marB="91425" marR="91425" marL="91425"/>
+                  <a:tcPr marL="91425" marR="91425" marT="91425" marB="91425"/>
                 </a:tc>
                 <a:tc>
                   <a:txBody>
                     <a:bodyPr/>
                     <a:lstStyle/>
                     <a:p>
-                      <a:pPr indent="0" lvl="0" marL="0" rtl="0" algn="l">
+                      <a:pPr marL="0" lvl="0" indent="0" algn="l" rtl="0">
                         <a:spcBef>
                           <a:spcPts val="0"/>
                         </a:spcBef>
@@ -10895,8 +11220,13 @@
                       <a:endParaRPr sz="900"/>
                     </a:p>
                   </a:txBody>
-                  <a:tcPr marT="91425" marB="91425" marR="91425" marL="91425"/>
+                  <a:tcPr marL="91425" marR="91425" marT="91425" marB="91425"/>
                 </a:tc>
+                <a:extLst>
+                  <a:ext uri="{0D108BD9-81ED-4DB2-BD59-A6C34878D82A}">
+                    <a16:rowId xmlns:a16="http://schemas.microsoft.com/office/drawing/2014/main" val="10003"/>
+                  </a:ext>
+                </a:extLst>
               </a:tr>
               <a:tr h="381000">
                 <a:tc>
@@ -10904,7 +11234,7 @@
                     <a:bodyPr/>
                     <a:lstStyle/>
                     <a:p>
-                      <a:pPr indent="0" lvl="0" marL="0" rtl="0" algn="l">
+                      <a:pPr marL="0" lvl="0" indent="0" algn="l" rtl="0">
                         <a:spcBef>
                           <a:spcPts val="0"/>
                         </a:spcBef>
@@ -10920,14 +11250,14 @@
                       <a:endParaRPr sz="900"/>
                     </a:p>
                   </a:txBody>
-                  <a:tcPr marT="91425" marB="91425" marR="91425" marL="91425"/>
+                  <a:tcPr marL="91425" marR="91425" marT="91425" marB="91425"/>
                 </a:tc>
                 <a:tc>
                   <a:txBody>
                     <a:bodyPr/>
                     <a:lstStyle/>
                     <a:p>
-                      <a:pPr indent="0" lvl="0" marL="0" rtl="0" algn="l">
+                      <a:pPr marL="0" lvl="0" indent="0" algn="l" rtl="0">
                         <a:spcBef>
                           <a:spcPts val="0"/>
                         </a:spcBef>
@@ -10943,14 +11273,14 @@
                       <a:endParaRPr sz="900"/>
                     </a:p>
                   </a:txBody>
-                  <a:tcPr marT="91425" marB="91425" marR="91425" marL="91425"/>
+                  <a:tcPr marL="91425" marR="91425" marT="91425" marB="91425"/>
                 </a:tc>
                 <a:tc>
                   <a:txBody>
                     <a:bodyPr/>
                     <a:lstStyle/>
                     <a:p>
-                      <a:pPr indent="0" lvl="0" marL="0" rtl="0" algn="l">
+                      <a:pPr marL="0" lvl="0" indent="0" algn="l" rtl="0">
                         <a:spcBef>
                           <a:spcPts val="0"/>
                         </a:spcBef>
@@ -10966,14 +11296,14 @@
                       <a:endParaRPr sz="900"/>
                     </a:p>
                   </a:txBody>
-                  <a:tcPr marT="91425" marB="91425" marR="91425" marL="91425"/>
+                  <a:tcPr marL="91425" marR="91425" marT="91425" marB="91425"/>
                 </a:tc>
                 <a:tc>
                   <a:txBody>
                     <a:bodyPr/>
                     <a:lstStyle/>
                     <a:p>
-                      <a:pPr indent="0" lvl="0" marL="0" rtl="0" algn="l">
+                      <a:pPr marL="0" lvl="0" indent="0" algn="l" rtl="0">
                         <a:spcBef>
                           <a:spcPts val="0"/>
                         </a:spcBef>
@@ -10989,8 +11319,13 @@
                       <a:endParaRPr sz="900"/>
                     </a:p>
                   </a:txBody>
-                  <a:tcPr marT="91425" marB="91425" marR="91425" marL="91425"/>
+                  <a:tcPr marL="91425" marR="91425" marT="91425" marB="91425"/>
                 </a:tc>
+                <a:extLst>
+                  <a:ext uri="{0D108BD9-81ED-4DB2-BD59-A6C34878D82A}">
+                    <a16:rowId xmlns:a16="http://schemas.microsoft.com/office/drawing/2014/main" val="10004"/>
+                  </a:ext>
+                </a:extLst>
               </a:tr>
               <a:tr h="381000">
                 <a:tc>
@@ -10998,7 +11333,7 @@
                     <a:bodyPr/>
                     <a:lstStyle/>
                     <a:p>
-                      <a:pPr indent="0" lvl="0" marL="0" rtl="0" algn="l">
+                      <a:pPr marL="0" lvl="0" indent="0" algn="l" rtl="0">
                         <a:spcBef>
                           <a:spcPts val="0"/>
                         </a:spcBef>
@@ -11014,14 +11349,14 @@
                       <a:endParaRPr sz="900"/>
                     </a:p>
                   </a:txBody>
-                  <a:tcPr marT="91425" marB="91425" marR="91425" marL="91425"/>
+                  <a:tcPr marL="91425" marR="91425" marT="91425" marB="91425"/>
                 </a:tc>
                 <a:tc>
                   <a:txBody>
                     <a:bodyPr/>
                     <a:lstStyle/>
                     <a:p>
-                      <a:pPr indent="0" lvl="0" marL="0" rtl="0" algn="l">
+                      <a:pPr marL="0" lvl="0" indent="0" algn="l" rtl="0">
                         <a:spcBef>
                           <a:spcPts val="0"/>
                         </a:spcBef>
@@ -11037,14 +11372,14 @@
                       <a:endParaRPr sz="900"/>
                     </a:p>
                   </a:txBody>
-                  <a:tcPr marT="91425" marB="91425" marR="91425" marL="91425"/>
+                  <a:tcPr marL="91425" marR="91425" marT="91425" marB="91425"/>
                 </a:tc>
                 <a:tc>
                   <a:txBody>
                     <a:bodyPr/>
                     <a:lstStyle/>
                     <a:p>
-                      <a:pPr indent="0" lvl="0" marL="0" rtl="0" algn="l">
+                      <a:pPr marL="0" lvl="0" indent="0" algn="l" rtl="0">
                         <a:spcBef>
                           <a:spcPts val="0"/>
                         </a:spcBef>
@@ -11060,14 +11395,14 @@
                       <a:endParaRPr sz="900"/>
                     </a:p>
                   </a:txBody>
-                  <a:tcPr marT="91425" marB="91425" marR="91425" marL="91425"/>
+                  <a:tcPr marL="91425" marR="91425" marT="91425" marB="91425"/>
                 </a:tc>
                 <a:tc>
                   <a:txBody>
                     <a:bodyPr/>
                     <a:lstStyle/>
                     <a:p>
-                      <a:pPr indent="0" lvl="0" marL="0" rtl="0" algn="l">
+                      <a:pPr marL="0" lvl="0" indent="0" algn="l" rtl="0">
                         <a:spcBef>
                           <a:spcPts val="0"/>
                         </a:spcBef>
@@ -11083,8 +11418,13 @@
                       <a:endParaRPr sz="900"/>
                     </a:p>
                   </a:txBody>
-                  <a:tcPr marT="91425" marB="91425" marR="91425" marL="91425"/>
+                  <a:tcPr marL="91425" marR="91425" marT="91425" marB="91425"/>
                 </a:tc>
+                <a:extLst>
+                  <a:ext uri="{0D108BD9-81ED-4DB2-BD59-A6C34878D82A}">
+                    <a16:rowId xmlns:a16="http://schemas.microsoft.com/office/drawing/2014/main" val="10005"/>
+                  </a:ext>
+                </a:extLst>
               </a:tr>
               <a:tr h="381000">
                 <a:tc>
@@ -11092,7 +11432,7 @@
                     <a:bodyPr/>
                     <a:lstStyle/>
                     <a:p>
-                      <a:pPr indent="0" lvl="0" marL="0" rtl="0" algn="l">
+                      <a:pPr marL="0" lvl="0" indent="0" algn="l" rtl="0">
                         <a:spcBef>
                           <a:spcPts val="0"/>
                         </a:spcBef>
@@ -11108,14 +11448,14 @@
                       <a:endParaRPr sz="900"/>
                     </a:p>
                   </a:txBody>
-                  <a:tcPr marT="91425" marB="91425" marR="91425" marL="91425"/>
+                  <a:tcPr marL="91425" marR="91425" marT="91425" marB="91425"/>
                 </a:tc>
                 <a:tc>
                   <a:txBody>
                     <a:bodyPr/>
                     <a:lstStyle/>
                     <a:p>
-                      <a:pPr indent="0" lvl="0" marL="0" rtl="0" algn="l">
+                      <a:pPr marL="0" lvl="0" indent="0" algn="l" rtl="0">
                         <a:spcBef>
                           <a:spcPts val="0"/>
                         </a:spcBef>
@@ -11126,23 +11466,19 @@
                       </a:pPr>
                       <a:r>
                         <a:rPr lang="en-GB" sz="900"/>
-                        <a:t>3.1 </a:t>
-                      </a:r>
-                      <a:r>
-                        <a:rPr lang="en-GB" sz="900"/>
-                        <a:t>%</a:t>
+                        <a:t>3.1 %</a:t>
                       </a:r>
                       <a:endParaRPr sz="900"/>
                     </a:p>
                   </a:txBody>
-                  <a:tcPr marT="91425" marB="91425" marR="91425" marL="91425"/>
+                  <a:tcPr marL="91425" marR="91425" marT="91425" marB="91425"/>
                 </a:tc>
                 <a:tc>
                   <a:txBody>
                     <a:bodyPr/>
                     <a:lstStyle/>
                     <a:p>
-                      <a:pPr indent="0" lvl="0" marL="0" rtl="0" algn="l">
+                      <a:pPr marL="0" lvl="0" indent="0" algn="l" rtl="0">
                         <a:spcBef>
                           <a:spcPts val="0"/>
                         </a:spcBef>
@@ -11158,14 +11494,14 @@
                       <a:endParaRPr sz="900"/>
                     </a:p>
                   </a:txBody>
-                  <a:tcPr marT="91425" marB="91425" marR="91425" marL="91425"/>
+                  <a:tcPr marL="91425" marR="91425" marT="91425" marB="91425"/>
                 </a:tc>
                 <a:tc>
                   <a:txBody>
                     <a:bodyPr/>
                     <a:lstStyle/>
                     <a:p>
-                      <a:pPr indent="0" lvl="0" marL="0" rtl="0" algn="l">
+                      <a:pPr marL="0" lvl="0" indent="0" algn="l" rtl="0">
                         <a:spcBef>
                           <a:spcPts val="0"/>
                         </a:spcBef>
@@ -11181,8 +11517,13 @@
                       <a:endParaRPr sz="900"/>
                     </a:p>
                   </a:txBody>
-                  <a:tcPr marT="91425" marB="91425" marR="91425" marL="91425"/>
+                  <a:tcPr marL="91425" marR="91425" marT="91425" marB="91425"/>
                 </a:tc>
+                <a:extLst>
+                  <a:ext uri="{0D108BD9-81ED-4DB2-BD59-A6C34878D82A}">
+                    <a16:rowId xmlns:a16="http://schemas.microsoft.com/office/drawing/2014/main" val="10006"/>
+                  </a:ext>
+                </a:extLst>
               </a:tr>
               <a:tr h="381000">
                 <a:tc>
@@ -11190,7 +11531,7 @@
                     <a:bodyPr/>
                     <a:lstStyle/>
                     <a:p>
-                      <a:pPr indent="0" lvl="0" marL="0" rtl="0" algn="l">
+                      <a:pPr marL="0" lvl="0" indent="0" algn="l" rtl="0">
                         <a:spcBef>
                           <a:spcPts val="0"/>
                         </a:spcBef>
@@ -11206,14 +11547,14 @@
                       <a:endParaRPr sz="900"/>
                     </a:p>
                   </a:txBody>
-                  <a:tcPr marT="91425" marB="91425" marR="91425" marL="91425"/>
+                  <a:tcPr marL="91425" marR="91425" marT="91425" marB="91425"/>
                 </a:tc>
                 <a:tc>
                   <a:txBody>
                     <a:bodyPr/>
                     <a:lstStyle/>
                     <a:p>
-                      <a:pPr indent="0" lvl="0" marL="0" rtl="0" algn="l">
+                      <a:pPr marL="0" lvl="0" indent="0" algn="l" rtl="0">
                         <a:spcBef>
                           <a:spcPts val="0"/>
                         </a:spcBef>
@@ -11229,14 +11570,14 @@
                       <a:endParaRPr sz="900"/>
                     </a:p>
                   </a:txBody>
-                  <a:tcPr marT="91425" marB="91425" marR="91425" marL="91425"/>
+                  <a:tcPr marL="91425" marR="91425" marT="91425" marB="91425"/>
                 </a:tc>
                 <a:tc>
                   <a:txBody>
                     <a:bodyPr/>
                     <a:lstStyle/>
                     <a:p>
-                      <a:pPr indent="0" lvl="0" marL="0" rtl="0" algn="l">
+                      <a:pPr marL="0" lvl="0" indent="0" algn="l" rtl="0">
                         <a:spcBef>
                           <a:spcPts val="0"/>
                         </a:spcBef>
@@ -11252,14 +11593,14 @@
                       <a:endParaRPr sz="900"/>
                     </a:p>
                   </a:txBody>
-                  <a:tcPr marT="91425" marB="91425" marR="91425" marL="91425"/>
+                  <a:tcPr marL="91425" marR="91425" marT="91425" marB="91425"/>
                 </a:tc>
                 <a:tc>
                   <a:txBody>
                     <a:bodyPr/>
                     <a:lstStyle/>
                     <a:p>
-                      <a:pPr indent="0" lvl="0" marL="0" rtl="0" algn="l">
+                      <a:pPr marL="0" lvl="0" indent="0" algn="l" rtl="0">
                         <a:spcBef>
                           <a:spcPts val="0"/>
                         </a:spcBef>
@@ -11275,8 +11616,13 @@
                       <a:endParaRPr sz="900"/>
                     </a:p>
                   </a:txBody>
-                  <a:tcPr marT="91425" marB="91425" marR="91425" marL="91425"/>
+                  <a:tcPr marL="91425" marR="91425" marT="91425" marB="91425"/>
                 </a:tc>
+                <a:extLst>
+                  <a:ext uri="{0D108BD9-81ED-4DB2-BD59-A6C34878D82A}">
+                    <a16:rowId xmlns:a16="http://schemas.microsoft.com/office/drawing/2014/main" val="10007"/>
+                  </a:ext>
+                </a:extLst>
               </a:tr>
             </a:tbl>
           </a:graphicData>
@@ -11291,7 +11637,7 @@
 </file>
 
 <file path=ppt/theme/theme1.xml><?xml version="1.0" encoding="utf-8"?>
-<a:theme xmlns:a="http://schemas.openxmlformats.org/drawingml/2006/main" xmlns:r="http://schemas.openxmlformats.org/officeDocument/2006/relationships" name="Simple Light">
+<a:theme xmlns:a="http://schemas.openxmlformats.org/drawingml/2006/main" name="Simple Light">
   <a:themeElements>
     <a:clrScheme name="Simple Light">
       <a:dk1>
@@ -11566,11 +11912,13 @@
       </a:bgFillStyleLst>
     </a:fmtScheme>
   </a:themeElements>
+  <a:objectDefaults/>
+  <a:extraClrSchemeLst/>
 </a:theme>
 </file>
 
 <file path=ppt/theme/theme2.xml><?xml version="1.0" encoding="utf-8"?>
-<a:theme xmlns:a="http://schemas.openxmlformats.org/drawingml/2006/main" xmlns:r="http://schemas.openxmlformats.org/officeDocument/2006/relationships">
+<a:theme xmlns:a="http://schemas.openxmlformats.org/drawingml/2006/main">
   <a:themeElements>
     <a:clrScheme name="Default">
       <a:dk1>
@@ -11845,5 +12193,7 @@
       </a:bgFillStyleLst>
     </a:fmtScheme>
   </a:themeElements>
+  <a:objectDefaults/>
+  <a:extraClrSchemeLst/>
 </a:theme>
 </file>